--- a/Project/ViewMore/Linamar.pptx
+++ b/Project/ViewMore/Linamar.pptx
@@ -1,45 +1,45 @@
 
 <file path=ppt/presentation.xml><?xml version="1.0" encoding="utf-8"?>
-<p:presentation xmlns:a="http://schemas.openxmlformats.org/drawingml/2006/main" xmlns:r="http://schemas.openxmlformats.org/officeDocument/2006/relationships" xmlns:mc="http://schemas.openxmlformats.org/markup-compatibility/2006" xmlns:mv="urn:schemas-microsoft-com:mac:vml" xmlns:p="http://schemas.openxmlformats.org/presentationml/2006/main" xmlns:c="http://schemas.openxmlformats.org/drawingml/2006/chart" xmlns:dgm="http://schemas.openxmlformats.org/drawingml/2006/diagram" xmlns:o="urn:schemas-microsoft-com:office:office" xmlns:v="urn:schemas-microsoft-com:vml" xmlns:pvml="urn:schemas-microsoft-com:office:powerpoint" xmlns:com="http://schemas.openxmlformats.org/drawingml/2006/compatibility" xmlns:p14="http://schemas.microsoft.com/office/powerpoint/2010/main" xmlns:p15="http://schemas.microsoft.com/office/powerpoint/2012/main" autoCompressPictures="0" embedTrueTypeFonts="1" strictFirstAndLastChars="0" saveSubsetFonts="1">
+<p:presentation xmlns:a="http://schemas.openxmlformats.org/drawingml/2006/main" xmlns:r="http://schemas.openxmlformats.org/officeDocument/2006/relationships" xmlns:p="http://schemas.openxmlformats.org/presentationml/2006/main" strictFirstAndLastChars="0" embedTrueTypeFonts="1" autoCompressPictures="0">
   <p:sldMasterIdLst>
-    <p:sldMasterId id="2147483659" r:id="rId4"/>
+    <p:sldMasterId id="2147483659" r:id="rId1"/>
   </p:sldMasterIdLst>
   <p:notesMasterIdLst>
-    <p:notesMasterId r:id="rId5"/>
+    <p:notesMasterId r:id="rId13"/>
   </p:notesMasterIdLst>
   <p:sldIdLst>
-    <p:sldId id="256" r:id="rId6"/>
-    <p:sldId id="257" r:id="rId7"/>
-    <p:sldId id="258" r:id="rId8"/>
-    <p:sldId id="259" r:id="rId9"/>
-    <p:sldId id="260" r:id="rId10"/>
-    <p:sldId id="261" r:id="rId11"/>
-    <p:sldId id="262" r:id="rId12"/>
-    <p:sldId id="263" r:id="rId13"/>
-    <p:sldId id="264" r:id="rId14"/>
-    <p:sldId id="265" r:id="rId15"/>
-    <p:sldId id="266" r:id="rId16"/>
+    <p:sldId id="256" r:id="rId2"/>
+    <p:sldId id="257" r:id="rId3"/>
+    <p:sldId id="258" r:id="rId4"/>
+    <p:sldId id="259" r:id="rId5"/>
+    <p:sldId id="260" r:id="rId6"/>
+    <p:sldId id="261" r:id="rId7"/>
+    <p:sldId id="262" r:id="rId8"/>
+    <p:sldId id="263" r:id="rId9"/>
+    <p:sldId id="264" r:id="rId10"/>
+    <p:sldId id="265" r:id="rId11"/>
+    <p:sldId id="266" r:id="rId12"/>
   </p:sldIdLst>
-  <p:sldSz cy="5143500" cx="9144000"/>
+  <p:sldSz cx="9144000" cy="5143500" type="screen16x9"/>
   <p:notesSz cx="6858000" cy="9144000"/>
   <p:embeddedFontLst>
     <p:embeddedFont>
-      <p:font typeface="Raleway"/>
-      <p:regular r:id="rId17"/>
-      <p:bold r:id="rId18"/>
-      <p:italic r:id="rId19"/>
-      <p:boldItalic r:id="rId20"/>
+      <p:font typeface="Lato" panose="020F0502020204030203" pitchFamily="34" charset="77"/>
+      <p:regular r:id="rId14"/>
+      <p:bold r:id="rId15"/>
+      <p:italic r:id="rId16"/>
+      <p:boldItalic r:id="rId17"/>
     </p:embeddedFont>
     <p:embeddedFont>
-      <p:font typeface="Lato"/>
-      <p:regular r:id="rId21"/>
-      <p:bold r:id="rId22"/>
-      <p:italic r:id="rId23"/>
-      <p:boldItalic r:id="rId24"/>
+      <p:font typeface="Raleway" panose="020B0503030101060003" pitchFamily="34" charset="77"/>
+      <p:regular r:id="rId18"/>
+      <p:bold r:id="rId19"/>
+      <p:italic r:id="rId20"/>
+      <p:boldItalic r:id="rId21"/>
     </p:embeddedFont>
   </p:embeddedFontLst>
   <p:defaultTextStyle>
-    <a:defPPr lvl="0" marR="0" rtl="0" algn="l">
+    <a:defPPr marR="0" lvl="0" algn="l" rtl="0">
       <a:lnSpc>
         <a:spcPct val="100000"/>
       </a:lnSpc>
@@ -50,7 +50,7 @@
         <a:spcPts val="0"/>
       </a:spcAft>
     </a:defPPr>
-    <a:lvl1pPr lvl="0" marR="0" rtl="0" algn="l">
+    <a:lvl1pPr marR="0" lvl="0" algn="l" rtl="0">
       <a:lnSpc>
         <a:spcPct val="100000"/>
       </a:lnSpc>
@@ -64,7 +64,7 @@
         <a:srgbClr val="000000"/>
       </a:buClr>
       <a:buFont typeface="Arial"/>
-      <a:defRPr b="0" i="0" sz="1400" u="none" cap="none" strike="noStrike">
+      <a:defRPr sz="1400" b="0" i="0" u="none" strike="noStrike" cap="none">
         <a:solidFill>
           <a:srgbClr val="000000"/>
         </a:solidFill>
@@ -74,7 +74,7 @@
         <a:sym typeface="Arial"/>
       </a:defRPr>
     </a:lvl1pPr>
-    <a:lvl2pPr lvl="1" marR="0" rtl="0" algn="l">
+    <a:lvl2pPr marR="0" lvl="1" algn="l" rtl="0">
       <a:lnSpc>
         <a:spcPct val="100000"/>
       </a:lnSpc>
@@ -88,7 +88,7 @@
         <a:srgbClr val="000000"/>
       </a:buClr>
       <a:buFont typeface="Arial"/>
-      <a:defRPr b="0" i="0" sz="1400" u="none" cap="none" strike="noStrike">
+      <a:defRPr sz="1400" b="0" i="0" u="none" strike="noStrike" cap="none">
         <a:solidFill>
           <a:srgbClr val="000000"/>
         </a:solidFill>
@@ -98,7 +98,7 @@
         <a:sym typeface="Arial"/>
       </a:defRPr>
     </a:lvl2pPr>
-    <a:lvl3pPr lvl="2" marR="0" rtl="0" algn="l">
+    <a:lvl3pPr marR="0" lvl="2" algn="l" rtl="0">
       <a:lnSpc>
         <a:spcPct val="100000"/>
       </a:lnSpc>
@@ -112,7 +112,7 @@
         <a:srgbClr val="000000"/>
       </a:buClr>
       <a:buFont typeface="Arial"/>
-      <a:defRPr b="0" i="0" sz="1400" u="none" cap="none" strike="noStrike">
+      <a:defRPr sz="1400" b="0" i="0" u="none" strike="noStrike" cap="none">
         <a:solidFill>
           <a:srgbClr val="000000"/>
         </a:solidFill>
@@ -122,7 +122,7 @@
         <a:sym typeface="Arial"/>
       </a:defRPr>
     </a:lvl3pPr>
-    <a:lvl4pPr lvl="3" marR="0" rtl="0" algn="l">
+    <a:lvl4pPr marR="0" lvl="3" algn="l" rtl="0">
       <a:lnSpc>
         <a:spcPct val="100000"/>
       </a:lnSpc>
@@ -136,7 +136,7 @@
         <a:srgbClr val="000000"/>
       </a:buClr>
       <a:buFont typeface="Arial"/>
-      <a:defRPr b="0" i="0" sz="1400" u="none" cap="none" strike="noStrike">
+      <a:defRPr sz="1400" b="0" i="0" u="none" strike="noStrike" cap="none">
         <a:solidFill>
           <a:srgbClr val="000000"/>
         </a:solidFill>
@@ -146,7 +146,7 @@
         <a:sym typeface="Arial"/>
       </a:defRPr>
     </a:lvl4pPr>
-    <a:lvl5pPr lvl="4" marR="0" rtl="0" algn="l">
+    <a:lvl5pPr marR="0" lvl="4" algn="l" rtl="0">
       <a:lnSpc>
         <a:spcPct val="100000"/>
       </a:lnSpc>
@@ -160,7 +160,7 @@
         <a:srgbClr val="000000"/>
       </a:buClr>
       <a:buFont typeface="Arial"/>
-      <a:defRPr b="0" i="0" sz="1400" u="none" cap="none" strike="noStrike">
+      <a:defRPr sz="1400" b="0" i="0" u="none" strike="noStrike" cap="none">
         <a:solidFill>
           <a:srgbClr val="000000"/>
         </a:solidFill>
@@ -170,7 +170,7 @@
         <a:sym typeface="Arial"/>
       </a:defRPr>
     </a:lvl5pPr>
-    <a:lvl6pPr lvl="5" marR="0" rtl="0" algn="l">
+    <a:lvl6pPr marR="0" lvl="5" algn="l" rtl="0">
       <a:lnSpc>
         <a:spcPct val="100000"/>
       </a:lnSpc>
@@ -184,7 +184,7 @@
         <a:srgbClr val="000000"/>
       </a:buClr>
       <a:buFont typeface="Arial"/>
-      <a:defRPr b="0" i="0" sz="1400" u="none" cap="none" strike="noStrike">
+      <a:defRPr sz="1400" b="0" i="0" u="none" strike="noStrike" cap="none">
         <a:solidFill>
           <a:srgbClr val="000000"/>
         </a:solidFill>
@@ -194,7 +194,7 @@
         <a:sym typeface="Arial"/>
       </a:defRPr>
     </a:lvl6pPr>
-    <a:lvl7pPr lvl="6" marR="0" rtl="0" algn="l">
+    <a:lvl7pPr marR="0" lvl="6" algn="l" rtl="0">
       <a:lnSpc>
         <a:spcPct val="100000"/>
       </a:lnSpc>
@@ -208,7 +208,7 @@
         <a:srgbClr val="000000"/>
       </a:buClr>
       <a:buFont typeface="Arial"/>
-      <a:defRPr b="0" i="0" sz="1400" u="none" cap="none" strike="noStrike">
+      <a:defRPr sz="1400" b="0" i="0" u="none" strike="noStrike" cap="none">
         <a:solidFill>
           <a:srgbClr val="000000"/>
         </a:solidFill>
@@ -218,7 +218,7 @@
         <a:sym typeface="Arial"/>
       </a:defRPr>
     </a:lvl7pPr>
-    <a:lvl8pPr lvl="7" marR="0" rtl="0" algn="l">
+    <a:lvl8pPr marR="0" lvl="7" algn="l" rtl="0">
       <a:lnSpc>
         <a:spcPct val="100000"/>
       </a:lnSpc>
@@ -232,7 +232,7 @@
         <a:srgbClr val="000000"/>
       </a:buClr>
       <a:buFont typeface="Arial"/>
-      <a:defRPr b="0" i="0" sz="1400" u="none" cap="none" strike="noStrike">
+      <a:defRPr sz="1400" b="0" i="0" u="none" strike="noStrike" cap="none">
         <a:solidFill>
           <a:srgbClr val="000000"/>
         </a:solidFill>
@@ -242,7 +242,7 @@
         <a:sym typeface="Arial"/>
       </a:defRPr>
     </a:lvl8pPr>
-    <a:lvl9pPr lvl="8" marR="0" rtl="0" algn="l">
+    <a:lvl9pPr marR="0" lvl="8" algn="l" rtl="0">
       <a:lnSpc>
         <a:spcPct val="100000"/>
       </a:lnSpc>
@@ -256,7 +256,7 @@
         <a:srgbClr val="000000"/>
       </a:buClr>
       <a:buFont typeface="Arial"/>
-      <a:defRPr b="0" i="0" sz="1400" u="none" cap="none" strike="noStrike">
+      <a:defRPr sz="1400" b="0" i="0" u="none" strike="noStrike" cap="none">
         <a:solidFill>
           <a:srgbClr val="000000"/>
         </a:solidFill>
@@ -269,7 +269,7 @@
   </p:defaultTextStyle>
   <p:extLst>
     <p:ext uri="{EFAFB233-063F-42B5-8137-9DF3F51BA10A}">
-      <p15:sldGuideLst>
+      <p15:sldGuideLst xmlns:p15="http://schemas.microsoft.com/office/powerpoint/2012/main">
         <p15:guide id="1" orient="horz" pos="1620">
           <p15:clr>
             <a:srgbClr val="A4A3A4"/>
@@ -287,11 +287,16 @@
 </file>
 
 <file path=ppt/notesMasters/notesMaster1.xml><?xml version="1.0" encoding="utf-8"?>
-<p:notesMaster xmlns:a="http://schemas.openxmlformats.org/drawingml/2006/main" xmlns:r="http://schemas.openxmlformats.org/officeDocument/2006/relationships" xmlns:mc="http://schemas.openxmlformats.org/markup-compatibility/2006" xmlns:mv="urn:schemas-microsoft-com:mac:vml" xmlns:p="http://schemas.openxmlformats.org/presentationml/2006/main" xmlns:c="http://schemas.openxmlformats.org/drawingml/2006/chart" xmlns:dgm="http://schemas.openxmlformats.org/drawingml/2006/diagram" xmlns:o="urn:schemas-microsoft-com:office:office" xmlns:v="urn:schemas-microsoft-com:vml" xmlns:pvml="urn:schemas-microsoft-com:office:powerpoint" xmlns:com="http://schemas.openxmlformats.org/drawingml/2006/compatibility" xmlns:p14="http://schemas.microsoft.com/office/powerpoint/2010/main" xmlns:p15="http://schemas.microsoft.com/office/powerpoint/2012/main">
+<p:notesMaster xmlns:a="http://schemas.openxmlformats.org/drawingml/2006/main" xmlns:r="http://schemas.openxmlformats.org/officeDocument/2006/relationships" xmlns:p="http://schemas.openxmlformats.org/presentationml/2006/main">
   <p:cSld>
+    <p:bg>
+      <p:bgRef idx="1001">
+        <a:schemeClr val="bg1"/>
+      </p:bgRef>
+    </p:bg>
     <p:spTree>
       <p:nvGrpSpPr>
-        <p:cNvPr id="2" name="Shape 2"/>
+        <p:cNvPr id="1" name="Shape 2"/>
         <p:cNvGrpSpPr/>
         <p:nvPr/>
       </p:nvGrpSpPr>
@@ -306,9 +311,11 @@
       <p:sp>
         <p:nvSpPr>
           <p:cNvPr id="3" name="Google Shape;3;n"/>
-          <p:cNvSpPr/>
+          <p:cNvSpPr>
+            <a:spLocks noGrp="1" noRot="1" noChangeAspect="1"/>
+          </p:cNvSpPr>
           <p:nvPr>
-            <p:ph idx="2" type="sldImg"/>
+            <p:ph type="sldImg" idx="2"/>
           </p:nvPr>
         </p:nvSpPr>
         <p:spPr>
@@ -317,9 +324,13 @@
             <a:ext cx="6096075" cy="3429000"/>
           </a:xfrm>
           <a:custGeom>
-            <a:rect b="b" l="l" r="r" t="t"/>
+            <a:avLst/>
+            <a:gdLst/>
+            <a:ahLst/>
+            <a:cxnLst/>
+            <a:rect l="l" t="t" r="r" b="b"/>
             <a:pathLst>
-              <a:path extrusionOk="0" h="120000" w="120000">
+              <a:path w="120000" h="120000" extrusionOk="0">
                 <a:moveTo>
                   <a:pt x="0" y="0"/>
                 </a:moveTo>
@@ -337,23 +348,25 @@
             </a:pathLst>
           </a:custGeom>
           <a:noFill/>
-          <a:ln cap="flat" cmpd="sng" w="9525">
+          <a:ln w="9525" cap="flat" cmpd="sng">
             <a:solidFill>
               <a:srgbClr val="000000"/>
             </a:solidFill>
             <a:prstDash val="solid"/>
             <a:round/>
-            <a:headEnd len="sm" w="sm" type="none"/>
-            <a:tailEnd len="sm" w="sm" type="none"/>
+            <a:headEnd type="none" w="sm" len="sm"/>
+            <a:tailEnd type="none" w="sm" len="sm"/>
           </a:ln>
         </p:spPr>
       </p:sp>
       <p:sp>
         <p:nvSpPr>
           <p:cNvPr id="4" name="Google Shape;4;n"/>
-          <p:cNvSpPr txBox="1"/>
+          <p:cNvSpPr txBox="1">
+            <a:spLocks noGrp="1"/>
+          </p:cNvSpPr>
           <p:nvPr>
-            <p:ph idx="1" type="body"/>
+            <p:ph type="body" idx="1"/>
           </p:nvPr>
         </p:nvSpPr>
         <p:spPr>
@@ -370,9 +383,9 @@
           </a:ln>
         </p:spPr>
         <p:txBody>
-          <a:bodyPr anchorCtr="0" anchor="t" bIns="91425" lIns="91425" spcFirstLastPara="1" rIns="91425" wrap="square" tIns="91425"/>
+          <a:bodyPr spcFirstLastPara="1" wrap="square" lIns="91425" tIns="91425" rIns="91425" bIns="91425" anchor="t" anchorCtr="0"/>
           <a:lstStyle>
-            <a:lvl1pPr indent="-298450" lvl="0" marL="457200">
+            <a:lvl1pPr marL="457200" lvl="0" indent="-298450">
               <a:spcBef>
                 <a:spcPts val="0"/>
               </a:spcBef>
@@ -383,7 +396,7 @@
               <a:buChar char="●"/>
               <a:defRPr sz="1100"/>
             </a:lvl1pPr>
-            <a:lvl2pPr indent="-298450" lvl="1" marL="914400">
+            <a:lvl2pPr marL="914400" lvl="1" indent="-298450">
               <a:spcBef>
                 <a:spcPts val="0"/>
               </a:spcBef>
@@ -394,7 +407,7 @@
               <a:buChar char="○"/>
               <a:defRPr sz="1100"/>
             </a:lvl2pPr>
-            <a:lvl3pPr indent="-298450" lvl="2" marL="1371600">
+            <a:lvl3pPr marL="1371600" lvl="2" indent="-298450">
               <a:spcBef>
                 <a:spcPts val="0"/>
               </a:spcBef>
@@ -405,7 +418,7 @@
               <a:buChar char="■"/>
               <a:defRPr sz="1100"/>
             </a:lvl3pPr>
-            <a:lvl4pPr indent="-298450" lvl="3" marL="1828800">
+            <a:lvl4pPr marL="1828800" lvl="3" indent="-298450">
               <a:spcBef>
                 <a:spcPts val="0"/>
               </a:spcBef>
@@ -416,7 +429,7 @@
               <a:buChar char="●"/>
               <a:defRPr sz="1100"/>
             </a:lvl4pPr>
-            <a:lvl5pPr indent="-298450" lvl="4" marL="2286000">
+            <a:lvl5pPr marL="2286000" lvl="4" indent="-298450">
               <a:spcBef>
                 <a:spcPts val="0"/>
               </a:spcBef>
@@ -427,7 +440,7 @@
               <a:buChar char="○"/>
               <a:defRPr sz="1100"/>
             </a:lvl5pPr>
-            <a:lvl6pPr indent="-298450" lvl="5" marL="2743200">
+            <a:lvl6pPr marL="2743200" lvl="5" indent="-298450">
               <a:spcBef>
                 <a:spcPts val="0"/>
               </a:spcBef>
@@ -438,7 +451,7 @@
               <a:buChar char="■"/>
               <a:defRPr sz="1100"/>
             </a:lvl6pPr>
-            <a:lvl7pPr indent="-298450" lvl="6" marL="3200400">
+            <a:lvl7pPr marL="3200400" lvl="6" indent="-298450">
               <a:spcBef>
                 <a:spcPts val="0"/>
               </a:spcBef>
@@ -449,7 +462,7 @@
               <a:buChar char="●"/>
               <a:defRPr sz="1100"/>
             </a:lvl7pPr>
-            <a:lvl8pPr indent="-298450" lvl="7" marL="3657600">
+            <a:lvl8pPr marL="3657600" lvl="7" indent="-298450">
               <a:spcBef>
                 <a:spcPts val="0"/>
               </a:spcBef>
@@ -460,7 +473,7 @@
               <a:buChar char="○"/>
               <a:defRPr sz="1100"/>
             </a:lvl8pPr>
-            <a:lvl9pPr indent="-298450" lvl="8" marL="4114800">
+            <a:lvl9pPr marL="4114800" lvl="8" indent="-298450">
               <a:spcBef>
                 <a:spcPts val="0"/>
               </a:spcBef>
@@ -472,14 +485,16 @@
               <a:defRPr sz="1100"/>
             </a:lvl9pPr>
           </a:lstStyle>
-          <a:p/>
+          <a:p>
+            <a:endParaRPr/>
+          </a:p>
         </p:txBody>
       </p:sp>
     </p:spTree>
   </p:cSld>
-  <p:clrMap accent1="accent1" accent2="accent2" accent3="accent3" accent4="accent4" accent5="accent5" accent6="accent6" bg1="lt1" bg2="dk2" tx1="dk1" tx2="lt2" folHlink="folHlink" hlink="hlink"/>
+  <p:clrMap bg1="lt1" tx1="dk1" bg2="dk2" tx2="lt2" accent1="accent1" accent2="accent2" accent3="accent3" accent4="accent4" accent5="accent5" accent6="accent6" hlink="hlink" folHlink="folHlink"/>
   <p:notesStyle>
-    <a:defPPr lvl="0" marR="0" rtl="0" algn="l">
+    <a:defPPr marR="0" lvl="0" algn="l" rtl="0">
       <a:lnSpc>
         <a:spcPct val="100000"/>
       </a:lnSpc>
@@ -490,7 +505,7 @@
         <a:spcPts val="0"/>
       </a:spcAft>
     </a:defPPr>
-    <a:lvl1pPr lvl="0" marR="0" rtl="0" algn="l">
+    <a:lvl1pPr marR="0" lvl="0" algn="l" rtl="0">
       <a:lnSpc>
         <a:spcPct val="100000"/>
       </a:lnSpc>
@@ -504,7 +519,7 @@
         <a:srgbClr val="000000"/>
       </a:buClr>
       <a:buFont typeface="Arial"/>
-      <a:defRPr b="0" i="0" sz="1400" u="none" cap="none" strike="noStrike">
+      <a:defRPr sz="1400" b="0" i="0" u="none" strike="noStrike" cap="none">
         <a:solidFill>
           <a:srgbClr val="000000"/>
         </a:solidFill>
@@ -514,7 +529,7 @@
         <a:sym typeface="Arial"/>
       </a:defRPr>
     </a:lvl1pPr>
-    <a:lvl2pPr lvl="1" marR="0" rtl="0" algn="l">
+    <a:lvl2pPr marR="0" lvl="1" algn="l" rtl="0">
       <a:lnSpc>
         <a:spcPct val="100000"/>
       </a:lnSpc>
@@ -528,7 +543,7 @@
         <a:srgbClr val="000000"/>
       </a:buClr>
       <a:buFont typeface="Arial"/>
-      <a:defRPr b="0" i="0" sz="1400" u="none" cap="none" strike="noStrike">
+      <a:defRPr sz="1400" b="0" i="0" u="none" strike="noStrike" cap="none">
         <a:solidFill>
           <a:srgbClr val="000000"/>
         </a:solidFill>
@@ -538,7 +553,7 @@
         <a:sym typeface="Arial"/>
       </a:defRPr>
     </a:lvl2pPr>
-    <a:lvl3pPr lvl="2" marR="0" rtl="0" algn="l">
+    <a:lvl3pPr marR="0" lvl="2" algn="l" rtl="0">
       <a:lnSpc>
         <a:spcPct val="100000"/>
       </a:lnSpc>
@@ -552,7 +567,7 @@
         <a:srgbClr val="000000"/>
       </a:buClr>
       <a:buFont typeface="Arial"/>
-      <a:defRPr b="0" i="0" sz="1400" u="none" cap="none" strike="noStrike">
+      <a:defRPr sz="1400" b="0" i="0" u="none" strike="noStrike" cap="none">
         <a:solidFill>
           <a:srgbClr val="000000"/>
         </a:solidFill>
@@ -562,7 +577,7 @@
         <a:sym typeface="Arial"/>
       </a:defRPr>
     </a:lvl3pPr>
-    <a:lvl4pPr lvl="3" marR="0" rtl="0" algn="l">
+    <a:lvl4pPr marR="0" lvl="3" algn="l" rtl="0">
       <a:lnSpc>
         <a:spcPct val="100000"/>
       </a:lnSpc>
@@ -576,7 +591,7 @@
         <a:srgbClr val="000000"/>
       </a:buClr>
       <a:buFont typeface="Arial"/>
-      <a:defRPr b="0" i="0" sz="1400" u="none" cap="none" strike="noStrike">
+      <a:defRPr sz="1400" b="0" i="0" u="none" strike="noStrike" cap="none">
         <a:solidFill>
           <a:srgbClr val="000000"/>
         </a:solidFill>
@@ -586,7 +601,7 @@
         <a:sym typeface="Arial"/>
       </a:defRPr>
     </a:lvl4pPr>
-    <a:lvl5pPr lvl="4" marR="0" rtl="0" algn="l">
+    <a:lvl5pPr marR="0" lvl="4" algn="l" rtl="0">
       <a:lnSpc>
         <a:spcPct val="100000"/>
       </a:lnSpc>
@@ -600,7 +615,7 @@
         <a:srgbClr val="000000"/>
       </a:buClr>
       <a:buFont typeface="Arial"/>
-      <a:defRPr b="0" i="0" sz="1400" u="none" cap="none" strike="noStrike">
+      <a:defRPr sz="1400" b="0" i="0" u="none" strike="noStrike" cap="none">
         <a:solidFill>
           <a:srgbClr val="000000"/>
         </a:solidFill>
@@ -610,7 +625,7 @@
         <a:sym typeface="Arial"/>
       </a:defRPr>
     </a:lvl5pPr>
-    <a:lvl6pPr lvl="5" marR="0" rtl="0" algn="l">
+    <a:lvl6pPr marR="0" lvl="5" algn="l" rtl="0">
       <a:lnSpc>
         <a:spcPct val="100000"/>
       </a:lnSpc>
@@ -624,7 +639,7 @@
         <a:srgbClr val="000000"/>
       </a:buClr>
       <a:buFont typeface="Arial"/>
-      <a:defRPr b="0" i="0" sz="1400" u="none" cap="none" strike="noStrike">
+      <a:defRPr sz="1400" b="0" i="0" u="none" strike="noStrike" cap="none">
         <a:solidFill>
           <a:srgbClr val="000000"/>
         </a:solidFill>
@@ -634,7 +649,7 @@
         <a:sym typeface="Arial"/>
       </a:defRPr>
     </a:lvl6pPr>
-    <a:lvl7pPr lvl="6" marR="0" rtl="0" algn="l">
+    <a:lvl7pPr marR="0" lvl="6" algn="l" rtl="0">
       <a:lnSpc>
         <a:spcPct val="100000"/>
       </a:lnSpc>
@@ -648,7 +663,7 @@
         <a:srgbClr val="000000"/>
       </a:buClr>
       <a:buFont typeface="Arial"/>
-      <a:defRPr b="0" i="0" sz="1400" u="none" cap="none" strike="noStrike">
+      <a:defRPr sz="1400" b="0" i="0" u="none" strike="noStrike" cap="none">
         <a:solidFill>
           <a:srgbClr val="000000"/>
         </a:solidFill>
@@ -658,7 +673,7 @@
         <a:sym typeface="Arial"/>
       </a:defRPr>
     </a:lvl7pPr>
-    <a:lvl8pPr lvl="7" marR="0" rtl="0" algn="l">
+    <a:lvl8pPr marR="0" lvl="7" algn="l" rtl="0">
       <a:lnSpc>
         <a:spcPct val="100000"/>
       </a:lnSpc>
@@ -672,7 +687,7 @@
         <a:srgbClr val="000000"/>
       </a:buClr>
       <a:buFont typeface="Arial"/>
-      <a:defRPr b="0" i="0" sz="1400" u="none" cap="none" strike="noStrike">
+      <a:defRPr sz="1400" b="0" i="0" u="none" strike="noStrike" cap="none">
         <a:solidFill>
           <a:srgbClr val="000000"/>
         </a:solidFill>
@@ -682,7 +697,7 @@
         <a:sym typeface="Arial"/>
       </a:defRPr>
     </a:lvl8pPr>
-    <a:lvl9pPr lvl="8" marR="0" rtl="0" algn="l">
+    <a:lvl9pPr marR="0" lvl="8" algn="l" rtl="0">
       <a:lnSpc>
         <a:spcPct val="100000"/>
       </a:lnSpc>
@@ -696,7 +711,7 @@
         <a:srgbClr val="000000"/>
       </a:buClr>
       <a:buFont typeface="Arial"/>
-      <a:defRPr b="0" i="0" sz="1400" u="none" cap="none" strike="noStrike">
+      <a:defRPr sz="1400" b="0" i="0" u="none" strike="noStrike" cap="none">
         <a:solidFill>
           <a:srgbClr val="000000"/>
         </a:solidFill>
@@ -711,11 +726,11 @@
 </file>
 
 <file path=ppt/notesSlides/notesSlide1.xml><?xml version="1.0" encoding="utf-8"?>
-<p:notes xmlns:a="http://schemas.openxmlformats.org/drawingml/2006/main" xmlns:r="http://schemas.openxmlformats.org/officeDocument/2006/relationships" xmlns:mc="http://schemas.openxmlformats.org/markup-compatibility/2006" xmlns:mv="urn:schemas-microsoft-com:mac:vml" xmlns:p="http://schemas.openxmlformats.org/presentationml/2006/main" xmlns:c="http://schemas.openxmlformats.org/drawingml/2006/chart" xmlns:dgm="http://schemas.openxmlformats.org/drawingml/2006/diagram" xmlns:o="urn:schemas-microsoft-com:office:office" xmlns:v="urn:schemas-microsoft-com:vml" xmlns:pvml="urn:schemas-microsoft-com:office:powerpoint" xmlns:com="http://schemas.openxmlformats.org/drawingml/2006/compatibility" xmlns:p14="http://schemas.microsoft.com/office/powerpoint/2010/main" xmlns:p15="http://schemas.microsoft.com/office/powerpoint/2012/main" showMasterPhAnim="0" showMasterSp="0">
+<p:notes xmlns:a="http://schemas.openxmlformats.org/drawingml/2006/main" xmlns:r="http://schemas.openxmlformats.org/officeDocument/2006/relationships" xmlns:p="http://schemas.openxmlformats.org/presentationml/2006/main" showMasterSp="0" showMasterPhAnim="0">
   <p:cSld>
     <p:spTree>
       <p:nvGrpSpPr>
-        <p:cNvPr id="68" name="Shape 68"/>
+        <p:cNvPr id="1" name="Shape 68"/>
         <p:cNvGrpSpPr/>
         <p:nvPr/>
       </p:nvGrpSpPr>
@@ -730,9 +745,11 @@
       <p:sp>
         <p:nvSpPr>
           <p:cNvPr id="69" name="Google Shape;69;p:notes"/>
-          <p:cNvSpPr/>
+          <p:cNvSpPr>
+            <a:spLocks noGrp="1" noRot="1" noChangeAspect="1"/>
+          </p:cNvSpPr>
           <p:nvPr>
-            <p:ph idx="2" type="sldImg"/>
+            <p:ph type="sldImg" idx="2"/>
           </p:nvPr>
         </p:nvSpPr>
         <p:spPr>
@@ -741,9 +758,13 @@
             <a:ext cx="6096075" cy="3429000"/>
           </a:xfrm>
           <a:custGeom>
-            <a:rect b="b" l="l" r="r" t="t"/>
+            <a:avLst/>
+            <a:gdLst/>
+            <a:ahLst/>
+            <a:cxnLst/>
+            <a:rect l="l" t="t" r="r" b="b"/>
             <a:pathLst>
-              <a:path extrusionOk="0" h="120000" w="120000">
+              <a:path w="120000" h="120000" extrusionOk="0">
                 <a:moveTo>
                   <a:pt x="0" y="0"/>
                 </a:moveTo>
@@ -765,9 +786,11 @@
       <p:sp>
         <p:nvSpPr>
           <p:cNvPr id="70" name="Google Shape;70;p:notes"/>
-          <p:cNvSpPr txBox="1"/>
+          <p:cNvSpPr txBox="1">
+            <a:spLocks noGrp="1"/>
+          </p:cNvSpPr>
           <p:nvPr>
-            <p:ph idx="1" type="body"/>
+            <p:ph type="body" idx="1"/>
           </p:nvPr>
         </p:nvSpPr>
         <p:spPr>
@@ -780,12 +803,12 @@
           </a:prstGeom>
         </p:spPr>
         <p:txBody>
-          <a:bodyPr anchorCtr="0" anchor="t" bIns="91425" lIns="91425" spcFirstLastPara="1" rIns="91425" wrap="square" tIns="91425">
+          <a:bodyPr spcFirstLastPara="1" wrap="square" lIns="91425" tIns="91425" rIns="91425" bIns="91425" anchor="t" anchorCtr="0">
             <a:noAutofit/>
           </a:bodyPr>
           <a:lstStyle/>
           <a:p>
-            <a:pPr indent="0" lvl="0" marL="0" rtl="0" algn="l">
+            <a:pPr marL="0" lvl="0" indent="0" algn="l" rtl="0">
               <a:spcBef>
                 <a:spcPts val="0"/>
               </a:spcBef>
@@ -794,9 +817,6 @@
               </a:spcAft>
               <a:buNone/>
             </a:pPr>
-            <a:r>
-              <a:t/>
-            </a:r>
             <a:endParaRPr/>
           </a:p>
         </p:txBody>
@@ -810,11 +830,11 @@
 </file>
 
 <file path=ppt/notesSlides/notesSlide10.xml><?xml version="1.0" encoding="utf-8"?>
-<p:notes xmlns:a="http://schemas.openxmlformats.org/drawingml/2006/main" xmlns:r="http://schemas.openxmlformats.org/officeDocument/2006/relationships" xmlns:mc="http://schemas.openxmlformats.org/markup-compatibility/2006" xmlns:mv="urn:schemas-microsoft-com:mac:vml" xmlns:p="http://schemas.openxmlformats.org/presentationml/2006/main" xmlns:c="http://schemas.openxmlformats.org/drawingml/2006/chart" xmlns:dgm="http://schemas.openxmlformats.org/drawingml/2006/diagram" xmlns:o="urn:schemas-microsoft-com:office:office" xmlns:v="urn:schemas-microsoft-com:vml" xmlns:pvml="urn:schemas-microsoft-com:office:powerpoint" xmlns:com="http://schemas.openxmlformats.org/drawingml/2006/compatibility" xmlns:p14="http://schemas.microsoft.com/office/powerpoint/2010/main" xmlns:p15="http://schemas.microsoft.com/office/powerpoint/2012/main" showMasterPhAnim="0" showMasterSp="0">
+<p:notes xmlns:a="http://schemas.openxmlformats.org/drawingml/2006/main" xmlns:r="http://schemas.openxmlformats.org/officeDocument/2006/relationships" xmlns:p="http://schemas.openxmlformats.org/presentationml/2006/main" showMasterSp="0" showMasterPhAnim="0">
   <p:cSld>
     <p:spTree>
       <p:nvGrpSpPr>
-        <p:cNvPr id="132" name="Shape 132"/>
+        <p:cNvPr id="1" name="Shape 132"/>
         <p:cNvGrpSpPr/>
         <p:nvPr/>
       </p:nvGrpSpPr>
@@ -829,9 +849,11 @@
       <p:sp>
         <p:nvSpPr>
           <p:cNvPr id="133" name="Google Shape;133;g50b2832ead_0_63:notes"/>
-          <p:cNvSpPr/>
+          <p:cNvSpPr>
+            <a:spLocks noGrp="1" noRot="1" noChangeAspect="1"/>
+          </p:cNvSpPr>
           <p:nvPr>
-            <p:ph idx="2" type="sldImg"/>
+            <p:ph type="sldImg" idx="2"/>
           </p:nvPr>
         </p:nvSpPr>
         <p:spPr>
@@ -840,9 +862,13 @@
             <a:ext cx="6096000" cy="3429000"/>
           </a:xfrm>
           <a:custGeom>
-            <a:rect b="b" l="l" r="r" t="t"/>
+            <a:avLst/>
+            <a:gdLst/>
+            <a:ahLst/>
+            <a:cxnLst/>
+            <a:rect l="l" t="t" r="r" b="b"/>
             <a:pathLst>
-              <a:path extrusionOk="0" h="120000" w="120000">
+              <a:path w="120000" h="120000" extrusionOk="0">
                 <a:moveTo>
                   <a:pt x="0" y="0"/>
                 </a:moveTo>
@@ -864,9 +890,11 @@
       <p:sp>
         <p:nvSpPr>
           <p:cNvPr id="134" name="Google Shape;134;g50b2832ead_0_63:notes"/>
-          <p:cNvSpPr txBox="1"/>
+          <p:cNvSpPr txBox="1">
+            <a:spLocks noGrp="1"/>
+          </p:cNvSpPr>
           <p:nvPr>
-            <p:ph idx="1" type="body"/>
+            <p:ph type="body" idx="1"/>
           </p:nvPr>
         </p:nvSpPr>
         <p:spPr>
@@ -879,12 +907,12 @@
           </a:prstGeom>
         </p:spPr>
         <p:txBody>
-          <a:bodyPr anchorCtr="0" anchor="t" bIns="91425" lIns="91425" spcFirstLastPara="1" rIns="91425" wrap="square" tIns="91425">
+          <a:bodyPr spcFirstLastPara="1" wrap="square" lIns="91425" tIns="91425" rIns="91425" bIns="91425" anchor="t" anchorCtr="0">
             <a:noAutofit/>
           </a:bodyPr>
           <a:lstStyle/>
           <a:p>
-            <a:pPr indent="0" lvl="0" marL="0" rtl="0" algn="l">
+            <a:pPr marL="0" lvl="0" indent="0" algn="l" rtl="0">
               <a:spcBef>
                 <a:spcPts val="0"/>
               </a:spcBef>
@@ -893,9 +921,6 @@
               </a:spcAft>
               <a:buNone/>
             </a:pPr>
-            <a:r>
-              <a:t/>
-            </a:r>
             <a:endParaRPr/>
           </a:p>
         </p:txBody>
@@ -909,11 +934,11 @@
 </file>
 
 <file path=ppt/notesSlides/notesSlide11.xml><?xml version="1.0" encoding="utf-8"?>
-<p:notes xmlns:a="http://schemas.openxmlformats.org/drawingml/2006/main" xmlns:r="http://schemas.openxmlformats.org/officeDocument/2006/relationships" xmlns:mc="http://schemas.openxmlformats.org/markup-compatibility/2006" xmlns:mv="urn:schemas-microsoft-com:mac:vml" xmlns:p="http://schemas.openxmlformats.org/presentationml/2006/main" xmlns:c="http://schemas.openxmlformats.org/drawingml/2006/chart" xmlns:dgm="http://schemas.openxmlformats.org/drawingml/2006/diagram" xmlns:o="urn:schemas-microsoft-com:office:office" xmlns:v="urn:schemas-microsoft-com:vml" xmlns:pvml="urn:schemas-microsoft-com:office:powerpoint" xmlns:com="http://schemas.openxmlformats.org/drawingml/2006/compatibility" xmlns:p14="http://schemas.microsoft.com/office/powerpoint/2010/main" xmlns:p15="http://schemas.microsoft.com/office/powerpoint/2012/main" showMasterPhAnim="0" showMasterSp="0">
+<p:notes xmlns:a="http://schemas.openxmlformats.org/drawingml/2006/main" xmlns:r="http://schemas.openxmlformats.org/officeDocument/2006/relationships" xmlns:p="http://schemas.openxmlformats.org/presentationml/2006/main" showMasterSp="0" showMasterPhAnim="0">
   <p:cSld>
     <p:spTree>
       <p:nvGrpSpPr>
-        <p:cNvPr id="139" name="Shape 139"/>
+        <p:cNvPr id="1" name="Shape 139"/>
         <p:cNvGrpSpPr/>
         <p:nvPr/>
       </p:nvGrpSpPr>
@@ -928,9 +953,11 @@
       <p:sp>
         <p:nvSpPr>
           <p:cNvPr id="140" name="Google Shape;140;g50b2832ead_0_70:notes"/>
-          <p:cNvSpPr/>
+          <p:cNvSpPr>
+            <a:spLocks noGrp="1" noRot="1" noChangeAspect="1"/>
+          </p:cNvSpPr>
           <p:nvPr>
-            <p:ph idx="2" type="sldImg"/>
+            <p:ph type="sldImg" idx="2"/>
           </p:nvPr>
         </p:nvSpPr>
         <p:spPr>
@@ -939,9 +966,13 @@
             <a:ext cx="6096000" cy="3429000"/>
           </a:xfrm>
           <a:custGeom>
-            <a:rect b="b" l="l" r="r" t="t"/>
+            <a:avLst/>
+            <a:gdLst/>
+            <a:ahLst/>
+            <a:cxnLst/>
+            <a:rect l="l" t="t" r="r" b="b"/>
             <a:pathLst>
-              <a:path extrusionOk="0" h="120000" w="120000">
+              <a:path w="120000" h="120000" extrusionOk="0">
                 <a:moveTo>
                   <a:pt x="0" y="0"/>
                 </a:moveTo>
@@ -963,9 +994,11 @@
       <p:sp>
         <p:nvSpPr>
           <p:cNvPr id="141" name="Google Shape;141;g50b2832ead_0_70:notes"/>
-          <p:cNvSpPr txBox="1"/>
+          <p:cNvSpPr txBox="1">
+            <a:spLocks noGrp="1"/>
+          </p:cNvSpPr>
           <p:nvPr>
-            <p:ph idx="1" type="body"/>
+            <p:ph type="body" idx="1"/>
           </p:nvPr>
         </p:nvSpPr>
         <p:spPr>
@@ -978,12 +1011,12 @@
           </a:prstGeom>
         </p:spPr>
         <p:txBody>
-          <a:bodyPr anchorCtr="0" anchor="t" bIns="91425" lIns="91425" spcFirstLastPara="1" rIns="91425" wrap="square" tIns="91425">
+          <a:bodyPr spcFirstLastPara="1" wrap="square" lIns="91425" tIns="91425" rIns="91425" bIns="91425" anchor="t" anchorCtr="0">
             <a:noAutofit/>
           </a:bodyPr>
           <a:lstStyle/>
           <a:p>
-            <a:pPr indent="0" lvl="0" marL="0" rtl="0" algn="l">
+            <a:pPr marL="0" lvl="0" indent="0" algn="l" rtl="0">
               <a:spcBef>
                 <a:spcPts val="0"/>
               </a:spcBef>
@@ -992,9 +1025,6 @@
               </a:spcAft>
               <a:buNone/>
             </a:pPr>
-            <a:r>
-              <a:t/>
-            </a:r>
             <a:endParaRPr/>
           </a:p>
         </p:txBody>
@@ -1008,11 +1038,11 @@
 </file>
 
 <file path=ppt/notesSlides/notesSlide2.xml><?xml version="1.0" encoding="utf-8"?>
-<p:notes xmlns:a="http://schemas.openxmlformats.org/drawingml/2006/main" xmlns:r="http://schemas.openxmlformats.org/officeDocument/2006/relationships" xmlns:mc="http://schemas.openxmlformats.org/markup-compatibility/2006" xmlns:mv="urn:schemas-microsoft-com:mac:vml" xmlns:p="http://schemas.openxmlformats.org/presentationml/2006/main" xmlns:c="http://schemas.openxmlformats.org/drawingml/2006/chart" xmlns:dgm="http://schemas.openxmlformats.org/drawingml/2006/diagram" xmlns:o="urn:schemas-microsoft-com:office:office" xmlns:v="urn:schemas-microsoft-com:vml" xmlns:pvml="urn:schemas-microsoft-com:office:powerpoint" xmlns:com="http://schemas.openxmlformats.org/drawingml/2006/compatibility" xmlns:p14="http://schemas.microsoft.com/office/powerpoint/2010/main" xmlns:p15="http://schemas.microsoft.com/office/powerpoint/2012/main" showMasterPhAnim="0" showMasterSp="0">
+<p:notes xmlns:a="http://schemas.openxmlformats.org/drawingml/2006/main" xmlns:r="http://schemas.openxmlformats.org/officeDocument/2006/relationships" xmlns:p="http://schemas.openxmlformats.org/presentationml/2006/main" showMasterSp="0" showMasterPhAnim="0">
   <p:cSld>
     <p:spTree>
       <p:nvGrpSpPr>
-        <p:cNvPr id="74" name="Shape 74"/>
+        <p:cNvPr id="1" name="Shape 74"/>
         <p:cNvGrpSpPr/>
         <p:nvPr/>
       </p:nvGrpSpPr>
@@ -1027,9 +1057,11 @@
       <p:sp>
         <p:nvSpPr>
           <p:cNvPr id="75" name="Google Shape;75;g485f2dc5c4_1_41:notes"/>
-          <p:cNvSpPr/>
+          <p:cNvSpPr>
+            <a:spLocks noGrp="1" noRot="1" noChangeAspect="1"/>
+          </p:cNvSpPr>
           <p:nvPr>
-            <p:ph idx="2" type="sldImg"/>
+            <p:ph type="sldImg" idx="2"/>
           </p:nvPr>
         </p:nvSpPr>
         <p:spPr>
@@ -1038,9 +1070,13 @@
             <a:ext cx="6096000" cy="3429000"/>
           </a:xfrm>
           <a:custGeom>
-            <a:rect b="b" l="l" r="r" t="t"/>
+            <a:avLst/>
+            <a:gdLst/>
+            <a:ahLst/>
+            <a:cxnLst/>
+            <a:rect l="l" t="t" r="r" b="b"/>
             <a:pathLst>
-              <a:path extrusionOk="0" h="120000" w="120000">
+              <a:path w="120000" h="120000" extrusionOk="0">
                 <a:moveTo>
                   <a:pt x="0" y="0"/>
                 </a:moveTo>
@@ -1062,9 +1098,11 @@
       <p:sp>
         <p:nvSpPr>
           <p:cNvPr id="76" name="Google Shape;76;g485f2dc5c4_1_41:notes"/>
-          <p:cNvSpPr txBox="1"/>
+          <p:cNvSpPr txBox="1">
+            <a:spLocks noGrp="1"/>
+          </p:cNvSpPr>
           <p:nvPr>
-            <p:ph idx="1" type="body"/>
+            <p:ph type="body" idx="1"/>
           </p:nvPr>
         </p:nvSpPr>
         <p:spPr>
@@ -1077,12 +1115,12 @@
           </a:prstGeom>
         </p:spPr>
         <p:txBody>
-          <a:bodyPr anchorCtr="0" anchor="t" bIns="91425" lIns="91425" spcFirstLastPara="1" rIns="91425" wrap="square" tIns="91425">
+          <a:bodyPr spcFirstLastPara="1" wrap="square" lIns="91425" tIns="91425" rIns="91425" bIns="91425" anchor="t" anchorCtr="0">
             <a:noAutofit/>
           </a:bodyPr>
           <a:lstStyle/>
           <a:p>
-            <a:pPr indent="0" lvl="0" marL="0" rtl="0" algn="l">
+            <a:pPr marL="0" lvl="0" indent="0" algn="l" rtl="0">
               <a:spcBef>
                 <a:spcPts val="0"/>
               </a:spcBef>
@@ -1091,9 +1129,6 @@
               </a:spcAft>
               <a:buNone/>
             </a:pPr>
-            <a:r>
-              <a:t/>
-            </a:r>
             <a:endParaRPr/>
           </a:p>
         </p:txBody>
@@ -1107,11 +1142,11 @@
 </file>
 
 <file path=ppt/notesSlides/notesSlide3.xml><?xml version="1.0" encoding="utf-8"?>
-<p:notes xmlns:a="http://schemas.openxmlformats.org/drawingml/2006/main" xmlns:r="http://schemas.openxmlformats.org/officeDocument/2006/relationships" xmlns:mc="http://schemas.openxmlformats.org/markup-compatibility/2006" xmlns:mv="urn:schemas-microsoft-com:mac:vml" xmlns:p="http://schemas.openxmlformats.org/presentationml/2006/main" xmlns:c="http://schemas.openxmlformats.org/drawingml/2006/chart" xmlns:dgm="http://schemas.openxmlformats.org/drawingml/2006/diagram" xmlns:o="urn:schemas-microsoft-com:office:office" xmlns:v="urn:schemas-microsoft-com:vml" xmlns:pvml="urn:schemas-microsoft-com:office:powerpoint" xmlns:com="http://schemas.openxmlformats.org/drawingml/2006/compatibility" xmlns:p14="http://schemas.microsoft.com/office/powerpoint/2010/main" xmlns:p15="http://schemas.microsoft.com/office/powerpoint/2012/main" showMasterPhAnim="0" showMasterSp="0">
+<p:notes xmlns:a="http://schemas.openxmlformats.org/drawingml/2006/main" xmlns:r="http://schemas.openxmlformats.org/officeDocument/2006/relationships" xmlns:p="http://schemas.openxmlformats.org/presentationml/2006/main" showMasterSp="0" showMasterPhAnim="0">
   <p:cSld>
     <p:spTree>
       <p:nvGrpSpPr>
-        <p:cNvPr id="80" name="Shape 80"/>
+        <p:cNvPr id="1" name="Shape 80"/>
         <p:cNvGrpSpPr/>
         <p:nvPr/>
       </p:nvGrpSpPr>
@@ -1126,9 +1161,11 @@
       <p:sp>
         <p:nvSpPr>
           <p:cNvPr id="81" name="Google Shape;81;g50b003b369_0_5:notes"/>
-          <p:cNvSpPr/>
+          <p:cNvSpPr>
+            <a:spLocks noGrp="1" noRot="1" noChangeAspect="1"/>
+          </p:cNvSpPr>
           <p:nvPr>
-            <p:ph idx="2" type="sldImg"/>
+            <p:ph type="sldImg" idx="2"/>
           </p:nvPr>
         </p:nvSpPr>
         <p:spPr>
@@ -1137,9 +1174,13 @@
             <a:ext cx="6096000" cy="3429000"/>
           </a:xfrm>
           <a:custGeom>
-            <a:rect b="b" l="l" r="r" t="t"/>
+            <a:avLst/>
+            <a:gdLst/>
+            <a:ahLst/>
+            <a:cxnLst/>
+            <a:rect l="l" t="t" r="r" b="b"/>
             <a:pathLst>
-              <a:path extrusionOk="0" h="120000" w="120000">
+              <a:path w="120000" h="120000" extrusionOk="0">
                 <a:moveTo>
                   <a:pt x="0" y="0"/>
                 </a:moveTo>
@@ -1161,9 +1202,11 @@
       <p:sp>
         <p:nvSpPr>
           <p:cNvPr id="82" name="Google Shape;82;g50b003b369_0_5:notes"/>
-          <p:cNvSpPr txBox="1"/>
+          <p:cNvSpPr txBox="1">
+            <a:spLocks noGrp="1"/>
+          </p:cNvSpPr>
           <p:nvPr>
-            <p:ph idx="1" type="body"/>
+            <p:ph type="body" idx="1"/>
           </p:nvPr>
         </p:nvSpPr>
         <p:spPr>
@@ -1176,12 +1219,12 @@
           </a:prstGeom>
         </p:spPr>
         <p:txBody>
-          <a:bodyPr anchorCtr="0" anchor="t" bIns="91425" lIns="91425" spcFirstLastPara="1" rIns="91425" wrap="square" tIns="91425">
+          <a:bodyPr spcFirstLastPara="1" wrap="square" lIns="91425" tIns="91425" rIns="91425" bIns="91425" anchor="t" anchorCtr="0">
             <a:noAutofit/>
           </a:bodyPr>
           <a:lstStyle/>
           <a:p>
-            <a:pPr indent="0" lvl="0" marL="0" rtl="0" algn="l">
+            <a:pPr marL="0" lvl="0" indent="0" algn="l" rtl="0">
               <a:spcBef>
                 <a:spcPts val="0"/>
               </a:spcBef>
@@ -1190,9 +1233,6 @@
               </a:spcAft>
               <a:buNone/>
             </a:pPr>
-            <a:r>
-              <a:t/>
-            </a:r>
             <a:endParaRPr/>
           </a:p>
         </p:txBody>
@@ -1206,11 +1246,11 @@
 </file>
 
 <file path=ppt/notesSlides/notesSlide4.xml><?xml version="1.0" encoding="utf-8"?>
-<p:notes xmlns:a="http://schemas.openxmlformats.org/drawingml/2006/main" xmlns:r="http://schemas.openxmlformats.org/officeDocument/2006/relationships" xmlns:mc="http://schemas.openxmlformats.org/markup-compatibility/2006" xmlns:mv="urn:schemas-microsoft-com:mac:vml" xmlns:p="http://schemas.openxmlformats.org/presentationml/2006/main" xmlns:c="http://schemas.openxmlformats.org/drawingml/2006/chart" xmlns:dgm="http://schemas.openxmlformats.org/drawingml/2006/diagram" xmlns:o="urn:schemas-microsoft-com:office:office" xmlns:v="urn:schemas-microsoft-com:vml" xmlns:pvml="urn:schemas-microsoft-com:office:powerpoint" xmlns:com="http://schemas.openxmlformats.org/drawingml/2006/compatibility" xmlns:p14="http://schemas.microsoft.com/office/powerpoint/2010/main" xmlns:p15="http://schemas.microsoft.com/office/powerpoint/2012/main" showMasterPhAnim="0" showMasterSp="0">
+<p:notes xmlns:a="http://schemas.openxmlformats.org/drawingml/2006/main" xmlns:r="http://schemas.openxmlformats.org/officeDocument/2006/relationships" xmlns:p="http://schemas.openxmlformats.org/presentationml/2006/main" showMasterSp="0" showMasterPhAnim="0">
   <p:cSld>
     <p:spTree>
       <p:nvGrpSpPr>
-        <p:cNvPr id="89" name="Shape 89"/>
+        <p:cNvPr id="1" name="Shape 89"/>
         <p:cNvGrpSpPr/>
         <p:nvPr/>
       </p:nvGrpSpPr>
@@ -1225,9 +1265,11 @@
       <p:sp>
         <p:nvSpPr>
           <p:cNvPr id="90" name="Google Shape;90;g50b2832ead_0_4:notes"/>
-          <p:cNvSpPr/>
+          <p:cNvSpPr>
+            <a:spLocks noGrp="1" noRot="1" noChangeAspect="1"/>
+          </p:cNvSpPr>
           <p:nvPr>
-            <p:ph idx="2" type="sldImg"/>
+            <p:ph type="sldImg" idx="2"/>
           </p:nvPr>
         </p:nvSpPr>
         <p:spPr>
@@ -1236,9 +1278,13 @@
             <a:ext cx="6096000" cy="3429000"/>
           </a:xfrm>
           <a:custGeom>
-            <a:rect b="b" l="l" r="r" t="t"/>
+            <a:avLst/>
+            <a:gdLst/>
+            <a:ahLst/>
+            <a:cxnLst/>
+            <a:rect l="l" t="t" r="r" b="b"/>
             <a:pathLst>
-              <a:path extrusionOk="0" h="120000" w="120000">
+              <a:path w="120000" h="120000" extrusionOk="0">
                 <a:moveTo>
                   <a:pt x="0" y="0"/>
                 </a:moveTo>
@@ -1260,9 +1306,11 @@
       <p:sp>
         <p:nvSpPr>
           <p:cNvPr id="91" name="Google Shape;91;g50b2832ead_0_4:notes"/>
-          <p:cNvSpPr txBox="1"/>
+          <p:cNvSpPr txBox="1">
+            <a:spLocks noGrp="1"/>
+          </p:cNvSpPr>
           <p:nvPr>
-            <p:ph idx="1" type="body"/>
+            <p:ph type="body" idx="1"/>
           </p:nvPr>
         </p:nvSpPr>
         <p:spPr>
@@ -1275,12 +1323,12 @@
           </a:prstGeom>
         </p:spPr>
         <p:txBody>
-          <a:bodyPr anchorCtr="0" anchor="t" bIns="91425" lIns="91425" spcFirstLastPara="1" rIns="91425" wrap="square" tIns="91425">
+          <a:bodyPr spcFirstLastPara="1" wrap="square" lIns="91425" tIns="91425" rIns="91425" bIns="91425" anchor="t" anchorCtr="0">
             <a:noAutofit/>
           </a:bodyPr>
           <a:lstStyle/>
           <a:p>
-            <a:pPr indent="0" lvl="0" marL="0" rtl="0" algn="l">
+            <a:pPr marL="0" lvl="0" indent="0" algn="l" rtl="0">
               <a:spcBef>
                 <a:spcPts val="0"/>
               </a:spcBef>
@@ -1289,9 +1337,6 @@
               </a:spcAft>
               <a:buNone/>
             </a:pPr>
-            <a:r>
-              <a:t/>
-            </a:r>
             <a:endParaRPr/>
           </a:p>
         </p:txBody>
@@ -1305,11 +1350,11 @@
 </file>
 
 <file path=ppt/notesSlides/notesSlide5.xml><?xml version="1.0" encoding="utf-8"?>
-<p:notes xmlns:a="http://schemas.openxmlformats.org/drawingml/2006/main" xmlns:r="http://schemas.openxmlformats.org/officeDocument/2006/relationships" xmlns:mc="http://schemas.openxmlformats.org/markup-compatibility/2006" xmlns:mv="urn:schemas-microsoft-com:mac:vml" xmlns:p="http://schemas.openxmlformats.org/presentationml/2006/main" xmlns:c="http://schemas.openxmlformats.org/drawingml/2006/chart" xmlns:dgm="http://schemas.openxmlformats.org/drawingml/2006/diagram" xmlns:o="urn:schemas-microsoft-com:office:office" xmlns:v="urn:schemas-microsoft-com:vml" xmlns:pvml="urn:schemas-microsoft-com:office:powerpoint" xmlns:com="http://schemas.openxmlformats.org/drawingml/2006/compatibility" xmlns:p14="http://schemas.microsoft.com/office/powerpoint/2010/main" xmlns:p15="http://schemas.microsoft.com/office/powerpoint/2012/main" showMasterPhAnim="0" showMasterSp="0">
+<p:notes xmlns:a="http://schemas.openxmlformats.org/drawingml/2006/main" xmlns:r="http://schemas.openxmlformats.org/officeDocument/2006/relationships" xmlns:p="http://schemas.openxmlformats.org/presentationml/2006/main" showMasterSp="0" showMasterPhAnim="0">
   <p:cSld>
     <p:spTree>
       <p:nvGrpSpPr>
-        <p:cNvPr id="96" name="Shape 96"/>
+        <p:cNvPr id="1" name="Shape 96"/>
         <p:cNvGrpSpPr/>
         <p:nvPr/>
       </p:nvGrpSpPr>
@@ -1324,9 +1369,11 @@
       <p:sp>
         <p:nvSpPr>
           <p:cNvPr id="97" name="Google Shape;97;g50b2832ead_0_20:notes"/>
-          <p:cNvSpPr/>
+          <p:cNvSpPr>
+            <a:spLocks noGrp="1" noRot="1" noChangeAspect="1"/>
+          </p:cNvSpPr>
           <p:nvPr>
-            <p:ph idx="2" type="sldImg"/>
+            <p:ph type="sldImg" idx="2"/>
           </p:nvPr>
         </p:nvSpPr>
         <p:spPr>
@@ -1335,9 +1382,13 @@
             <a:ext cx="6096000" cy="3429000"/>
           </a:xfrm>
           <a:custGeom>
-            <a:rect b="b" l="l" r="r" t="t"/>
+            <a:avLst/>
+            <a:gdLst/>
+            <a:ahLst/>
+            <a:cxnLst/>
+            <a:rect l="l" t="t" r="r" b="b"/>
             <a:pathLst>
-              <a:path extrusionOk="0" h="120000" w="120000">
+              <a:path w="120000" h="120000" extrusionOk="0">
                 <a:moveTo>
                   <a:pt x="0" y="0"/>
                 </a:moveTo>
@@ -1359,9 +1410,11 @@
       <p:sp>
         <p:nvSpPr>
           <p:cNvPr id="98" name="Google Shape;98;g50b2832ead_0_20:notes"/>
-          <p:cNvSpPr txBox="1"/>
+          <p:cNvSpPr txBox="1">
+            <a:spLocks noGrp="1"/>
+          </p:cNvSpPr>
           <p:nvPr>
-            <p:ph idx="1" type="body"/>
+            <p:ph type="body" idx="1"/>
           </p:nvPr>
         </p:nvSpPr>
         <p:spPr>
@@ -1374,12 +1427,12 @@
           </a:prstGeom>
         </p:spPr>
         <p:txBody>
-          <a:bodyPr anchorCtr="0" anchor="t" bIns="91425" lIns="91425" spcFirstLastPara="1" rIns="91425" wrap="square" tIns="91425">
+          <a:bodyPr spcFirstLastPara="1" wrap="square" lIns="91425" tIns="91425" rIns="91425" bIns="91425" anchor="t" anchorCtr="0">
             <a:noAutofit/>
           </a:bodyPr>
           <a:lstStyle/>
           <a:p>
-            <a:pPr indent="0" lvl="0" marL="0" rtl="0" algn="l">
+            <a:pPr marL="0" lvl="0" indent="0" algn="l" rtl="0">
               <a:spcBef>
                 <a:spcPts val="0"/>
               </a:spcBef>
@@ -1388,9 +1441,6 @@
               </a:spcAft>
               <a:buNone/>
             </a:pPr>
-            <a:r>
-              <a:t/>
-            </a:r>
             <a:endParaRPr/>
           </a:p>
         </p:txBody>
@@ -1404,11 +1454,11 @@
 </file>
 
 <file path=ppt/notesSlides/notesSlide6.xml><?xml version="1.0" encoding="utf-8"?>
-<p:notes xmlns:a="http://schemas.openxmlformats.org/drawingml/2006/main" xmlns:r="http://schemas.openxmlformats.org/officeDocument/2006/relationships" xmlns:mc="http://schemas.openxmlformats.org/markup-compatibility/2006" xmlns:mv="urn:schemas-microsoft-com:mac:vml" xmlns:p="http://schemas.openxmlformats.org/presentationml/2006/main" xmlns:c="http://schemas.openxmlformats.org/drawingml/2006/chart" xmlns:dgm="http://schemas.openxmlformats.org/drawingml/2006/diagram" xmlns:o="urn:schemas-microsoft-com:office:office" xmlns:v="urn:schemas-microsoft-com:vml" xmlns:pvml="urn:schemas-microsoft-com:office:powerpoint" xmlns:com="http://schemas.openxmlformats.org/drawingml/2006/compatibility" xmlns:p14="http://schemas.microsoft.com/office/powerpoint/2010/main" xmlns:p15="http://schemas.microsoft.com/office/powerpoint/2012/main" showMasterPhAnim="0" showMasterSp="0">
+<p:notes xmlns:a="http://schemas.openxmlformats.org/drawingml/2006/main" xmlns:r="http://schemas.openxmlformats.org/officeDocument/2006/relationships" xmlns:p="http://schemas.openxmlformats.org/presentationml/2006/main" showMasterSp="0" showMasterPhAnim="0">
   <p:cSld>
     <p:spTree>
       <p:nvGrpSpPr>
-        <p:cNvPr id="104" name="Shape 104"/>
+        <p:cNvPr id="1" name="Shape 104"/>
         <p:cNvGrpSpPr/>
         <p:nvPr/>
       </p:nvGrpSpPr>
@@ -1423,9 +1473,11 @@
       <p:sp>
         <p:nvSpPr>
           <p:cNvPr id="105" name="Google Shape;105;g50b2832ead_0_35:notes"/>
-          <p:cNvSpPr/>
+          <p:cNvSpPr>
+            <a:spLocks noGrp="1" noRot="1" noChangeAspect="1"/>
+          </p:cNvSpPr>
           <p:nvPr>
-            <p:ph idx="2" type="sldImg"/>
+            <p:ph type="sldImg" idx="2"/>
           </p:nvPr>
         </p:nvSpPr>
         <p:spPr>
@@ -1434,9 +1486,13 @@
             <a:ext cx="6096000" cy="3429000"/>
           </a:xfrm>
           <a:custGeom>
-            <a:rect b="b" l="l" r="r" t="t"/>
+            <a:avLst/>
+            <a:gdLst/>
+            <a:ahLst/>
+            <a:cxnLst/>
+            <a:rect l="l" t="t" r="r" b="b"/>
             <a:pathLst>
-              <a:path extrusionOk="0" h="120000" w="120000">
+              <a:path w="120000" h="120000" extrusionOk="0">
                 <a:moveTo>
                   <a:pt x="0" y="0"/>
                 </a:moveTo>
@@ -1458,9 +1514,11 @@
       <p:sp>
         <p:nvSpPr>
           <p:cNvPr id="106" name="Google Shape;106;g50b2832ead_0_35:notes"/>
-          <p:cNvSpPr txBox="1"/>
+          <p:cNvSpPr txBox="1">
+            <a:spLocks noGrp="1"/>
+          </p:cNvSpPr>
           <p:nvPr>
-            <p:ph idx="1" type="body"/>
+            <p:ph type="body" idx="1"/>
           </p:nvPr>
         </p:nvSpPr>
         <p:spPr>
@@ -1473,12 +1531,12 @@
           </a:prstGeom>
         </p:spPr>
         <p:txBody>
-          <a:bodyPr anchorCtr="0" anchor="t" bIns="91425" lIns="91425" spcFirstLastPara="1" rIns="91425" wrap="square" tIns="91425">
+          <a:bodyPr spcFirstLastPara="1" wrap="square" lIns="91425" tIns="91425" rIns="91425" bIns="91425" anchor="t" anchorCtr="0">
             <a:noAutofit/>
           </a:bodyPr>
           <a:lstStyle/>
           <a:p>
-            <a:pPr indent="0" lvl="0" marL="0" rtl="0" algn="l">
+            <a:pPr marL="0" lvl="0" indent="0" algn="l" rtl="0">
               <a:spcBef>
                 <a:spcPts val="0"/>
               </a:spcBef>
@@ -1487,9 +1545,6 @@
               </a:spcAft>
               <a:buNone/>
             </a:pPr>
-            <a:r>
-              <a:t/>
-            </a:r>
             <a:endParaRPr/>
           </a:p>
         </p:txBody>
@@ -1503,11 +1558,11 @@
 </file>
 
 <file path=ppt/notesSlides/notesSlide7.xml><?xml version="1.0" encoding="utf-8"?>
-<p:notes xmlns:a="http://schemas.openxmlformats.org/drawingml/2006/main" xmlns:r="http://schemas.openxmlformats.org/officeDocument/2006/relationships" xmlns:mc="http://schemas.openxmlformats.org/markup-compatibility/2006" xmlns:mv="urn:schemas-microsoft-com:mac:vml" xmlns:p="http://schemas.openxmlformats.org/presentationml/2006/main" xmlns:c="http://schemas.openxmlformats.org/drawingml/2006/chart" xmlns:dgm="http://schemas.openxmlformats.org/drawingml/2006/diagram" xmlns:o="urn:schemas-microsoft-com:office:office" xmlns:v="urn:schemas-microsoft-com:vml" xmlns:pvml="urn:schemas-microsoft-com:office:powerpoint" xmlns:com="http://schemas.openxmlformats.org/drawingml/2006/compatibility" xmlns:p14="http://schemas.microsoft.com/office/powerpoint/2010/main" xmlns:p15="http://schemas.microsoft.com/office/powerpoint/2012/main" showMasterPhAnim="0" showMasterSp="0">
+<p:notes xmlns:a="http://schemas.openxmlformats.org/drawingml/2006/main" xmlns:r="http://schemas.openxmlformats.org/officeDocument/2006/relationships" xmlns:p="http://schemas.openxmlformats.org/presentationml/2006/main" showMasterSp="0" showMasterPhAnim="0">
   <p:cSld>
     <p:spTree>
       <p:nvGrpSpPr>
-        <p:cNvPr id="111" name="Shape 111"/>
+        <p:cNvPr id="1" name="Shape 111"/>
         <p:cNvGrpSpPr/>
         <p:nvPr/>
       </p:nvGrpSpPr>
@@ -1522,9 +1577,11 @@
       <p:sp>
         <p:nvSpPr>
           <p:cNvPr id="112" name="Google Shape;112;g44615aeee8_0_268:notes"/>
-          <p:cNvSpPr/>
+          <p:cNvSpPr>
+            <a:spLocks noGrp="1" noRot="1" noChangeAspect="1"/>
+          </p:cNvSpPr>
           <p:nvPr>
-            <p:ph idx="2" type="sldImg"/>
+            <p:ph type="sldImg" idx="2"/>
           </p:nvPr>
         </p:nvSpPr>
         <p:spPr>
@@ -1533,9 +1590,13 @@
             <a:ext cx="6096000" cy="3429000"/>
           </a:xfrm>
           <a:custGeom>
-            <a:rect b="b" l="l" r="r" t="t"/>
+            <a:avLst/>
+            <a:gdLst/>
+            <a:ahLst/>
+            <a:cxnLst/>
+            <a:rect l="l" t="t" r="r" b="b"/>
             <a:pathLst>
-              <a:path extrusionOk="0" h="120000" w="120000">
+              <a:path w="120000" h="120000" extrusionOk="0">
                 <a:moveTo>
                   <a:pt x="0" y="0"/>
                 </a:moveTo>
@@ -1557,9 +1618,11 @@
       <p:sp>
         <p:nvSpPr>
           <p:cNvPr id="113" name="Google Shape;113;g44615aeee8_0_268:notes"/>
-          <p:cNvSpPr txBox="1"/>
+          <p:cNvSpPr txBox="1">
+            <a:spLocks noGrp="1"/>
+          </p:cNvSpPr>
           <p:nvPr>
-            <p:ph idx="1" type="body"/>
+            <p:ph type="body" idx="1"/>
           </p:nvPr>
         </p:nvSpPr>
         <p:spPr>
@@ -1572,12 +1635,12 @@
           </a:prstGeom>
         </p:spPr>
         <p:txBody>
-          <a:bodyPr anchorCtr="0" anchor="t" bIns="91425" lIns="91425" spcFirstLastPara="1" rIns="91425" wrap="square" tIns="91425">
+          <a:bodyPr spcFirstLastPara="1" wrap="square" lIns="91425" tIns="91425" rIns="91425" bIns="91425" anchor="t" anchorCtr="0">
             <a:noAutofit/>
           </a:bodyPr>
           <a:lstStyle/>
           <a:p>
-            <a:pPr indent="-298450" lvl="0" marL="457200" rtl="0" algn="l">
+            <a:pPr marL="457200" lvl="0" indent="-298450" algn="l" rtl="0">
               <a:spcBef>
                 <a:spcPts val="0"/>
               </a:spcBef>
@@ -1604,11 +1667,11 @@
 </file>
 
 <file path=ppt/notesSlides/notesSlide8.xml><?xml version="1.0" encoding="utf-8"?>
-<p:notes xmlns:a="http://schemas.openxmlformats.org/drawingml/2006/main" xmlns:r="http://schemas.openxmlformats.org/officeDocument/2006/relationships" xmlns:mc="http://schemas.openxmlformats.org/markup-compatibility/2006" xmlns:mv="urn:schemas-microsoft-com:mac:vml" xmlns:p="http://schemas.openxmlformats.org/presentationml/2006/main" xmlns:c="http://schemas.openxmlformats.org/drawingml/2006/chart" xmlns:dgm="http://schemas.openxmlformats.org/drawingml/2006/diagram" xmlns:o="urn:schemas-microsoft-com:office:office" xmlns:v="urn:schemas-microsoft-com:vml" xmlns:pvml="urn:schemas-microsoft-com:office:powerpoint" xmlns:com="http://schemas.openxmlformats.org/drawingml/2006/compatibility" xmlns:p14="http://schemas.microsoft.com/office/powerpoint/2010/main" xmlns:p15="http://schemas.microsoft.com/office/powerpoint/2012/main" showMasterPhAnim="0" showMasterSp="0">
+<p:notes xmlns:a="http://schemas.openxmlformats.org/drawingml/2006/main" xmlns:r="http://schemas.openxmlformats.org/officeDocument/2006/relationships" xmlns:p="http://schemas.openxmlformats.org/presentationml/2006/main" showMasterSp="0" showMasterPhAnim="0">
   <p:cSld>
     <p:spTree>
       <p:nvGrpSpPr>
-        <p:cNvPr id="118" name="Shape 118"/>
+        <p:cNvPr id="1" name="Shape 118"/>
         <p:cNvGrpSpPr/>
         <p:nvPr/>
       </p:nvGrpSpPr>
@@ -1623,20 +1686,26 @@
       <p:sp>
         <p:nvSpPr>
           <p:cNvPr id="119" name="Google Shape;119;g50b2832ead_0_46:notes"/>
-          <p:cNvSpPr/>
+          <p:cNvSpPr>
+            <a:spLocks noGrp="1" noRot="1" noChangeAspect="1"/>
+          </p:cNvSpPr>
           <p:nvPr>
-            <p:ph idx="2" type="sldImg"/>
+            <p:ph type="sldImg" idx="2"/>
           </p:nvPr>
         </p:nvSpPr>
         <p:spPr>
           <a:xfrm>
-            <a:off x="381300" y="685800"/>
+            <a:off x="381000" y="685800"/>
             <a:ext cx="6096000" cy="3429000"/>
           </a:xfrm>
           <a:custGeom>
-            <a:rect b="b" l="l" r="r" t="t"/>
+            <a:avLst/>
+            <a:gdLst/>
+            <a:ahLst/>
+            <a:cxnLst/>
+            <a:rect l="l" t="t" r="r" b="b"/>
             <a:pathLst>
-              <a:path extrusionOk="0" h="120000" w="120000">
+              <a:path w="120000" h="120000" extrusionOk="0">
                 <a:moveTo>
                   <a:pt x="0" y="0"/>
                 </a:moveTo>
@@ -1658,9 +1727,11 @@
       <p:sp>
         <p:nvSpPr>
           <p:cNvPr id="120" name="Google Shape;120;g50b2832ead_0_46:notes"/>
-          <p:cNvSpPr txBox="1"/>
+          <p:cNvSpPr txBox="1">
+            <a:spLocks noGrp="1"/>
+          </p:cNvSpPr>
           <p:nvPr>
-            <p:ph idx="1" type="body"/>
+            <p:ph type="body" idx="1"/>
           </p:nvPr>
         </p:nvSpPr>
         <p:spPr>
@@ -1673,12 +1744,12 @@
           </a:prstGeom>
         </p:spPr>
         <p:txBody>
-          <a:bodyPr anchorCtr="0" anchor="t" bIns="91425" lIns="91425" spcFirstLastPara="1" rIns="91425" wrap="square" tIns="91425">
+          <a:bodyPr spcFirstLastPara="1" wrap="square" lIns="91425" tIns="91425" rIns="91425" bIns="91425" anchor="t" anchorCtr="0">
             <a:noAutofit/>
           </a:bodyPr>
           <a:lstStyle/>
           <a:p>
-            <a:pPr indent="-298450" lvl="0" marL="457200" rtl="0" algn="l">
+            <a:pPr marL="457200" lvl="0" indent="-298450" algn="l" rtl="0">
               <a:spcBef>
                 <a:spcPts val="0"/>
               </a:spcBef>
@@ -1705,11 +1776,11 @@
 </file>
 
 <file path=ppt/notesSlides/notesSlide9.xml><?xml version="1.0" encoding="utf-8"?>
-<p:notes xmlns:a="http://schemas.openxmlformats.org/drawingml/2006/main" xmlns:r="http://schemas.openxmlformats.org/officeDocument/2006/relationships" xmlns:mc="http://schemas.openxmlformats.org/markup-compatibility/2006" xmlns:mv="urn:schemas-microsoft-com:mac:vml" xmlns:p="http://schemas.openxmlformats.org/presentationml/2006/main" xmlns:c="http://schemas.openxmlformats.org/drawingml/2006/chart" xmlns:dgm="http://schemas.openxmlformats.org/drawingml/2006/diagram" xmlns:o="urn:schemas-microsoft-com:office:office" xmlns:v="urn:schemas-microsoft-com:vml" xmlns:pvml="urn:schemas-microsoft-com:office:powerpoint" xmlns:com="http://schemas.openxmlformats.org/drawingml/2006/compatibility" xmlns:p14="http://schemas.microsoft.com/office/powerpoint/2010/main" xmlns:p15="http://schemas.microsoft.com/office/powerpoint/2012/main" showMasterPhAnim="0" showMasterSp="0">
+<p:notes xmlns:a="http://schemas.openxmlformats.org/drawingml/2006/main" xmlns:r="http://schemas.openxmlformats.org/officeDocument/2006/relationships" xmlns:p="http://schemas.openxmlformats.org/presentationml/2006/main" showMasterSp="0" showMasterPhAnim="0">
   <p:cSld>
     <p:spTree>
       <p:nvGrpSpPr>
-        <p:cNvPr id="125" name="Shape 125"/>
+        <p:cNvPr id="1" name="Shape 125"/>
         <p:cNvGrpSpPr/>
         <p:nvPr/>
       </p:nvGrpSpPr>
@@ -1724,20 +1795,26 @@
       <p:sp>
         <p:nvSpPr>
           <p:cNvPr id="126" name="Google Shape;126;g50b2832ead_0_53:notes"/>
-          <p:cNvSpPr/>
+          <p:cNvSpPr>
+            <a:spLocks noGrp="1" noRot="1" noChangeAspect="1"/>
+          </p:cNvSpPr>
           <p:nvPr>
-            <p:ph idx="2" type="sldImg"/>
+            <p:ph type="sldImg" idx="2"/>
           </p:nvPr>
         </p:nvSpPr>
         <p:spPr>
           <a:xfrm>
-            <a:off x="381300" y="685800"/>
+            <a:off x="381000" y="685800"/>
             <a:ext cx="6096000" cy="3429000"/>
           </a:xfrm>
           <a:custGeom>
-            <a:rect b="b" l="l" r="r" t="t"/>
+            <a:avLst/>
+            <a:gdLst/>
+            <a:ahLst/>
+            <a:cxnLst/>
+            <a:rect l="l" t="t" r="r" b="b"/>
             <a:pathLst>
-              <a:path extrusionOk="0" h="120000" w="120000">
+              <a:path w="120000" h="120000" extrusionOk="0">
                 <a:moveTo>
                   <a:pt x="0" y="0"/>
                 </a:moveTo>
@@ -1759,9 +1836,11 @@
       <p:sp>
         <p:nvSpPr>
           <p:cNvPr id="127" name="Google Shape;127;g50b2832ead_0_53:notes"/>
-          <p:cNvSpPr txBox="1"/>
+          <p:cNvSpPr txBox="1">
+            <a:spLocks noGrp="1"/>
+          </p:cNvSpPr>
           <p:nvPr>
-            <p:ph idx="1" type="body"/>
+            <p:ph type="body" idx="1"/>
           </p:nvPr>
         </p:nvSpPr>
         <p:spPr>
@@ -1774,12 +1853,12 @@
           </a:prstGeom>
         </p:spPr>
         <p:txBody>
-          <a:bodyPr anchorCtr="0" anchor="t" bIns="91425" lIns="91425" spcFirstLastPara="1" rIns="91425" wrap="square" tIns="91425">
+          <a:bodyPr spcFirstLastPara="1" wrap="square" lIns="91425" tIns="91425" rIns="91425" bIns="91425" anchor="t" anchorCtr="0">
             <a:noAutofit/>
           </a:bodyPr>
           <a:lstStyle/>
           <a:p>
-            <a:pPr indent="-298450" lvl="0" marL="457200" rtl="0" algn="l">
+            <a:pPr marL="457200" lvl="0" indent="-298450" algn="l" rtl="0">
               <a:spcBef>
                 <a:spcPts val="0"/>
               </a:spcBef>
@@ -1806,18 +1885,19 @@
 </file>
 
 <file path=ppt/slideLayouts/slideLayout1.xml><?xml version="1.0" encoding="utf-8"?>
-<p:sldLayout xmlns:a="http://schemas.openxmlformats.org/drawingml/2006/main" xmlns:r="http://schemas.openxmlformats.org/officeDocument/2006/relationships" xmlns:mc="http://schemas.openxmlformats.org/markup-compatibility/2006" xmlns:mv="urn:schemas-microsoft-com:mac:vml" xmlns:p="http://schemas.openxmlformats.org/presentationml/2006/main" xmlns:c="http://schemas.openxmlformats.org/drawingml/2006/chart" xmlns:dgm="http://schemas.openxmlformats.org/drawingml/2006/diagram" xmlns:o="urn:schemas-microsoft-com:office:office" xmlns:v="urn:schemas-microsoft-com:vml" xmlns:pvml="urn:schemas-microsoft-com:office:powerpoint" xmlns:com="http://schemas.openxmlformats.org/drawingml/2006/compatibility" xmlns:p14="http://schemas.microsoft.com/office/powerpoint/2010/main" xmlns:p15="http://schemas.microsoft.com/office/powerpoint/2012/main" matchingName="Title slide" type="title">
+<p:sldLayout xmlns:a="http://schemas.openxmlformats.org/drawingml/2006/main" xmlns:r="http://schemas.openxmlformats.org/officeDocument/2006/relationships" xmlns:p="http://schemas.openxmlformats.org/presentationml/2006/main" matchingName="Title slide" type="title">
   <p:cSld name="TITLE">
     <p:bg>
       <p:bgPr>
         <a:solidFill>
           <a:schemeClr val="dk1"/>
         </a:solidFill>
+        <a:effectLst/>
       </p:bgPr>
     </p:bg>
     <p:spTree>
       <p:nvGrpSpPr>
-        <p:cNvPr id="9" name="Shape 9"/>
+        <p:cNvPr id="1" name="Shape 9"/>
         <p:cNvGrpSpPr/>
         <p:nvPr/>
       </p:nvGrpSpPr>
@@ -1844,14 +1924,14 @@
             <a:avLst/>
           </a:prstGeom>
           <a:noFill/>
-          <a:ln cap="flat" cmpd="sng" w="38100">
+          <a:ln w="38100" cap="flat" cmpd="sng">
             <a:solidFill>
               <a:schemeClr val="lt1"/>
             </a:solidFill>
             <a:prstDash val="solid"/>
             <a:round/>
-            <a:headEnd len="sm" w="sm" type="none"/>
-            <a:tailEnd len="sm" w="sm" type="none"/>
+            <a:headEnd type="none" w="sm" len="sm"/>
+            <a:tailEnd type="none" w="sm" len="sm"/>
           </a:ln>
         </p:spPr>
       </p:cxnSp>
@@ -1870,14 +1950,14 @@
             <a:avLst/>
           </a:prstGeom>
           <a:noFill/>
-          <a:ln cap="flat" cmpd="sng" w="19050">
+          <a:ln w="19050" cap="flat" cmpd="sng">
             <a:solidFill>
               <a:schemeClr val="lt1"/>
             </a:solidFill>
             <a:prstDash val="solid"/>
             <a:round/>
-            <a:headEnd len="sm" w="sm" type="none"/>
-            <a:tailEnd len="sm" w="sm" type="none"/>
+            <a:headEnd type="none" w="sm" len="sm"/>
+            <a:tailEnd type="none" w="sm" len="sm"/>
           </a:ln>
         </p:spPr>
       </p:cxnSp>
@@ -1896,21 +1976,23 @@
             <a:avLst/>
           </a:prstGeom>
           <a:noFill/>
-          <a:ln cap="flat" cmpd="sng" w="19050">
+          <a:ln w="19050" cap="flat" cmpd="sng">
             <a:solidFill>
               <a:schemeClr val="lt1"/>
             </a:solidFill>
             <a:prstDash val="solid"/>
             <a:round/>
-            <a:headEnd len="sm" w="sm" type="none"/>
-            <a:tailEnd len="sm" w="sm" type="none"/>
+            <a:headEnd type="none" w="sm" len="sm"/>
+            <a:tailEnd type="none" w="sm" len="sm"/>
           </a:ln>
         </p:spPr>
       </p:cxnSp>
       <p:sp>
         <p:nvSpPr>
           <p:cNvPr id="13" name="Google Shape;13;p2"/>
-          <p:cNvSpPr txBox="1"/>
+          <p:cNvSpPr txBox="1">
+            <a:spLocks noGrp="1"/>
+          </p:cNvSpPr>
           <p:nvPr>
             <p:ph type="ctrTitle"/>
           </p:nvPr>
@@ -1925,7 +2007,7 @@
           </a:prstGeom>
         </p:spPr>
         <p:txBody>
-          <a:bodyPr anchorCtr="0" anchor="t" bIns="91425" lIns="91425" spcFirstLastPara="1" rIns="91425" wrap="square" tIns="91425"/>
+          <a:bodyPr spcFirstLastPara="1" wrap="square" lIns="91425" tIns="91425" rIns="91425" bIns="91425" anchor="t" anchorCtr="0"/>
           <a:lstStyle>
             <a:lvl1pPr lvl="0" rtl="0">
               <a:spcBef>
@@ -2090,15 +2172,19 @@
               </a:defRPr>
             </a:lvl9pPr>
           </a:lstStyle>
-          <a:p/>
+          <a:p>
+            <a:endParaRPr/>
+          </a:p>
         </p:txBody>
       </p:sp>
       <p:sp>
         <p:nvSpPr>
           <p:cNvPr id="14" name="Google Shape;14;p2"/>
-          <p:cNvSpPr txBox="1"/>
+          <p:cNvSpPr txBox="1">
+            <a:spLocks noGrp="1"/>
+          </p:cNvSpPr>
           <p:nvPr>
-            <p:ph idx="1" type="subTitle"/>
+            <p:ph type="subTitle" idx="1"/>
           </p:nvPr>
         </p:nvSpPr>
         <p:spPr>
@@ -2111,7 +2197,7 @@
           </a:prstGeom>
         </p:spPr>
         <p:txBody>
-          <a:bodyPr anchorCtr="0" anchor="b" bIns="91425" lIns="91425" spcFirstLastPara="1" rIns="91425" wrap="square" tIns="91425"/>
+          <a:bodyPr spcFirstLastPara="1" wrap="square" lIns="91425" tIns="91425" rIns="91425" bIns="91425" anchor="b" anchorCtr="0"/>
           <a:lstStyle>
             <a:lvl1pPr lvl="0" rtl="0">
               <a:lnSpc>
@@ -2303,15 +2389,19 @@
               </a:defRPr>
             </a:lvl9pPr>
           </a:lstStyle>
-          <a:p/>
+          <a:p>
+            <a:endParaRPr/>
+          </a:p>
         </p:txBody>
       </p:sp>
       <p:sp>
         <p:nvSpPr>
           <p:cNvPr id="15" name="Google Shape;15;p2"/>
-          <p:cNvSpPr txBox="1"/>
+          <p:cNvSpPr txBox="1">
+            <a:spLocks noGrp="1"/>
+          </p:cNvSpPr>
           <p:nvPr>
-            <p:ph idx="12" type="sldNum"/>
+            <p:ph type="sldNum" idx="12"/>
           </p:nvPr>
         </p:nvSpPr>
         <p:spPr>
@@ -2324,7 +2414,7 @@
           </a:prstGeom>
         </p:spPr>
         <p:txBody>
-          <a:bodyPr anchorCtr="0" anchor="ctr" bIns="91425" lIns="91425" spcFirstLastPara="1" rIns="91425" wrap="square" tIns="91425">
+          <a:bodyPr spcFirstLastPara="1" wrap="square" lIns="91425" tIns="91425" rIns="91425" bIns="91425" anchor="ctr" anchorCtr="0">
             <a:noAutofit/>
           </a:bodyPr>
           <a:lstStyle>
@@ -2402,7 +2492,7 @@
             </a:lvl9pPr>
           </a:lstStyle>
           <a:p>
-            <a:pPr indent="0" lvl="0" marL="0" rtl="0" algn="r">
+            <a:pPr marL="0" lvl="0" indent="0" algn="r" rtl="0">
               <a:spcBef>
                 <a:spcPts val="0"/>
               </a:spcBef>
@@ -2428,11 +2518,11 @@
 </file>
 
 <file path=ppt/slideLayouts/slideLayout10.xml><?xml version="1.0" encoding="utf-8"?>
-<p:sldLayout xmlns:a="http://schemas.openxmlformats.org/drawingml/2006/main" xmlns:r="http://schemas.openxmlformats.org/officeDocument/2006/relationships" xmlns:mc="http://schemas.openxmlformats.org/markup-compatibility/2006" xmlns:mv="urn:schemas-microsoft-com:mac:vml" xmlns:p="http://schemas.openxmlformats.org/presentationml/2006/main" xmlns:c="http://schemas.openxmlformats.org/drawingml/2006/chart" xmlns:dgm="http://schemas.openxmlformats.org/drawingml/2006/diagram" xmlns:o="urn:schemas-microsoft-com:office:office" xmlns:v="urn:schemas-microsoft-com:vml" xmlns:pvml="urn:schemas-microsoft-com:office:powerpoint" xmlns:com="http://schemas.openxmlformats.org/drawingml/2006/compatibility" xmlns:p14="http://schemas.microsoft.com/office/powerpoint/2010/main" xmlns:p15="http://schemas.microsoft.com/office/powerpoint/2012/main" matchingName="Big number">
+<p:sldLayout xmlns:a="http://schemas.openxmlformats.org/drawingml/2006/main" xmlns:r="http://schemas.openxmlformats.org/officeDocument/2006/relationships" xmlns:p="http://schemas.openxmlformats.org/presentationml/2006/main" matchingName="Big number">
   <p:cSld name="BIG_NUMBER">
     <p:spTree>
       <p:nvGrpSpPr>
-        <p:cNvPr id="60" name="Shape 60"/>
+        <p:cNvPr id="1" name="Shape 60"/>
         <p:cNvGrpSpPr/>
         <p:nvPr/>
       </p:nvGrpSpPr>
@@ -2459,14 +2549,14 @@
             <a:avLst/>
           </a:prstGeom>
           <a:noFill/>
-          <a:ln cap="flat" cmpd="sng" w="19050">
+          <a:ln w="19050" cap="flat" cmpd="sng">
             <a:solidFill>
               <a:schemeClr val="dk2"/>
             </a:solidFill>
             <a:prstDash val="solid"/>
             <a:round/>
-            <a:headEnd len="sm" w="sm" type="none"/>
-            <a:tailEnd len="sm" w="sm" type="none"/>
+            <a:headEnd type="none" w="sm" len="sm"/>
+            <a:tailEnd type="none" w="sm" len="sm"/>
           </a:ln>
         </p:spPr>
       </p:cxnSp>
@@ -2485,23 +2575,25 @@
             <a:avLst/>
           </a:prstGeom>
           <a:noFill/>
-          <a:ln cap="flat" cmpd="sng" w="38100">
+          <a:ln w="38100" cap="flat" cmpd="sng">
             <a:solidFill>
               <a:schemeClr val="dk2"/>
             </a:solidFill>
             <a:prstDash val="solid"/>
             <a:round/>
-            <a:headEnd len="sm" w="sm" type="none"/>
-            <a:tailEnd len="sm" w="sm" type="none"/>
+            <a:headEnd type="none" w="sm" len="sm"/>
+            <a:tailEnd type="none" w="sm" len="sm"/>
           </a:ln>
         </p:spPr>
       </p:cxnSp>
       <p:sp>
         <p:nvSpPr>
           <p:cNvPr id="63" name="Google Shape;63;p11"/>
-          <p:cNvSpPr txBox="1"/>
+          <p:cNvSpPr txBox="1">
+            <a:spLocks noGrp="1"/>
+          </p:cNvSpPr>
           <p:nvPr>
-            <p:ph hasCustomPrompt="1" type="title"/>
+            <p:ph type="title" hasCustomPrompt="1"/>
           </p:nvPr>
         </p:nvSpPr>
         <p:spPr>
@@ -2514,9 +2606,9 @@
           </a:prstGeom>
         </p:spPr>
         <p:txBody>
-          <a:bodyPr anchorCtr="0" anchor="ctr" bIns="91425" lIns="91425" spcFirstLastPara="1" rIns="91425" wrap="square" tIns="91425"/>
+          <a:bodyPr spcFirstLastPara="1" wrap="square" lIns="91425" tIns="91425" rIns="91425" bIns="91425" anchor="ctr" anchorCtr="0"/>
           <a:lstStyle>
-            <a:lvl1pPr lvl="0" rtl="0" algn="ctr">
+            <a:lvl1pPr lvl="0" algn="ctr" rtl="0">
               <a:spcBef>
                 <a:spcPts val="0"/>
               </a:spcBef>
@@ -2539,7 +2631,7 @@
                 <a:sym typeface="Lato"/>
               </a:defRPr>
             </a:lvl1pPr>
-            <a:lvl2pPr lvl="1" rtl="0" algn="ctr">
+            <a:lvl2pPr lvl="1" algn="ctr" rtl="0">
               <a:spcBef>
                 <a:spcPts val="0"/>
               </a:spcBef>
@@ -2562,7 +2654,7 @@
                 <a:sym typeface="Lato"/>
               </a:defRPr>
             </a:lvl2pPr>
-            <a:lvl3pPr lvl="2" rtl="0" algn="ctr">
+            <a:lvl3pPr lvl="2" algn="ctr" rtl="0">
               <a:spcBef>
                 <a:spcPts val="0"/>
               </a:spcBef>
@@ -2585,7 +2677,7 @@
                 <a:sym typeface="Lato"/>
               </a:defRPr>
             </a:lvl3pPr>
-            <a:lvl4pPr lvl="3" rtl="0" algn="ctr">
+            <a:lvl4pPr lvl="3" algn="ctr" rtl="0">
               <a:spcBef>
                 <a:spcPts val="0"/>
               </a:spcBef>
@@ -2608,7 +2700,7 @@
                 <a:sym typeface="Lato"/>
               </a:defRPr>
             </a:lvl4pPr>
-            <a:lvl5pPr lvl="4" rtl="0" algn="ctr">
+            <a:lvl5pPr lvl="4" algn="ctr" rtl="0">
               <a:spcBef>
                 <a:spcPts val="0"/>
               </a:spcBef>
@@ -2631,7 +2723,7 @@
                 <a:sym typeface="Lato"/>
               </a:defRPr>
             </a:lvl5pPr>
-            <a:lvl6pPr lvl="5" rtl="0" algn="ctr">
+            <a:lvl6pPr lvl="5" algn="ctr" rtl="0">
               <a:spcBef>
                 <a:spcPts val="0"/>
               </a:spcBef>
@@ -2654,7 +2746,7 @@
                 <a:sym typeface="Lato"/>
               </a:defRPr>
             </a:lvl6pPr>
-            <a:lvl7pPr lvl="6" rtl="0" algn="ctr">
+            <a:lvl7pPr lvl="6" algn="ctr" rtl="0">
               <a:spcBef>
                 <a:spcPts val="0"/>
               </a:spcBef>
@@ -2677,7 +2769,7 @@
                 <a:sym typeface="Lato"/>
               </a:defRPr>
             </a:lvl7pPr>
-            <a:lvl8pPr lvl="7" rtl="0" algn="ctr">
+            <a:lvl8pPr lvl="7" algn="ctr" rtl="0">
               <a:spcBef>
                 <a:spcPts val="0"/>
               </a:spcBef>
@@ -2700,7 +2792,7 @@
                 <a:sym typeface="Lato"/>
               </a:defRPr>
             </a:lvl8pPr>
-            <a:lvl9pPr lvl="8" rtl="0" algn="ctr">
+            <a:lvl9pPr lvl="8" algn="ctr" rtl="0">
               <a:spcBef>
                 <a:spcPts val="0"/>
               </a:spcBef>
@@ -2734,9 +2826,11 @@
       <p:sp>
         <p:nvSpPr>
           <p:cNvPr id="64" name="Google Shape;64;p11"/>
-          <p:cNvSpPr txBox="1"/>
+          <p:cNvSpPr txBox="1">
+            <a:spLocks noGrp="1"/>
+          </p:cNvSpPr>
           <p:nvPr>
-            <p:ph idx="1" type="body"/>
+            <p:ph type="body" idx="1"/>
           </p:nvPr>
         </p:nvSpPr>
         <p:spPr>
@@ -2749,9 +2843,9 @@
           </a:prstGeom>
         </p:spPr>
         <p:txBody>
-          <a:bodyPr anchorCtr="0" anchor="t" bIns="91425" lIns="91425" spcFirstLastPara="1" rIns="91425" wrap="square" tIns="91425"/>
+          <a:bodyPr spcFirstLastPara="1" wrap="square" lIns="91425" tIns="91425" rIns="91425" bIns="91425" anchor="t" anchorCtr="0"/>
           <a:lstStyle>
-            <a:lvl1pPr indent="-342900" lvl="0" marL="457200" rtl="0" algn="ctr">
+            <a:lvl1pPr marL="457200" lvl="0" indent="-342900" algn="ctr" rtl="0">
               <a:spcBef>
                 <a:spcPts val="0"/>
               </a:spcBef>
@@ -2762,7 +2856,7 @@
               <a:buChar char="●"/>
               <a:defRPr/>
             </a:lvl1pPr>
-            <a:lvl2pPr indent="-317500" lvl="1" marL="914400" rtl="0" algn="ctr">
+            <a:lvl2pPr marL="914400" lvl="1" indent="-317500" algn="ctr" rtl="0">
               <a:spcBef>
                 <a:spcPts val="1600"/>
               </a:spcBef>
@@ -2773,7 +2867,7 @@
               <a:buChar char="○"/>
               <a:defRPr/>
             </a:lvl2pPr>
-            <a:lvl3pPr indent="-317500" lvl="2" marL="1371600" rtl="0" algn="ctr">
+            <a:lvl3pPr marL="1371600" lvl="2" indent="-317500" algn="ctr" rtl="0">
               <a:spcBef>
                 <a:spcPts val="1600"/>
               </a:spcBef>
@@ -2784,7 +2878,7 @@
               <a:buChar char="■"/>
               <a:defRPr/>
             </a:lvl3pPr>
-            <a:lvl4pPr indent="-317500" lvl="3" marL="1828800" rtl="0" algn="ctr">
+            <a:lvl4pPr marL="1828800" lvl="3" indent="-317500" algn="ctr" rtl="0">
               <a:spcBef>
                 <a:spcPts val="1600"/>
               </a:spcBef>
@@ -2795,7 +2889,7 @@
               <a:buChar char="●"/>
               <a:defRPr/>
             </a:lvl4pPr>
-            <a:lvl5pPr indent="-317500" lvl="4" marL="2286000" rtl="0" algn="ctr">
+            <a:lvl5pPr marL="2286000" lvl="4" indent="-317500" algn="ctr" rtl="0">
               <a:spcBef>
                 <a:spcPts val="1600"/>
               </a:spcBef>
@@ -2806,7 +2900,7 @@
               <a:buChar char="○"/>
               <a:defRPr/>
             </a:lvl5pPr>
-            <a:lvl6pPr indent="-317500" lvl="5" marL="2743200" rtl="0" algn="ctr">
+            <a:lvl6pPr marL="2743200" lvl="5" indent="-317500" algn="ctr" rtl="0">
               <a:spcBef>
                 <a:spcPts val="1600"/>
               </a:spcBef>
@@ -2817,7 +2911,7 @@
               <a:buChar char="■"/>
               <a:defRPr/>
             </a:lvl6pPr>
-            <a:lvl7pPr indent="-317500" lvl="6" marL="3200400" rtl="0" algn="ctr">
+            <a:lvl7pPr marL="3200400" lvl="6" indent="-317500" algn="ctr" rtl="0">
               <a:spcBef>
                 <a:spcPts val="1600"/>
               </a:spcBef>
@@ -2828,7 +2922,7 @@
               <a:buChar char="●"/>
               <a:defRPr/>
             </a:lvl7pPr>
-            <a:lvl8pPr indent="-317500" lvl="7" marL="3657600" rtl="0" algn="ctr">
+            <a:lvl8pPr marL="3657600" lvl="7" indent="-317500" algn="ctr" rtl="0">
               <a:spcBef>
                 <a:spcPts val="1600"/>
               </a:spcBef>
@@ -2839,7 +2933,7 @@
               <a:buChar char="○"/>
               <a:defRPr/>
             </a:lvl8pPr>
-            <a:lvl9pPr indent="-317500" lvl="8" marL="4114800" rtl="0" algn="ctr">
+            <a:lvl9pPr marL="4114800" lvl="8" indent="-317500" algn="ctr" rtl="0">
               <a:spcBef>
                 <a:spcPts val="1600"/>
               </a:spcBef>
@@ -2851,15 +2945,19 @@
               <a:defRPr/>
             </a:lvl9pPr>
           </a:lstStyle>
-          <a:p/>
+          <a:p>
+            <a:endParaRPr/>
+          </a:p>
         </p:txBody>
       </p:sp>
       <p:sp>
         <p:nvSpPr>
           <p:cNvPr id="65" name="Google Shape;65;p11"/>
-          <p:cNvSpPr txBox="1"/>
+          <p:cNvSpPr txBox="1">
+            <a:spLocks noGrp="1"/>
+          </p:cNvSpPr>
           <p:nvPr>
-            <p:ph idx="12" type="sldNum"/>
+            <p:ph type="sldNum" idx="12"/>
           </p:nvPr>
         </p:nvSpPr>
         <p:spPr>
@@ -2872,7 +2970,7 @@
           </a:prstGeom>
         </p:spPr>
         <p:txBody>
-          <a:bodyPr anchorCtr="0" anchor="ctr" bIns="91425" lIns="91425" spcFirstLastPara="1" rIns="91425" wrap="square" tIns="91425">
+          <a:bodyPr spcFirstLastPara="1" wrap="square" lIns="91425" tIns="91425" rIns="91425" bIns="91425" anchor="ctr" anchorCtr="0">
             <a:noAutofit/>
           </a:bodyPr>
           <a:lstStyle>
@@ -2914,7 +3012,7 @@
             </a:lvl9pPr>
           </a:lstStyle>
           <a:p>
-            <a:pPr indent="0" lvl="0" marL="0" rtl="0" algn="r">
+            <a:pPr marL="0" lvl="0" indent="0" algn="r" rtl="0">
               <a:spcBef>
                 <a:spcPts val="0"/>
               </a:spcBef>
@@ -2940,11 +3038,11 @@
 </file>
 
 <file path=ppt/slideLayouts/slideLayout11.xml><?xml version="1.0" encoding="utf-8"?>
-<p:sldLayout xmlns:a="http://schemas.openxmlformats.org/drawingml/2006/main" xmlns:r="http://schemas.openxmlformats.org/officeDocument/2006/relationships" xmlns:mc="http://schemas.openxmlformats.org/markup-compatibility/2006" xmlns:mv="urn:schemas-microsoft-com:mac:vml" xmlns:p="http://schemas.openxmlformats.org/presentationml/2006/main" xmlns:c="http://schemas.openxmlformats.org/drawingml/2006/chart" xmlns:dgm="http://schemas.openxmlformats.org/drawingml/2006/diagram" xmlns:o="urn:schemas-microsoft-com:office:office" xmlns:v="urn:schemas-microsoft-com:vml" xmlns:pvml="urn:schemas-microsoft-com:office:powerpoint" xmlns:com="http://schemas.openxmlformats.org/drawingml/2006/compatibility" xmlns:p14="http://schemas.microsoft.com/office/powerpoint/2010/main" xmlns:p15="http://schemas.microsoft.com/office/powerpoint/2012/main" matchingName="Blank" type="blank">
+<p:sldLayout xmlns:a="http://schemas.openxmlformats.org/drawingml/2006/main" xmlns:r="http://schemas.openxmlformats.org/officeDocument/2006/relationships" xmlns:p="http://schemas.openxmlformats.org/presentationml/2006/main" matchingName="Blank" type="blank">
   <p:cSld name="BLANK">
     <p:spTree>
       <p:nvGrpSpPr>
-        <p:cNvPr id="66" name="Shape 66"/>
+        <p:cNvPr id="1" name="Shape 66"/>
         <p:cNvGrpSpPr/>
         <p:nvPr/>
       </p:nvGrpSpPr>
@@ -2959,9 +3057,11 @@
       <p:sp>
         <p:nvSpPr>
           <p:cNvPr id="67" name="Google Shape;67;p12"/>
-          <p:cNvSpPr txBox="1"/>
+          <p:cNvSpPr txBox="1">
+            <a:spLocks noGrp="1"/>
+          </p:cNvSpPr>
           <p:nvPr>
-            <p:ph idx="12" type="sldNum"/>
+            <p:ph type="sldNum" idx="12"/>
           </p:nvPr>
         </p:nvSpPr>
         <p:spPr>
@@ -2974,7 +3074,7 @@
           </a:prstGeom>
         </p:spPr>
         <p:txBody>
-          <a:bodyPr anchorCtr="0" anchor="ctr" bIns="91425" lIns="91425" spcFirstLastPara="1" rIns="91425" wrap="square" tIns="91425">
+          <a:bodyPr spcFirstLastPara="1" wrap="square" lIns="91425" tIns="91425" rIns="91425" bIns="91425" anchor="ctr" anchorCtr="0">
             <a:noAutofit/>
           </a:bodyPr>
           <a:lstStyle>
@@ -3016,7 +3116,7 @@
             </a:lvl9pPr>
           </a:lstStyle>
           <a:p>
-            <a:pPr indent="0" lvl="0" marL="0" rtl="0" algn="r">
+            <a:pPr marL="0" lvl="0" indent="0" algn="r" rtl="0">
               <a:spcBef>
                 <a:spcPts val="0"/>
               </a:spcBef>
@@ -3042,18 +3142,19 @@
 </file>
 
 <file path=ppt/slideLayouts/slideLayout2.xml><?xml version="1.0" encoding="utf-8"?>
-<p:sldLayout xmlns:a="http://schemas.openxmlformats.org/drawingml/2006/main" xmlns:r="http://schemas.openxmlformats.org/officeDocument/2006/relationships" xmlns:mc="http://schemas.openxmlformats.org/markup-compatibility/2006" xmlns:mv="urn:schemas-microsoft-com:mac:vml" xmlns:p="http://schemas.openxmlformats.org/presentationml/2006/main" xmlns:c="http://schemas.openxmlformats.org/drawingml/2006/chart" xmlns:dgm="http://schemas.openxmlformats.org/drawingml/2006/diagram" xmlns:o="urn:schemas-microsoft-com:office:office" xmlns:v="urn:schemas-microsoft-com:vml" xmlns:pvml="urn:schemas-microsoft-com:office:powerpoint" xmlns:com="http://schemas.openxmlformats.org/drawingml/2006/compatibility" xmlns:p14="http://schemas.microsoft.com/office/powerpoint/2010/main" xmlns:p15="http://schemas.microsoft.com/office/powerpoint/2012/main" matchingName="Section header" type="secHead">
+<p:sldLayout xmlns:a="http://schemas.openxmlformats.org/drawingml/2006/main" xmlns:r="http://schemas.openxmlformats.org/officeDocument/2006/relationships" xmlns:p="http://schemas.openxmlformats.org/presentationml/2006/main" matchingName="Section header" type="secHead">
   <p:cSld name="SECTION_HEADER">
     <p:bg>
       <p:bgPr>
         <a:solidFill>
           <a:schemeClr val="dk1"/>
         </a:solidFill>
+        <a:effectLst/>
       </p:bgPr>
     </p:bg>
     <p:spTree>
       <p:nvGrpSpPr>
-        <p:cNvPr id="16" name="Shape 16"/>
+        <p:cNvPr id="1" name="Shape 16"/>
         <p:cNvGrpSpPr/>
         <p:nvPr/>
       </p:nvGrpSpPr>
@@ -3080,14 +3181,14 @@
             <a:avLst/>
           </a:prstGeom>
           <a:noFill/>
-          <a:ln cap="flat" cmpd="sng" w="38100">
+          <a:ln w="38100" cap="flat" cmpd="sng">
             <a:solidFill>
               <a:schemeClr val="lt1"/>
             </a:solidFill>
             <a:prstDash val="solid"/>
             <a:round/>
-            <a:headEnd len="sm" w="sm" type="none"/>
-            <a:tailEnd len="sm" w="sm" type="none"/>
+            <a:headEnd type="none" w="sm" len="sm"/>
+            <a:tailEnd type="none" w="sm" len="sm"/>
           </a:ln>
         </p:spPr>
       </p:cxnSp>
@@ -3106,21 +3207,23 @@
             <a:avLst/>
           </a:prstGeom>
           <a:noFill/>
-          <a:ln cap="flat" cmpd="sng" w="19050">
+          <a:ln w="19050" cap="flat" cmpd="sng">
             <a:solidFill>
               <a:schemeClr val="lt1"/>
             </a:solidFill>
             <a:prstDash val="solid"/>
             <a:round/>
-            <a:headEnd len="sm" w="sm" type="none"/>
-            <a:tailEnd len="sm" w="sm" type="none"/>
+            <a:headEnd type="none" w="sm" len="sm"/>
+            <a:tailEnd type="none" w="sm" len="sm"/>
           </a:ln>
         </p:spPr>
       </p:cxnSp>
       <p:sp>
         <p:nvSpPr>
           <p:cNvPr id="19" name="Google Shape;19;p3"/>
-          <p:cNvSpPr txBox="1"/>
+          <p:cNvSpPr txBox="1">
+            <a:spLocks noGrp="1"/>
+          </p:cNvSpPr>
           <p:nvPr>
             <p:ph type="title"/>
           </p:nvPr>
@@ -3135,9 +3238,9 @@
           </a:prstGeom>
         </p:spPr>
         <p:txBody>
-          <a:bodyPr anchorCtr="0" anchor="ctr" bIns="91425" lIns="91425" spcFirstLastPara="1" rIns="91425" wrap="square" tIns="91425"/>
+          <a:bodyPr spcFirstLastPara="1" wrap="square" lIns="91425" tIns="91425" rIns="91425" bIns="91425" anchor="ctr" anchorCtr="0"/>
           <a:lstStyle>
-            <a:lvl1pPr lvl="0" rtl="0" algn="ctr">
+            <a:lvl1pPr lvl="0" algn="ctr" rtl="0">
               <a:spcBef>
                 <a:spcPts val="0"/>
               </a:spcBef>
@@ -3155,7 +3258,7 @@
                 </a:solidFill>
               </a:defRPr>
             </a:lvl1pPr>
-            <a:lvl2pPr lvl="1" rtl="0" algn="ctr">
+            <a:lvl2pPr lvl="1" algn="ctr" rtl="0">
               <a:spcBef>
                 <a:spcPts val="0"/>
               </a:spcBef>
@@ -3173,7 +3276,7 @@
                 </a:solidFill>
               </a:defRPr>
             </a:lvl2pPr>
-            <a:lvl3pPr lvl="2" rtl="0" algn="ctr">
+            <a:lvl3pPr lvl="2" algn="ctr" rtl="0">
               <a:spcBef>
                 <a:spcPts val="0"/>
               </a:spcBef>
@@ -3191,7 +3294,7 @@
                 </a:solidFill>
               </a:defRPr>
             </a:lvl3pPr>
-            <a:lvl4pPr lvl="3" rtl="0" algn="ctr">
+            <a:lvl4pPr lvl="3" algn="ctr" rtl="0">
               <a:spcBef>
                 <a:spcPts val="0"/>
               </a:spcBef>
@@ -3209,7 +3312,7 @@
                 </a:solidFill>
               </a:defRPr>
             </a:lvl4pPr>
-            <a:lvl5pPr lvl="4" rtl="0" algn="ctr">
+            <a:lvl5pPr lvl="4" algn="ctr" rtl="0">
               <a:spcBef>
                 <a:spcPts val="0"/>
               </a:spcBef>
@@ -3227,7 +3330,7 @@
                 </a:solidFill>
               </a:defRPr>
             </a:lvl5pPr>
-            <a:lvl6pPr lvl="5" rtl="0" algn="ctr">
+            <a:lvl6pPr lvl="5" algn="ctr" rtl="0">
               <a:spcBef>
                 <a:spcPts val="0"/>
               </a:spcBef>
@@ -3245,7 +3348,7 @@
                 </a:solidFill>
               </a:defRPr>
             </a:lvl6pPr>
-            <a:lvl7pPr lvl="6" rtl="0" algn="ctr">
+            <a:lvl7pPr lvl="6" algn="ctr" rtl="0">
               <a:spcBef>
                 <a:spcPts val="0"/>
               </a:spcBef>
@@ -3263,7 +3366,7 @@
                 </a:solidFill>
               </a:defRPr>
             </a:lvl7pPr>
-            <a:lvl8pPr lvl="7" rtl="0" algn="ctr">
+            <a:lvl8pPr lvl="7" algn="ctr" rtl="0">
               <a:spcBef>
                 <a:spcPts val="0"/>
               </a:spcBef>
@@ -3281,7 +3384,7 @@
                 </a:solidFill>
               </a:defRPr>
             </a:lvl8pPr>
-            <a:lvl9pPr lvl="8" rtl="0" algn="ctr">
+            <a:lvl9pPr lvl="8" algn="ctr" rtl="0">
               <a:spcBef>
                 <a:spcPts val="0"/>
               </a:spcBef>
@@ -3300,15 +3403,19 @@
               </a:defRPr>
             </a:lvl9pPr>
           </a:lstStyle>
-          <a:p/>
+          <a:p>
+            <a:endParaRPr/>
+          </a:p>
         </p:txBody>
       </p:sp>
       <p:sp>
         <p:nvSpPr>
           <p:cNvPr id="20" name="Google Shape;20;p3"/>
-          <p:cNvSpPr txBox="1"/>
+          <p:cNvSpPr txBox="1">
+            <a:spLocks noGrp="1"/>
+          </p:cNvSpPr>
           <p:nvPr>
-            <p:ph idx="12" type="sldNum"/>
+            <p:ph type="sldNum" idx="12"/>
           </p:nvPr>
         </p:nvSpPr>
         <p:spPr>
@@ -3321,7 +3428,7 @@
           </a:prstGeom>
         </p:spPr>
         <p:txBody>
-          <a:bodyPr anchorCtr="0" anchor="ctr" bIns="91425" lIns="91425" spcFirstLastPara="1" rIns="91425" wrap="square" tIns="91425">
+          <a:bodyPr spcFirstLastPara="1" wrap="square" lIns="91425" tIns="91425" rIns="91425" bIns="91425" anchor="ctr" anchorCtr="0">
             <a:noAutofit/>
           </a:bodyPr>
           <a:lstStyle>
@@ -3399,7 +3506,7 @@
             </a:lvl9pPr>
           </a:lstStyle>
           <a:p>
-            <a:pPr indent="0" lvl="0" marL="0" rtl="0" algn="r">
+            <a:pPr marL="0" lvl="0" indent="0" algn="r" rtl="0">
               <a:spcBef>
                 <a:spcPts val="0"/>
               </a:spcBef>
@@ -3425,11 +3532,11 @@
 </file>
 
 <file path=ppt/slideLayouts/slideLayout3.xml><?xml version="1.0" encoding="utf-8"?>
-<p:sldLayout xmlns:a="http://schemas.openxmlformats.org/drawingml/2006/main" xmlns:r="http://schemas.openxmlformats.org/officeDocument/2006/relationships" xmlns:mc="http://schemas.openxmlformats.org/markup-compatibility/2006" xmlns:mv="urn:schemas-microsoft-com:mac:vml" xmlns:p="http://schemas.openxmlformats.org/presentationml/2006/main" xmlns:c="http://schemas.openxmlformats.org/drawingml/2006/chart" xmlns:dgm="http://schemas.openxmlformats.org/drawingml/2006/diagram" xmlns:o="urn:schemas-microsoft-com:office:office" xmlns:v="urn:schemas-microsoft-com:vml" xmlns:pvml="urn:schemas-microsoft-com:office:powerpoint" xmlns:com="http://schemas.openxmlformats.org/drawingml/2006/compatibility" xmlns:p14="http://schemas.microsoft.com/office/powerpoint/2010/main" xmlns:p15="http://schemas.microsoft.com/office/powerpoint/2012/main" matchingName="Title and body" type="tx">
+<p:sldLayout xmlns:a="http://schemas.openxmlformats.org/drawingml/2006/main" xmlns:r="http://schemas.openxmlformats.org/officeDocument/2006/relationships" xmlns:p="http://schemas.openxmlformats.org/presentationml/2006/main" matchingName="Title and body" type="tx">
   <p:cSld name="TITLE_AND_BODY">
     <p:spTree>
       <p:nvGrpSpPr>
-        <p:cNvPr id="21" name="Shape 21"/>
+        <p:cNvPr id="1" name="Shape 21"/>
         <p:cNvGrpSpPr/>
         <p:nvPr/>
       </p:nvGrpSpPr>
@@ -3456,14 +3563,14 @@
             <a:avLst/>
           </a:prstGeom>
           <a:noFill/>
-          <a:ln cap="flat" cmpd="sng" w="38100">
+          <a:ln w="38100" cap="flat" cmpd="sng">
             <a:solidFill>
               <a:schemeClr val="dk2"/>
             </a:solidFill>
             <a:prstDash val="solid"/>
             <a:round/>
-            <a:headEnd len="sm" w="sm" type="none"/>
-            <a:tailEnd len="sm" w="sm" type="none"/>
+            <a:headEnd type="none" w="sm" len="sm"/>
+            <a:tailEnd type="none" w="sm" len="sm"/>
           </a:ln>
         </p:spPr>
       </p:cxnSp>
@@ -3482,14 +3589,14 @@
             <a:avLst/>
           </a:prstGeom>
           <a:noFill/>
-          <a:ln cap="flat" cmpd="sng" w="19050">
+          <a:ln w="19050" cap="flat" cmpd="sng">
             <a:solidFill>
               <a:schemeClr val="dk2"/>
             </a:solidFill>
             <a:prstDash val="solid"/>
             <a:round/>
-            <a:headEnd len="sm" w="sm" type="none"/>
-            <a:tailEnd len="sm" w="sm" type="none"/>
+            <a:headEnd type="none" w="sm" len="sm"/>
+            <a:tailEnd type="none" w="sm" len="sm"/>
           </a:ln>
         </p:spPr>
       </p:cxnSp>
@@ -3508,21 +3615,23 @@
             <a:avLst/>
           </a:prstGeom>
           <a:noFill/>
-          <a:ln cap="flat" cmpd="sng" w="19050">
+          <a:ln w="19050" cap="flat" cmpd="sng">
             <a:solidFill>
               <a:schemeClr val="dk2"/>
             </a:solidFill>
             <a:prstDash val="solid"/>
             <a:round/>
-            <a:headEnd len="sm" w="sm" type="none"/>
-            <a:tailEnd len="sm" w="sm" type="none"/>
+            <a:headEnd type="none" w="sm" len="sm"/>
+            <a:tailEnd type="none" w="sm" len="sm"/>
           </a:ln>
         </p:spPr>
       </p:cxnSp>
       <p:sp>
         <p:nvSpPr>
           <p:cNvPr id="25" name="Google Shape;25;p4"/>
-          <p:cNvSpPr txBox="1"/>
+          <p:cNvSpPr txBox="1">
+            <a:spLocks noGrp="1"/>
+          </p:cNvSpPr>
           <p:nvPr>
             <p:ph type="title"/>
           </p:nvPr>
@@ -3537,7 +3646,7 @@
           </a:prstGeom>
         </p:spPr>
         <p:txBody>
-          <a:bodyPr anchorCtr="0" anchor="t" bIns="91425" lIns="91425" spcFirstLastPara="1" rIns="91425" wrap="square" tIns="91425"/>
+          <a:bodyPr spcFirstLastPara="1" wrap="square" lIns="91425" tIns="91425" rIns="91425" bIns="91425" anchor="t" anchorCtr="0"/>
           <a:lstStyle>
             <a:lvl1pPr lvl="0" rtl="0">
               <a:spcBef>
@@ -3639,15 +3748,19 @@
               <a:defRPr/>
             </a:lvl9pPr>
           </a:lstStyle>
-          <a:p/>
+          <a:p>
+            <a:endParaRPr/>
+          </a:p>
         </p:txBody>
       </p:sp>
       <p:sp>
         <p:nvSpPr>
           <p:cNvPr id="26" name="Google Shape;26;p4"/>
-          <p:cNvSpPr txBox="1"/>
+          <p:cNvSpPr txBox="1">
+            <a:spLocks noGrp="1"/>
+          </p:cNvSpPr>
           <p:nvPr>
-            <p:ph idx="1" type="body"/>
+            <p:ph type="body" idx="1"/>
           </p:nvPr>
         </p:nvSpPr>
         <p:spPr>
@@ -3660,9 +3773,9 @@
           </a:prstGeom>
         </p:spPr>
         <p:txBody>
-          <a:bodyPr anchorCtr="0" anchor="t" bIns="91425" lIns="91425" spcFirstLastPara="1" rIns="91425" wrap="square" tIns="91425"/>
+          <a:bodyPr spcFirstLastPara="1" wrap="square" lIns="91425" tIns="91425" rIns="91425" bIns="91425" anchor="t" anchorCtr="0"/>
           <a:lstStyle>
-            <a:lvl1pPr indent="-342900" lvl="0" marL="457200" rtl="0">
+            <a:lvl1pPr marL="457200" lvl="0" indent="-342900" rtl="0">
               <a:spcBef>
                 <a:spcPts val="0"/>
               </a:spcBef>
@@ -3673,7 +3786,7 @@
               <a:buChar char="●"/>
               <a:defRPr/>
             </a:lvl1pPr>
-            <a:lvl2pPr indent="-317500" lvl="1" marL="914400" rtl="0">
+            <a:lvl2pPr marL="914400" lvl="1" indent="-317500" rtl="0">
               <a:spcBef>
                 <a:spcPts val="1600"/>
               </a:spcBef>
@@ -3684,7 +3797,7 @@
               <a:buChar char="○"/>
               <a:defRPr/>
             </a:lvl2pPr>
-            <a:lvl3pPr indent="-317500" lvl="2" marL="1371600" rtl="0">
+            <a:lvl3pPr marL="1371600" lvl="2" indent="-317500" rtl="0">
               <a:spcBef>
                 <a:spcPts val="1600"/>
               </a:spcBef>
@@ -3695,7 +3808,7 @@
               <a:buChar char="■"/>
               <a:defRPr/>
             </a:lvl3pPr>
-            <a:lvl4pPr indent="-317500" lvl="3" marL="1828800" rtl="0">
+            <a:lvl4pPr marL="1828800" lvl="3" indent="-317500" rtl="0">
               <a:spcBef>
                 <a:spcPts val="1600"/>
               </a:spcBef>
@@ -3706,7 +3819,7 @@
               <a:buChar char="●"/>
               <a:defRPr/>
             </a:lvl4pPr>
-            <a:lvl5pPr indent="-317500" lvl="4" marL="2286000" rtl="0">
+            <a:lvl5pPr marL="2286000" lvl="4" indent="-317500" rtl="0">
               <a:spcBef>
                 <a:spcPts val="1600"/>
               </a:spcBef>
@@ -3717,7 +3830,7 @@
               <a:buChar char="○"/>
               <a:defRPr/>
             </a:lvl5pPr>
-            <a:lvl6pPr indent="-317500" lvl="5" marL="2743200" rtl="0">
+            <a:lvl6pPr marL="2743200" lvl="5" indent="-317500" rtl="0">
               <a:spcBef>
                 <a:spcPts val="1600"/>
               </a:spcBef>
@@ -3728,7 +3841,7 @@
               <a:buChar char="■"/>
               <a:defRPr/>
             </a:lvl6pPr>
-            <a:lvl7pPr indent="-317500" lvl="6" marL="3200400" rtl="0">
+            <a:lvl7pPr marL="3200400" lvl="6" indent="-317500" rtl="0">
               <a:spcBef>
                 <a:spcPts val="1600"/>
               </a:spcBef>
@@ -3739,7 +3852,7 @@
               <a:buChar char="●"/>
               <a:defRPr/>
             </a:lvl7pPr>
-            <a:lvl8pPr indent="-317500" lvl="7" marL="3657600" rtl="0">
+            <a:lvl8pPr marL="3657600" lvl="7" indent="-317500" rtl="0">
               <a:spcBef>
                 <a:spcPts val="1600"/>
               </a:spcBef>
@@ -3750,7 +3863,7 @@
               <a:buChar char="○"/>
               <a:defRPr/>
             </a:lvl8pPr>
-            <a:lvl9pPr indent="-317500" lvl="8" marL="4114800" rtl="0">
+            <a:lvl9pPr marL="4114800" lvl="8" indent="-317500" rtl="0">
               <a:spcBef>
                 <a:spcPts val="1600"/>
               </a:spcBef>
@@ -3762,15 +3875,19 @@
               <a:defRPr/>
             </a:lvl9pPr>
           </a:lstStyle>
-          <a:p/>
+          <a:p>
+            <a:endParaRPr/>
+          </a:p>
         </p:txBody>
       </p:sp>
       <p:sp>
         <p:nvSpPr>
           <p:cNvPr id="27" name="Google Shape;27;p4"/>
-          <p:cNvSpPr txBox="1"/>
+          <p:cNvSpPr txBox="1">
+            <a:spLocks noGrp="1"/>
+          </p:cNvSpPr>
           <p:nvPr>
-            <p:ph idx="12" type="sldNum"/>
+            <p:ph type="sldNum" idx="12"/>
           </p:nvPr>
         </p:nvSpPr>
         <p:spPr>
@@ -3783,7 +3900,7 @@
           </a:prstGeom>
         </p:spPr>
         <p:txBody>
-          <a:bodyPr anchorCtr="0" anchor="ctr" bIns="91425" lIns="91425" spcFirstLastPara="1" rIns="91425" wrap="square" tIns="91425">
+          <a:bodyPr spcFirstLastPara="1" wrap="square" lIns="91425" tIns="91425" rIns="91425" bIns="91425" anchor="ctr" anchorCtr="0">
             <a:noAutofit/>
           </a:bodyPr>
           <a:lstStyle>
@@ -3825,7 +3942,7 @@
             </a:lvl9pPr>
           </a:lstStyle>
           <a:p>
-            <a:pPr indent="0" lvl="0" marL="0" rtl="0" algn="r">
+            <a:pPr marL="0" lvl="0" indent="0" algn="r" rtl="0">
               <a:spcBef>
                 <a:spcPts val="0"/>
               </a:spcBef>
@@ -3851,11 +3968,11 @@
 </file>
 
 <file path=ppt/slideLayouts/slideLayout4.xml><?xml version="1.0" encoding="utf-8"?>
-<p:sldLayout xmlns:a="http://schemas.openxmlformats.org/drawingml/2006/main" xmlns:r="http://schemas.openxmlformats.org/officeDocument/2006/relationships" xmlns:mc="http://schemas.openxmlformats.org/markup-compatibility/2006" xmlns:mv="urn:schemas-microsoft-com:mac:vml" xmlns:p="http://schemas.openxmlformats.org/presentationml/2006/main" xmlns:c="http://schemas.openxmlformats.org/drawingml/2006/chart" xmlns:dgm="http://schemas.openxmlformats.org/drawingml/2006/diagram" xmlns:o="urn:schemas-microsoft-com:office:office" xmlns:v="urn:schemas-microsoft-com:vml" xmlns:pvml="urn:schemas-microsoft-com:office:powerpoint" xmlns:com="http://schemas.openxmlformats.org/drawingml/2006/compatibility" xmlns:p14="http://schemas.microsoft.com/office/powerpoint/2010/main" xmlns:p15="http://schemas.microsoft.com/office/powerpoint/2012/main" matchingName="Title and two columns" type="twoColTx">
+<p:sldLayout xmlns:a="http://schemas.openxmlformats.org/drawingml/2006/main" xmlns:r="http://schemas.openxmlformats.org/officeDocument/2006/relationships" xmlns:p="http://schemas.openxmlformats.org/presentationml/2006/main" matchingName="Title and two columns" type="twoColTx">
   <p:cSld name="TITLE_AND_TWO_COLUMNS">
     <p:spTree>
       <p:nvGrpSpPr>
-        <p:cNvPr id="28" name="Shape 28"/>
+        <p:cNvPr id="1" name="Shape 28"/>
         <p:cNvGrpSpPr/>
         <p:nvPr/>
       </p:nvGrpSpPr>
@@ -3882,14 +3999,14 @@
             <a:avLst/>
           </a:prstGeom>
           <a:noFill/>
-          <a:ln cap="flat" cmpd="sng" w="38100">
+          <a:ln w="38100" cap="flat" cmpd="sng">
             <a:solidFill>
               <a:schemeClr val="dk2"/>
             </a:solidFill>
             <a:prstDash val="solid"/>
             <a:round/>
-            <a:headEnd len="sm" w="sm" type="none"/>
-            <a:tailEnd len="sm" w="sm" type="none"/>
+            <a:headEnd type="none" w="sm" len="sm"/>
+            <a:tailEnd type="none" w="sm" len="sm"/>
           </a:ln>
         </p:spPr>
       </p:cxnSp>
@@ -3908,14 +4025,14 @@
             <a:avLst/>
           </a:prstGeom>
           <a:noFill/>
-          <a:ln cap="flat" cmpd="sng" w="19050">
+          <a:ln w="19050" cap="flat" cmpd="sng">
             <a:solidFill>
               <a:schemeClr val="dk2"/>
             </a:solidFill>
             <a:prstDash val="solid"/>
             <a:round/>
-            <a:headEnd len="sm" w="sm" type="none"/>
-            <a:tailEnd len="sm" w="sm" type="none"/>
+            <a:headEnd type="none" w="sm" len="sm"/>
+            <a:tailEnd type="none" w="sm" len="sm"/>
           </a:ln>
         </p:spPr>
       </p:cxnSp>
@@ -3934,21 +4051,23 @@
             <a:avLst/>
           </a:prstGeom>
           <a:noFill/>
-          <a:ln cap="flat" cmpd="sng" w="19050">
+          <a:ln w="19050" cap="flat" cmpd="sng">
             <a:solidFill>
               <a:schemeClr val="dk2"/>
             </a:solidFill>
             <a:prstDash val="solid"/>
             <a:round/>
-            <a:headEnd len="sm" w="sm" type="none"/>
-            <a:tailEnd len="sm" w="sm" type="none"/>
+            <a:headEnd type="none" w="sm" len="sm"/>
+            <a:tailEnd type="none" w="sm" len="sm"/>
           </a:ln>
         </p:spPr>
       </p:cxnSp>
       <p:sp>
         <p:nvSpPr>
           <p:cNvPr id="32" name="Google Shape;32;p5"/>
-          <p:cNvSpPr txBox="1"/>
+          <p:cNvSpPr txBox="1">
+            <a:spLocks noGrp="1"/>
+          </p:cNvSpPr>
           <p:nvPr>
             <p:ph type="title"/>
           </p:nvPr>
@@ -3963,7 +4082,7 @@
           </a:prstGeom>
         </p:spPr>
         <p:txBody>
-          <a:bodyPr anchorCtr="0" anchor="t" bIns="91425" lIns="91425" spcFirstLastPara="1" rIns="91425" wrap="square" tIns="91425"/>
+          <a:bodyPr spcFirstLastPara="1" wrap="square" lIns="91425" tIns="91425" rIns="91425" bIns="91425" anchor="t" anchorCtr="0"/>
           <a:lstStyle>
             <a:lvl1pPr lvl="0" rtl="0">
               <a:spcBef>
@@ -4065,15 +4184,19 @@
               <a:defRPr/>
             </a:lvl9pPr>
           </a:lstStyle>
-          <a:p/>
+          <a:p>
+            <a:endParaRPr/>
+          </a:p>
         </p:txBody>
       </p:sp>
       <p:sp>
         <p:nvSpPr>
           <p:cNvPr id="33" name="Google Shape;33;p5"/>
-          <p:cNvSpPr txBox="1"/>
+          <p:cNvSpPr txBox="1">
+            <a:spLocks noGrp="1"/>
+          </p:cNvSpPr>
           <p:nvPr>
-            <p:ph idx="1" type="body"/>
+            <p:ph type="body" idx="1"/>
           </p:nvPr>
         </p:nvSpPr>
         <p:spPr>
@@ -4086,9 +4209,9 @@
           </a:prstGeom>
         </p:spPr>
         <p:txBody>
-          <a:bodyPr anchorCtr="0" anchor="t" bIns="91425" lIns="91425" spcFirstLastPara="1" rIns="91425" wrap="square" tIns="91425"/>
+          <a:bodyPr spcFirstLastPara="1" wrap="square" lIns="91425" tIns="91425" rIns="91425" bIns="91425" anchor="t" anchorCtr="0"/>
           <a:lstStyle>
-            <a:lvl1pPr indent="-317500" lvl="0" marL="457200" rtl="0">
+            <a:lvl1pPr marL="457200" lvl="0" indent="-317500" rtl="0">
               <a:spcBef>
                 <a:spcPts val="0"/>
               </a:spcBef>
@@ -4099,7 +4222,7 @@
               <a:buChar char="●"/>
               <a:defRPr sz="1400"/>
             </a:lvl1pPr>
-            <a:lvl2pPr indent="-304800" lvl="1" marL="914400" rtl="0">
+            <a:lvl2pPr marL="914400" lvl="1" indent="-304800" rtl="0">
               <a:spcBef>
                 <a:spcPts val="1600"/>
               </a:spcBef>
@@ -4110,7 +4233,7 @@
               <a:buChar char="○"/>
               <a:defRPr sz="1200"/>
             </a:lvl2pPr>
-            <a:lvl3pPr indent="-304800" lvl="2" marL="1371600" rtl="0">
+            <a:lvl3pPr marL="1371600" lvl="2" indent="-304800" rtl="0">
               <a:spcBef>
                 <a:spcPts val="1600"/>
               </a:spcBef>
@@ -4121,7 +4244,7 @@
               <a:buChar char="■"/>
               <a:defRPr sz="1200"/>
             </a:lvl3pPr>
-            <a:lvl4pPr indent="-304800" lvl="3" marL="1828800" rtl="0">
+            <a:lvl4pPr marL="1828800" lvl="3" indent="-304800" rtl="0">
               <a:spcBef>
                 <a:spcPts val="1600"/>
               </a:spcBef>
@@ -4132,7 +4255,7 @@
               <a:buChar char="●"/>
               <a:defRPr sz="1200"/>
             </a:lvl4pPr>
-            <a:lvl5pPr indent="-304800" lvl="4" marL="2286000" rtl="0">
+            <a:lvl5pPr marL="2286000" lvl="4" indent="-304800" rtl="0">
               <a:spcBef>
                 <a:spcPts val="1600"/>
               </a:spcBef>
@@ -4143,7 +4266,7 @@
               <a:buChar char="○"/>
               <a:defRPr sz="1200"/>
             </a:lvl5pPr>
-            <a:lvl6pPr indent="-304800" lvl="5" marL="2743200" rtl="0">
+            <a:lvl6pPr marL="2743200" lvl="5" indent="-304800" rtl="0">
               <a:spcBef>
                 <a:spcPts val="1600"/>
               </a:spcBef>
@@ -4154,7 +4277,7 @@
               <a:buChar char="■"/>
               <a:defRPr sz="1200"/>
             </a:lvl6pPr>
-            <a:lvl7pPr indent="-304800" lvl="6" marL="3200400" rtl="0">
+            <a:lvl7pPr marL="3200400" lvl="6" indent="-304800" rtl="0">
               <a:spcBef>
                 <a:spcPts val="1600"/>
               </a:spcBef>
@@ -4165,7 +4288,7 @@
               <a:buChar char="●"/>
               <a:defRPr sz="1200"/>
             </a:lvl7pPr>
-            <a:lvl8pPr indent="-304800" lvl="7" marL="3657600" rtl="0">
+            <a:lvl8pPr marL="3657600" lvl="7" indent="-304800" rtl="0">
               <a:spcBef>
                 <a:spcPts val="1600"/>
               </a:spcBef>
@@ -4176,7 +4299,7 @@
               <a:buChar char="○"/>
               <a:defRPr sz="1200"/>
             </a:lvl8pPr>
-            <a:lvl9pPr indent="-304800" lvl="8" marL="4114800" rtl="0">
+            <a:lvl9pPr marL="4114800" lvl="8" indent="-304800" rtl="0">
               <a:spcBef>
                 <a:spcPts val="1600"/>
               </a:spcBef>
@@ -4188,15 +4311,19 @@
               <a:defRPr sz="1200"/>
             </a:lvl9pPr>
           </a:lstStyle>
-          <a:p/>
+          <a:p>
+            <a:endParaRPr/>
+          </a:p>
         </p:txBody>
       </p:sp>
       <p:sp>
         <p:nvSpPr>
           <p:cNvPr id="34" name="Google Shape;34;p5"/>
-          <p:cNvSpPr txBox="1"/>
+          <p:cNvSpPr txBox="1">
+            <a:spLocks noGrp="1"/>
+          </p:cNvSpPr>
           <p:nvPr>
-            <p:ph idx="2" type="body"/>
+            <p:ph type="body" idx="2"/>
           </p:nvPr>
         </p:nvSpPr>
         <p:spPr>
@@ -4209,9 +4336,9 @@
           </a:prstGeom>
         </p:spPr>
         <p:txBody>
-          <a:bodyPr anchorCtr="0" anchor="t" bIns="91425" lIns="91425" spcFirstLastPara="1" rIns="91425" wrap="square" tIns="91425"/>
+          <a:bodyPr spcFirstLastPara="1" wrap="square" lIns="91425" tIns="91425" rIns="91425" bIns="91425" anchor="t" anchorCtr="0"/>
           <a:lstStyle>
-            <a:lvl1pPr indent="-317500" lvl="0" marL="457200" rtl="0">
+            <a:lvl1pPr marL="457200" lvl="0" indent="-317500" rtl="0">
               <a:spcBef>
                 <a:spcPts val="0"/>
               </a:spcBef>
@@ -4222,7 +4349,7 @@
               <a:buChar char="●"/>
               <a:defRPr sz="1400"/>
             </a:lvl1pPr>
-            <a:lvl2pPr indent="-304800" lvl="1" marL="914400" rtl="0">
+            <a:lvl2pPr marL="914400" lvl="1" indent="-304800" rtl="0">
               <a:spcBef>
                 <a:spcPts val="1600"/>
               </a:spcBef>
@@ -4233,7 +4360,7 @@
               <a:buChar char="○"/>
               <a:defRPr sz="1200"/>
             </a:lvl2pPr>
-            <a:lvl3pPr indent="-304800" lvl="2" marL="1371600" rtl="0">
+            <a:lvl3pPr marL="1371600" lvl="2" indent="-304800" rtl="0">
               <a:spcBef>
                 <a:spcPts val="1600"/>
               </a:spcBef>
@@ -4244,7 +4371,7 @@
               <a:buChar char="■"/>
               <a:defRPr sz="1200"/>
             </a:lvl3pPr>
-            <a:lvl4pPr indent="-304800" lvl="3" marL="1828800" rtl="0">
+            <a:lvl4pPr marL="1828800" lvl="3" indent="-304800" rtl="0">
               <a:spcBef>
                 <a:spcPts val="1600"/>
               </a:spcBef>
@@ -4255,7 +4382,7 @@
               <a:buChar char="●"/>
               <a:defRPr sz="1200"/>
             </a:lvl4pPr>
-            <a:lvl5pPr indent="-304800" lvl="4" marL="2286000" rtl="0">
+            <a:lvl5pPr marL="2286000" lvl="4" indent="-304800" rtl="0">
               <a:spcBef>
                 <a:spcPts val="1600"/>
               </a:spcBef>
@@ -4266,7 +4393,7 @@
               <a:buChar char="○"/>
               <a:defRPr sz="1200"/>
             </a:lvl5pPr>
-            <a:lvl6pPr indent="-304800" lvl="5" marL="2743200" rtl="0">
+            <a:lvl6pPr marL="2743200" lvl="5" indent="-304800" rtl="0">
               <a:spcBef>
                 <a:spcPts val="1600"/>
               </a:spcBef>
@@ -4277,7 +4404,7 @@
               <a:buChar char="■"/>
               <a:defRPr sz="1200"/>
             </a:lvl6pPr>
-            <a:lvl7pPr indent="-304800" lvl="6" marL="3200400" rtl="0">
+            <a:lvl7pPr marL="3200400" lvl="6" indent="-304800" rtl="0">
               <a:spcBef>
                 <a:spcPts val="1600"/>
               </a:spcBef>
@@ -4288,7 +4415,7 @@
               <a:buChar char="●"/>
               <a:defRPr sz="1200"/>
             </a:lvl7pPr>
-            <a:lvl8pPr indent="-304800" lvl="7" marL="3657600" rtl="0">
+            <a:lvl8pPr marL="3657600" lvl="7" indent="-304800" rtl="0">
               <a:spcBef>
                 <a:spcPts val="1600"/>
               </a:spcBef>
@@ -4299,7 +4426,7 @@
               <a:buChar char="○"/>
               <a:defRPr sz="1200"/>
             </a:lvl8pPr>
-            <a:lvl9pPr indent="-304800" lvl="8" marL="4114800" rtl="0">
+            <a:lvl9pPr marL="4114800" lvl="8" indent="-304800" rtl="0">
               <a:spcBef>
                 <a:spcPts val="1600"/>
               </a:spcBef>
@@ -4311,15 +4438,19 @@
               <a:defRPr sz="1200"/>
             </a:lvl9pPr>
           </a:lstStyle>
-          <a:p/>
+          <a:p>
+            <a:endParaRPr/>
+          </a:p>
         </p:txBody>
       </p:sp>
       <p:sp>
         <p:nvSpPr>
           <p:cNvPr id="35" name="Google Shape;35;p5"/>
-          <p:cNvSpPr txBox="1"/>
+          <p:cNvSpPr txBox="1">
+            <a:spLocks noGrp="1"/>
+          </p:cNvSpPr>
           <p:nvPr>
-            <p:ph idx="12" type="sldNum"/>
+            <p:ph type="sldNum" idx="12"/>
           </p:nvPr>
         </p:nvSpPr>
         <p:spPr>
@@ -4332,7 +4463,7 @@
           </a:prstGeom>
         </p:spPr>
         <p:txBody>
-          <a:bodyPr anchorCtr="0" anchor="ctr" bIns="91425" lIns="91425" spcFirstLastPara="1" rIns="91425" wrap="square" tIns="91425">
+          <a:bodyPr spcFirstLastPara="1" wrap="square" lIns="91425" tIns="91425" rIns="91425" bIns="91425" anchor="ctr" anchorCtr="0">
             <a:noAutofit/>
           </a:bodyPr>
           <a:lstStyle>
@@ -4374,7 +4505,7 @@
             </a:lvl9pPr>
           </a:lstStyle>
           <a:p>
-            <a:pPr indent="0" lvl="0" marL="0" rtl="0" algn="r">
+            <a:pPr marL="0" lvl="0" indent="0" algn="r" rtl="0">
               <a:spcBef>
                 <a:spcPts val="0"/>
               </a:spcBef>
@@ -4400,11 +4531,11 @@
 </file>
 
 <file path=ppt/slideLayouts/slideLayout5.xml><?xml version="1.0" encoding="utf-8"?>
-<p:sldLayout xmlns:a="http://schemas.openxmlformats.org/drawingml/2006/main" xmlns:r="http://schemas.openxmlformats.org/officeDocument/2006/relationships" xmlns:mc="http://schemas.openxmlformats.org/markup-compatibility/2006" xmlns:mv="urn:schemas-microsoft-com:mac:vml" xmlns:p="http://schemas.openxmlformats.org/presentationml/2006/main" xmlns:c="http://schemas.openxmlformats.org/drawingml/2006/chart" xmlns:dgm="http://schemas.openxmlformats.org/drawingml/2006/diagram" xmlns:o="urn:schemas-microsoft-com:office:office" xmlns:v="urn:schemas-microsoft-com:vml" xmlns:pvml="urn:schemas-microsoft-com:office:powerpoint" xmlns:com="http://schemas.openxmlformats.org/drawingml/2006/compatibility" xmlns:p14="http://schemas.microsoft.com/office/powerpoint/2010/main" xmlns:p15="http://schemas.microsoft.com/office/powerpoint/2012/main" matchingName="Title only" type="titleOnly">
+<p:sldLayout xmlns:a="http://schemas.openxmlformats.org/drawingml/2006/main" xmlns:r="http://schemas.openxmlformats.org/officeDocument/2006/relationships" xmlns:p="http://schemas.openxmlformats.org/presentationml/2006/main" matchingName="Title only" type="titleOnly">
   <p:cSld name="TITLE_ONLY">
     <p:spTree>
       <p:nvGrpSpPr>
-        <p:cNvPr id="36" name="Shape 36"/>
+        <p:cNvPr id="1" name="Shape 36"/>
         <p:cNvGrpSpPr/>
         <p:nvPr/>
       </p:nvGrpSpPr>
@@ -4419,7 +4550,9 @@
       <p:sp>
         <p:nvSpPr>
           <p:cNvPr id="37" name="Google Shape;37;p6"/>
-          <p:cNvSpPr txBox="1"/>
+          <p:cNvSpPr txBox="1">
+            <a:spLocks noGrp="1"/>
+          </p:cNvSpPr>
           <p:nvPr>
             <p:ph type="title"/>
           </p:nvPr>
@@ -4434,7 +4567,7 @@
           </a:prstGeom>
         </p:spPr>
         <p:txBody>
-          <a:bodyPr anchorCtr="0" anchor="t" bIns="91425" lIns="91425" spcFirstLastPara="1" rIns="91425" wrap="square" tIns="91425"/>
+          <a:bodyPr spcFirstLastPara="1" wrap="square" lIns="91425" tIns="91425" rIns="91425" bIns="91425" anchor="t" anchorCtr="0"/>
           <a:lstStyle>
             <a:lvl1pPr lvl="0" rtl="0">
               <a:spcBef>
@@ -4536,15 +4669,19 @@
               <a:defRPr/>
             </a:lvl9pPr>
           </a:lstStyle>
-          <a:p/>
+          <a:p>
+            <a:endParaRPr/>
+          </a:p>
         </p:txBody>
       </p:sp>
       <p:sp>
         <p:nvSpPr>
           <p:cNvPr id="38" name="Google Shape;38;p6"/>
-          <p:cNvSpPr txBox="1"/>
+          <p:cNvSpPr txBox="1">
+            <a:spLocks noGrp="1"/>
+          </p:cNvSpPr>
           <p:nvPr>
-            <p:ph idx="12" type="sldNum"/>
+            <p:ph type="sldNum" idx="12"/>
           </p:nvPr>
         </p:nvSpPr>
         <p:spPr>
@@ -4557,7 +4694,7 @@
           </a:prstGeom>
         </p:spPr>
         <p:txBody>
-          <a:bodyPr anchorCtr="0" anchor="ctr" bIns="91425" lIns="91425" spcFirstLastPara="1" rIns="91425" wrap="square" tIns="91425">
+          <a:bodyPr spcFirstLastPara="1" wrap="square" lIns="91425" tIns="91425" rIns="91425" bIns="91425" anchor="ctr" anchorCtr="0">
             <a:noAutofit/>
           </a:bodyPr>
           <a:lstStyle>
@@ -4599,7 +4736,7 @@
             </a:lvl9pPr>
           </a:lstStyle>
           <a:p>
-            <a:pPr indent="0" lvl="0" marL="0" rtl="0" algn="r">
+            <a:pPr marL="0" lvl="0" indent="0" algn="r" rtl="0">
               <a:spcBef>
                 <a:spcPts val="0"/>
               </a:spcBef>
@@ -4625,11 +4762,11 @@
 </file>
 
 <file path=ppt/slideLayouts/slideLayout6.xml><?xml version="1.0" encoding="utf-8"?>
-<p:sldLayout xmlns:a="http://schemas.openxmlformats.org/drawingml/2006/main" xmlns:r="http://schemas.openxmlformats.org/officeDocument/2006/relationships" xmlns:mc="http://schemas.openxmlformats.org/markup-compatibility/2006" xmlns:mv="urn:schemas-microsoft-com:mac:vml" xmlns:p="http://schemas.openxmlformats.org/presentationml/2006/main" xmlns:c="http://schemas.openxmlformats.org/drawingml/2006/chart" xmlns:dgm="http://schemas.openxmlformats.org/drawingml/2006/diagram" xmlns:o="urn:schemas-microsoft-com:office:office" xmlns:v="urn:schemas-microsoft-com:vml" xmlns:pvml="urn:schemas-microsoft-com:office:powerpoint" xmlns:com="http://schemas.openxmlformats.org/drawingml/2006/compatibility" xmlns:p14="http://schemas.microsoft.com/office/powerpoint/2010/main" xmlns:p15="http://schemas.microsoft.com/office/powerpoint/2012/main" matchingName="One column text">
+<p:sldLayout xmlns:a="http://schemas.openxmlformats.org/drawingml/2006/main" xmlns:r="http://schemas.openxmlformats.org/officeDocument/2006/relationships" xmlns:p="http://schemas.openxmlformats.org/presentationml/2006/main" matchingName="One column text">
   <p:cSld name="ONE_COLUMN_TEXT">
     <p:spTree>
       <p:nvGrpSpPr>
-        <p:cNvPr id="39" name="Shape 39"/>
+        <p:cNvPr id="1" name="Shape 39"/>
         <p:cNvGrpSpPr/>
         <p:nvPr/>
       </p:nvGrpSpPr>
@@ -4656,21 +4793,23 @@
             <a:avLst/>
           </a:prstGeom>
           <a:noFill/>
-          <a:ln cap="flat" cmpd="sng" w="19050">
+          <a:ln w="19050" cap="flat" cmpd="sng">
             <a:solidFill>
               <a:schemeClr val="dk2"/>
             </a:solidFill>
             <a:prstDash val="solid"/>
             <a:round/>
-            <a:headEnd len="sm" w="sm" type="none"/>
-            <a:tailEnd len="sm" w="sm" type="none"/>
+            <a:headEnd type="none" w="sm" len="sm"/>
+            <a:tailEnd type="none" w="sm" len="sm"/>
           </a:ln>
         </p:spPr>
       </p:cxnSp>
       <p:sp>
         <p:nvSpPr>
           <p:cNvPr id="41" name="Google Shape;41;p7"/>
-          <p:cNvSpPr txBox="1"/>
+          <p:cNvSpPr txBox="1">
+            <a:spLocks noGrp="1"/>
+          </p:cNvSpPr>
           <p:nvPr>
             <p:ph type="title"/>
           </p:nvPr>
@@ -4685,7 +4824,7 @@
           </a:prstGeom>
         </p:spPr>
         <p:txBody>
-          <a:bodyPr anchorCtr="0" anchor="b" bIns="91425" lIns="91425" spcFirstLastPara="1" rIns="91425" wrap="square" tIns="91425"/>
+          <a:bodyPr spcFirstLastPara="1" wrap="square" lIns="91425" tIns="91425" rIns="91425" bIns="91425" anchor="b" anchorCtr="0"/>
           <a:lstStyle>
             <a:lvl1pPr lvl="0" rtl="0">
               <a:spcBef>
@@ -4787,15 +4926,19 @@
               <a:defRPr sz="2400"/>
             </a:lvl9pPr>
           </a:lstStyle>
-          <a:p/>
+          <a:p>
+            <a:endParaRPr/>
+          </a:p>
         </p:txBody>
       </p:sp>
       <p:sp>
         <p:nvSpPr>
           <p:cNvPr id="42" name="Google Shape;42;p7"/>
-          <p:cNvSpPr txBox="1"/>
+          <p:cNvSpPr txBox="1">
+            <a:spLocks noGrp="1"/>
+          </p:cNvSpPr>
           <p:nvPr>
-            <p:ph idx="1" type="body"/>
+            <p:ph type="body" idx="1"/>
           </p:nvPr>
         </p:nvSpPr>
         <p:spPr>
@@ -4808,9 +4951,9 @@
           </a:prstGeom>
         </p:spPr>
         <p:txBody>
-          <a:bodyPr anchorCtr="0" anchor="t" bIns="91425" lIns="91425" spcFirstLastPara="1" rIns="91425" wrap="square" tIns="91425"/>
+          <a:bodyPr spcFirstLastPara="1" wrap="square" lIns="91425" tIns="91425" rIns="91425" bIns="91425" anchor="t" anchorCtr="0"/>
           <a:lstStyle>
-            <a:lvl1pPr indent="-304800" lvl="0" marL="457200" rtl="0">
+            <a:lvl1pPr marL="457200" lvl="0" indent="-304800" rtl="0">
               <a:spcBef>
                 <a:spcPts val="0"/>
               </a:spcBef>
@@ -4821,7 +4964,7 @@
               <a:buChar char="●"/>
               <a:defRPr sz="1200"/>
             </a:lvl1pPr>
-            <a:lvl2pPr indent="-304800" lvl="1" marL="914400" rtl="0">
+            <a:lvl2pPr marL="914400" lvl="1" indent="-304800" rtl="0">
               <a:spcBef>
                 <a:spcPts val="1600"/>
               </a:spcBef>
@@ -4832,7 +4975,7 @@
               <a:buChar char="○"/>
               <a:defRPr sz="1200"/>
             </a:lvl2pPr>
-            <a:lvl3pPr indent="-304800" lvl="2" marL="1371600" rtl="0">
+            <a:lvl3pPr marL="1371600" lvl="2" indent="-304800" rtl="0">
               <a:spcBef>
                 <a:spcPts val="1600"/>
               </a:spcBef>
@@ -4843,7 +4986,7 @@
               <a:buChar char="■"/>
               <a:defRPr sz="1200"/>
             </a:lvl3pPr>
-            <a:lvl4pPr indent="-304800" lvl="3" marL="1828800" rtl="0">
+            <a:lvl4pPr marL="1828800" lvl="3" indent="-304800" rtl="0">
               <a:spcBef>
                 <a:spcPts val="1600"/>
               </a:spcBef>
@@ -4854,7 +4997,7 @@
               <a:buChar char="●"/>
               <a:defRPr sz="1200"/>
             </a:lvl4pPr>
-            <a:lvl5pPr indent="-304800" lvl="4" marL="2286000" rtl="0">
+            <a:lvl5pPr marL="2286000" lvl="4" indent="-304800" rtl="0">
               <a:spcBef>
                 <a:spcPts val="1600"/>
               </a:spcBef>
@@ -4865,7 +5008,7 @@
               <a:buChar char="○"/>
               <a:defRPr sz="1200"/>
             </a:lvl5pPr>
-            <a:lvl6pPr indent="-304800" lvl="5" marL="2743200" rtl="0">
+            <a:lvl6pPr marL="2743200" lvl="5" indent="-304800" rtl="0">
               <a:spcBef>
                 <a:spcPts val="1600"/>
               </a:spcBef>
@@ -4876,7 +5019,7 @@
               <a:buChar char="■"/>
               <a:defRPr sz="1200"/>
             </a:lvl6pPr>
-            <a:lvl7pPr indent="-304800" lvl="6" marL="3200400" rtl="0">
+            <a:lvl7pPr marL="3200400" lvl="6" indent="-304800" rtl="0">
               <a:spcBef>
                 <a:spcPts val="1600"/>
               </a:spcBef>
@@ -4887,7 +5030,7 @@
               <a:buChar char="●"/>
               <a:defRPr sz="1200"/>
             </a:lvl7pPr>
-            <a:lvl8pPr indent="-304800" lvl="7" marL="3657600" rtl="0">
+            <a:lvl8pPr marL="3657600" lvl="7" indent="-304800" rtl="0">
               <a:spcBef>
                 <a:spcPts val="1600"/>
               </a:spcBef>
@@ -4898,7 +5041,7 @@
               <a:buChar char="○"/>
               <a:defRPr sz="1200"/>
             </a:lvl8pPr>
-            <a:lvl9pPr indent="-304800" lvl="8" marL="4114800" rtl="0">
+            <a:lvl9pPr marL="4114800" lvl="8" indent="-304800" rtl="0">
               <a:spcBef>
                 <a:spcPts val="1600"/>
               </a:spcBef>
@@ -4910,15 +5053,19 @@
               <a:defRPr sz="1200"/>
             </a:lvl9pPr>
           </a:lstStyle>
-          <a:p/>
+          <a:p>
+            <a:endParaRPr/>
+          </a:p>
         </p:txBody>
       </p:sp>
       <p:sp>
         <p:nvSpPr>
           <p:cNvPr id="43" name="Google Shape;43;p7"/>
-          <p:cNvSpPr txBox="1"/>
+          <p:cNvSpPr txBox="1">
+            <a:spLocks noGrp="1"/>
+          </p:cNvSpPr>
           <p:nvPr>
-            <p:ph idx="12" type="sldNum"/>
+            <p:ph type="sldNum" idx="12"/>
           </p:nvPr>
         </p:nvSpPr>
         <p:spPr>
@@ -4931,7 +5078,7 @@
           </a:prstGeom>
         </p:spPr>
         <p:txBody>
-          <a:bodyPr anchorCtr="0" anchor="ctr" bIns="91425" lIns="91425" spcFirstLastPara="1" rIns="91425" wrap="square" tIns="91425">
+          <a:bodyPr spcFirstLastPara="1" wrap="square" lIns="91425" tIns="91425" rIns="91425" bIns="91425" anchor="ctr" anchorCtr="0">
             <a:noAutofit/>
           </a:bodyPr>
           <a:lstStyle>
@@ -4973,7 +5120,7 @@
             </a:lvl9pPr>
           </a:lstStyle>
           <a:p>
-            <a:pPr indent="0" lvl="0" marL="0" rtl="0" algn="r">
+            <a:pPr marL="0" lvl="0" indent="0" algn="r" rtl="0">
               <a:spcBef>
                 <a:spcPts val="0"/>
               </a:spcBef>
@@ -4999,18 +5146,19 @@
 </file>
 
 <file path=ppt/slideLayouts/slideLayout7.xml><?xml version="1.0" encoding="utf-8"?>
-<p:sldLayout xmlns:a="http://schemas.openxmlformats.org/drawingml/2006/main" xmlns:r="http://schemas.openxmlformats.org/officeDocument/2006/relationships" xmlns:mc="http://schemas.openxmlformats.org/markup-compatibility/2006" xmlns:mv="urn:schemas-microsoft-com:mac:vml" xmlns:p="http://schemas.openxmlformats.org/presentationml/2006/main" xmlns:c="http://schemas.openxmlformats.org/drawingml/2006/chart" xmlns:dgm="http://schemas.openxmlformats.org/drawingml/2006/diagram" xmlns:o="urn:schemas-microsoft-com:office:office" xmlns:v="urn:schemas-microsoft-com:vml" xmlns:pvml="urn:schemas-microsoft-com:office:powerpoint" xmlns:com="http://schemas.openxmlformats.org/drawingml/2006/compatibility" xmlns:p14="http://schemas.microsoft.com/office/powerpoint/2010/main" xmlns:p15="http://schemas.microsoft.com/office/powerpoint/2012/main" matchingName="Main point">
+<p:sldLayout xmlns:a="http://schemas.openxmlformats.org/drawingml/2006/main" xmlns:r="http://schemas.openxmlformats.org/officeDocument/2006/relationships" xmlns:p="http://schemas.openxmlformats.org/presentationml/2006/main" matchingName="Main point">
   <p:cSld name="MAIN_POINT">
     <p:bg>
       <p:bgPr>
         <a:solidFill>
           <a:schemeClr val="lt2"/>
         </a:solidFill>
+        <a:effectLst/>
       </p:bgPr>
     </p:bg>
     <p:spTree>
       <p:nvGrpSpPr>
-        <p:cNvPr id="44" name="Shape 44"/>
+        <p:cNvPr id="1" name="Shape 44"/>
         <p:cNvGrpSpPr/>
         <p:nvPr/>
       </p:nvGrpSpPr>
@@ -5037,21 +5185,23 @@
             <a:avLst/>
           </a:prstGeom>
           <a:noFill/>
-          <a:ln cap="flat" cmpd="sng" w="19050">
+          <a:ln w="19050" cap="flat" cmpd="sng">
             <a:solidFill>
               <a:schemeClr val="lt1"/>
             </a:solidFill>
             <a:prstDash val="solid"/>
             <a:round/>
-            <a:headEnd len="sm" w="sm" type="none"/>
-            <a:tailEnd len="sm" w="sm" type="none"/>
+            <a:headEnd type="none" w="sm" len="sm"/>
+            <a:tailEnd type="none" w="sm" len="sm"/>
           </a:ln>
         </p:spPr>
       </p:cxnSp>
       <p:sp>
         <p:nvSpPr>
           <p:cNvPr id="46" name="Google Shape;46;p8"/>
-          <p:cNvSpPr txBox="1"/>
+          <p:cNvSpPr txBox="1">
+            <a:spLocks noGrp="1"/>
+          </p:cNvSpPr>
           <p:nvPr>
             <p:ph type="title"/>
           </p:nvPr>
@@ -5066,7 +5216,7 @@
           </a:prstGeom>
         </p:spPr>
         <p:txBody>
-          <a:bodyPr anchorCtr="0" anchor="ctr" bIns="91425" lIns="91425" spcFirstLastPara="1" rIns="91425" wrap="square" tIns="91425"/>
+          <a:bodyPr spcFirstLastPara="1" wrap="square" lIns="91425" tIns="91425" rIns="91425" bIns="91425" anchor="ctr" anchorCtr="0"/>
           <a:lstStyle>
             <a:lvl1pPr lvl="0" rtl="0">
               <a:spcBef>
@@ -5231,15 +5381,19 @@
               </a:defRPr>
             </a:lvl9pPr>
           </a:lstStyle>
-          <a:p/>
+          <a:p>
+            <a:endParaRPr/>
+          </a:p>
         </p:txBody>
       </p:sp>
       <p:sp>
         <p:nvSpPr>
           <p:cNvPr id="47" name="Google Shape;47;p8"/>
-          <p:cNvSpPr txBox="1"/>
+          <p:cNvSpPr txBox="1">
+            <a:spLocks noGrp="1"/>
+          </p:cNvSpPr>
           <p:nvPr>
-            <p:ph idx="12" type="sldNum"/>
+            <p:ph type="sldNum" idx="12"/>
           </p:nvPr>
         </p:nvSpPr>
         <p:spPr>
@@ -5252,7 +5406,7 @@
           </a:prstGeom>
         </p:spPr>
         <p:txBody>
-          <a:bodyPr anchorCtr="0" anchor="ctr" bIns="91425" lIns="91425" spcFirstLastPara="1" rIns="91425" wrap="square" tIns="91425">
+          <a:bodyPr spcFirstLastPara="1" wrap="square" lIns="91425" tIns="91425" rIns="91425" bIns="91425" anchor="ctr" anchorCtr="0">
             <a:noAutofit/>
           </a:bodyPr>
           <a:lstStyle>
@@ -5330,7 +5484,7 @@
             </a:lvl9pPr>
           </a:lstStyle>
           <a:p>
-            <a:pPr indent="0" lvl="0" marL="0" rtl="0" algn="r">
+            <a:pPr marL="0" lvl="0" indent="0" algn="r" rtl="0">
               <a:spcBef>
                 <a:spcPts val="0"/>
               </a:spcBef>
@@ -5356,11 +5510,11 @@
 </file>
 
 <file path=ppt/slideLayouts/slideLayout8.xml><?xml version="1.0" encoding="utf-8"?>
-<p:sldLayout xmlns:a="http://schemas.openxmlformats.org/drawingml/2006/main" xmlns:r="http://schemas.openxmlformats.org/officeDocument/2006/relationships" xmlns:mc="http://schemas.openxmlformats.org/markup-compatibility/2006" xmlns:mv="urn:schemas-microsoft-com:mac:vml" xmlns:p="http://schemas.openxmlformats.org/presentationml/2006/main" xmlns:c="http://schemas.openxmlformats.org/drawingml/2006/chart" xmlns:dgm="http://schemas.openxmlformats.org/drawingml/2006/diagram" xmlns:o="urn:schemas-microsoft-com:office:office" xmlns:v="urn:schemas-microsoft-com:vml" xmlns:pvml="urn:schemas-microsoft-com:office:powerpoint" xmlns:com="http://schemas.openxmlformats.org/drawingml/2006/compatibility" xmlns:p14="http://schemas.microsoft.com/office/powerpoint/2010/main" xmlns:p15="http://schemas.microsoft.com/office/powerpoint/2012/main" matchingName="Section title and description">
+<p:sldLayout xmlns:a="http://schemas.openxmlformats.org/drawingml/2006/main" xmlns:r="http://schemas.openxmlformats.org/officeDocument/2006/relationships" xmlns:p="http://schemas.openxmlformats.org/presentationml/2006/main" matchingName="Section title and description">
   <p:cSld name="SECTION_TITLE_AND_DESCRIPTION">
     <p:spTree>
       <p:nvGrpSpPr>
-        <p:cNvPr id="48" name="Shape 48"/>
+        <p:cNvPr id="1" name="Shape 48"/>
         <p:cNvGrpSpPr/>
         <p:nvPr/>
       </p:nvGrpSpPr>
@@ -5394,12 +5548,12 @@
           </a:ln>
         </p:spPr>
         <p:txBody>
-          <a:bodyPr anchorCtr="0" anchor="ctr" bIns="91425" lIns="91425" spcFirstLastPara="1" rIns="91425" wrap="square" tIns="91425">
+          <a:bodyPr spcFirstLastPara="1" wrap="square" lIns="91425" tIns="91425" rIns="91425" bIns="91425" anchor="ctr" anchorCtr="0">
             <a:noAutofit/>
           </a:bodyPr>
           <a:lstStyle/>
           <a:p>
-            <a:pPr indent="0" lvl="0" marL="0" rtl="0" algn="l">
+            <a:pPr marL="0" lvl="0" indent="0" algn="l" rtl="0">
               <a:spcBef>
                 <a:spcPts val="0"/>
               </a:spcBef>
@@ -5408,9 +5562,6 @@
               </a:spcAft>
               <a:buNone/>
             </a:pPr>
-            <a:r>
-              <a:t/>
-            </a:r>
             <a:endParaRPr/>
           </a:p>
         </p:txBody>
@@ -5430,21 +5581,23 @@
             <a:avLst/>
           </a:prstGeom>
           <a:noFill/>
-          <a:ln cap="flat" cmpd="sng" w="19050">
+          <a:ln w="19050" cap="flat" cmpd="sng">
             <a:solidFill>
               <a:schemeClr val="lt1"/>
             </a:solidFill>
             <a:prstDash val="solid"/>
             <a:round/>
-            <a:headEnd len="sm" w="sm" type="none"/>
-            <a:tailEnd len="sm" w="sm" type="none"/>
+            <a:headEnd type="none" w="sm" len="sm"/>
+            <a:tailEnd type="none" w="sm" len="sm"/>
           </a:ln>
         </p:spPr>
       </p:cxnSp>
       <p:sp>
         <p:nvSpPr>
           <p:cNvPr id="51" name="Google Shape;51;p9"/>
-          <p:cNvSpPr txBox="1"/>
+          <p:cNvSpPr txBox="1">
+            <a:spLocks noGrp="1"/>
+          </p:cNvSpPr>
           <p:nvPr>
             <p:ph type="title"/>
           </p:nvPr>
@@ -5459,9 +5612,9 @@
           </a:prstGeom>
         </p:spPr>
         <p:txBody>
-          <a:bodyPr anchorCtr="0" anchor="b" bIns="91425" lIns="91425" spcFirstLastPara="1" rIns="91425" wrap="square" tIns="91425"/>
+          <a:bodyPr spcFirstLastPara="1" wrap="square" lIns="91425" tIns="91425" rIns="91425" bIns="91425" anchor="b" anchorCtr="0"/>
           <a:lstStyle>
-            <a:lvl1pPr lvl="0" rtl="0" algn="ctr">
+            <a:lvl1pPr lvl="0" algn="ctr" rtl="0">
               <a:spcBef>
                 <a:spcPts val="0"/>
               </a:spcBef>
@@ -5479,7 +5632,7 @@
                 </a:solidFill>
               </a:defRPr>
             </a:lvl1pPr>
-            <a:lvl2pPr lvl="1" rtl="0" algn="ctr">
+            <a:lvl2pPr lvl="1" algn="ctr" rtl="0">
               <a:spcBef>
                 <a:spcPts val="0"/>
               </a:spcBef>
@@ -5497,7 +5650,7 @@
                 </a:solidFill>
               </a:defRPr>
             </a:lvl2pPr>
-            <a:lvl3pPr lvl="2" rtl="0" algn="ctr">
+            <a:lvl3pPr lvl="2" algn="ctr" rtl="0">
               <a:spcBef>
                 <a:spcPts val="0"/>
               </a:spcBef>
@@ -5515,7 +5668,7 @@
                 </a:solidFill>
               </a:defRPr>
             </a:lvl3pPr>
-            <a:lvl4pPr lvl="3" rtl="0" algn="ctr">
+            <a:lvl4pPr lvl="3" algn="ctr" rtl="0">
               <a:spcBef>
                 <a:spcPts val="0"/>
               </a:spcBef>
@@ -5533,7 +5686,7 @@
                 </a:solidFill>
               </a:defRPr>
             </a:lvl4pPr>
-            <a:lvl5pPr lvl="4" rtl="0" algn="ctr">
+            <a:lvl5pPr lvl="4" algn="ctr" rtl="0">
               <a:spcBef>
                 <a:spcPts val="0"/>
               </a:spcBef>
@@ -5551,7 +5704,7 @@
                 </a:solidFill>
               </a:defRPr>
             </a:lvl5pPr>
-            <a:lvl6pPr lvl="5" rtl="0" algn="ctr">
+            <a:lvl6pPr lvl="5" algn="ctr" rtl="0">
               <a:spcBef>
                 <a:spcPts val="0"/>
               </a:spcBef>
@@ -5569,7 +5722,7 @@
                 </a:solidFill>
               </a:defRPr>
             </a:lvl6pPr>
-            <a:lvl7pPr lvl="6" rtl="0" algn="ctr">
+            <a:lvl7pPr lvl="6" algn="ctr" rtl="0">
               <a:spcBef>
                 <a:spcPts val="0"/>
               </a:spcBef>
@@ -5587,7 +5740,7 @@
                 </a:solidFill>
               </a:defRPr>
             </a:lvl7pPr>
-            <a:lvl8pPr lvl="7" rtl="0" algn="ctr">
+            <a:lvl8pPr lvl="7" algn="ctr" rtl="0">
               <a:spcBef>
                 <a:spcPts val="0"/>
               </a:spcBef>
@@ -5605,7 +5758,7 @@
                 </a:solidFill>
               </a:defRPr>
             </a:lvl8pPr>
-            <a:lvl9pPr lvl="8" rtl="0" algn="ctr">
+            <a:lvl9pPr lvl="8" algn="ctr" rtl="0">
               <a:spcBef>
                 <a:spcPts val="0"/>
               </a:spcBef>
@@ -5624,15 +5777,19 @@
               </a:defRPr>
             </a:lvl9pPr>
           </a:lstStyle>
-          <a:p/>
+          <a:p>
+            <a:endParaRPr/>
+          </a:p>
         </p:txBody>
       </p:sp>
       <p:sp>
         <p:nvSpPr>
           <p:cNvPr id="52" name="Google Shape;52;p9"/>
-          <p:cNvSpPr txBox="1"/>
+          <p:cNvSpPr txBox="1">
+            <a:spLocks noGrp="1"/>
+          </p:cNvSpPr>
           <p:nvPr>
-            <p:ph idx="1" type="subTitle"/>
+            <p:ph type="subTitle" idx="1"/>
           </p:nvPr>
         </p:nvSpPr>
         <p:spPr>
@@ -5645,9 +5802,9 @@
           </a:prstGeom>
         </p:spPr>
         <p:txBody>
-          <a:bodyPr anchorCtr="0" anchor="t" bIns="91425" lIns="91425" spcFirstLastPara="1" rIns="91425" wrap="square" tIns="91425"/>
+          <a:bodyPr spcFirstLastPara="1" wrap="square" lIns="91425" tIns="91425" rIns="91425" bIns="91425" anchor="t" anchorCtr="0"/>
           <a:lstStyle>
-            <a:lvl1pPr lvl="0" rtl="0" algn="ctr">
+            <a:lvl1pPr lvl="0" algn="ctr" rtl="0">
               <a:lnSpc>
                 <a:spcPct val="100000"/>
               </a:lnSpc>
@@ -5661,7 +5818,7 @@
               <a:buNone/>
               <a:defRPr sz="2100"/>
             </a:lvl1pPr>
-            <a:lvl2pPr lvl="1" rtl="0" algn="ctr">
+            <a:lvl2pPr lvl="1" algn="ctr" rtl="0">
               <a:lnSpc>
                 <a:spcPct val="100000"/>
               </a:lnSpc>
@@ -5675,7 +5832,7 @@
               <a:buNone/>
               <a:defRPr sz="2100"/>
             </a:lvl2pPr>
-            <a:lvl3pPr lvl="2" rtl="0" algn="ctr">
+            <a:lvl3pPr lvl="2" algn="ctr" rtl="0">
               <a:lnSpc>
                 <a:spcPct val="100000"/>
               </a:lnSpc>
@@ -5689,7 +5846,7 @@
               <a:buNone/>
               <a:defRPr sz="2100"/>
             </a:lvl3pPr>
-            <a:lvl4pPr lvl="3" rtl="0" algn="ctr">
+            <a:lvl4pPr lvl="3" algn="ctr" rtl="0">
               <a:lnSpc>
                 <a:spcPct val="100000"/>
               </a:lnSpc>
@@ -5703,7 +5860,7 @@
               <a:buNone/>
               <a:defRPr sz="2100"/>
             </a:lvl4pPr>
-            <a:lvl5pPr lvl="4" rtl="0" algn="ctr">
+            <a:lvl5pPr lvl="4" algn="ctr" rtl="0">
               <a:lnSpc>
                 <a:spcPct val="100000"/>
               </a:lnSpc>
@@ -5717,7 +5874,7 @@
               <a:buNone/>
               <a:defRPr sz="2100"/>
             </a:lvl5pPr>
-            <a:lvl6pPr lvl="5" rtl="0" algn="ctr">
+            <a:lvl6pPr lvl="5" algn="ctr" rtl="0">
               <a:lnSpc>
                 <a:spcPct val="100000"/>
               </a:lnSpc>
@@ -5731,7 +5888,7 @@
               <a:buNone/>
               <a:defRPr sz="2100"/>
             </a:lvl6pPr>
-            <a:lvl7pPr lvl="6" rtl="0" algn="ctr">
+            <a:lvl7pPr lvl="6" algn="ctr" rtl="0">
               <a:lnSpc>
                 <a:spcPct val="100000"/>
               </a:lnSpc>
@@ -5745,7 +5902,7 @@
               <a:buNone/>
               <a:defRPr sz="2100"/>
             </a:lvl7pPr>
-            <a:lvl8pPr lvl="7" rtl="0" algn="ctr">
+            <a:lvl8pPr lvl="7" algn="ctr" rtl="0">
               <a:lnSpc>
                 <a:spcPct val="100000"/>
               </a:lnSpc>
@@ -5759,7 +5916,7 @@
               <a:buNone/>
               <a:defRPr sz="2100"/>
             </a:lvl8pPr>
-            <a:lvl9pPr lvl="8" rtl="0" algn="ctr">
+            <a:lvl9pPr lvl="8" algn="ctr" rtl="0">
               <a:lnSpc>
                 <a:spcPct val="100000"/>
               </a:lnSpc>
@@ -5774,15 +5931,19 @@
               <a:defRPr sz="2100"/>
             </a:lvl9pPr>
           </a:lstStyle>
-          <a:p/>
+          <a:p>
+            <a:endParaRPr/>
+          </a:p>
         </p:txBody>
       </p:sp>
       <p:sp>
         <p:nvSpPr>
           <p:cNvPr id="53" name="Google Shape;53;p9"/>
-          <p:cNvSpPr txBox="1"/>
+          <p:cNvSpPr txBox="1">
+            <a:spLocks noGrp="1"/>
+          </p:cNvSpPr>
           <p:nvPr>
-            <p:ph idx="2" type="body"/>
+            <p:ph type="body" idx="2"/>
           </p:nvPr>
         </p:nvSpPr>
         <p:spPr>
@@ -5795,9 +5956,9 @@
           </a:prstGeom>
         </p:spPr>
         <p:txBody>
-          <a:bodyPr anchorCtr="0" anchor="ctr" bIns="91425" lIns="91425" spcFirstLastPara="1" rIns="91425" wrap="square" tIns="91425"/>
+          <a:bodyPr spcFirstLastPara="1" wrap="square" lIns="91425" tIns="91425" rIns="91425" bIns="91425" anchor="ctr" anchorCtr="0"/>
           <a:lstStyle>
-            <a:lvl1pPr indent="-342900" lvl="0" marL="457200" rtl="0">
+            <a:lvl1pPr marL="457200" lvl="0" indent="-342900" rtl="0">
               <a:spcBef>
                 <a:spcPts val="0"/>
               </a:spcBef>
@@ -5815,7 +5976,7 @@
                 </a:solidFill>
               </a:defRPr>
             </a:lvl1pPr>
-            <a:lvl2pPr indent="-317500" lvl="1" marL="914400" rtl="0">
+            <a:lvl2pPr marL="914400" lvl="1" indent="-317500" rtl="0">
               <a:spcBef>
                 <a:spcPts val="1600"/>
               </a:spcBef>
@@ -5833,7 +5994,7 @@
                 </a:solidFill>
               </a:defRPr>
             </a:lvl2pPr>
-            <a:lvl3pPr indent="-317500" lvl="2" marL="1371600" rtl="0">
+            <a:lvl3pPr marL="1371600" lvl="2" indent="-317500" rtl="0">
               <a:spcBef>
                 <a:spcPts val="1600"/>
               </a:spcBef>
@@ -5851,7 +6012,7 @@
                 </a:solidFill>
               </a:defRPr>
             </a:lvl3pPr>
-            <a:lvl4pPr indent="-317500" lvl="3" marL="1828800" rtl="0">
+            <a:lvl4pPr marL="1828800" lvl="3" indent="-317500" rtl="0">
               <a:spcBef>
                 <a:spcPts val="1600"/>
               </a:spcBef>
@@ -5869,7 +6030,7 @@
                 </a:solidFill>
               </a:defRPr>
             </a:lvl4pPr>
-            <a:lvl5pPr indent="-317500" lvl="4" marL="2286000" rtl="0">
+            <a:lvl5pPr marL="2286000" lvl="4" indent="-317500" rtl="0">
               <a:spcBef>
                 <a:spcPts val="1600"/>
               </a:spcBef>
@@ -5887,7 +6048,7 @@
                 </a:solidFill>
               </a:defRPr>
             </a:lvl5pPr>
-            <a:lvl6pPr indent="-317500" lvl="5" marL="2743200" rtl="0">
+            <a:lvl6pPr marL="2743200" lvl="5" indent="-317500" rtl="0">
               <a:spcBef>
                 <a:spcPts val="1600"/>
               </a:spcBef>
@@ -5905,7 +6066,7 @@
                 </a:solidFill>
               </a:defRPr>
             </a:lvl6pPr>
-            <a:lvl7pPr indent="-317500" lvl="6" marL="3200400" rtl="0">
+            <a:lvl7pPr marL="3200400" lvl="6" indent="-317500" rtl="0">
               <a:spcBef>
                 <a:spcPts val="1600"/>
               </a:spcBef>
@@ -5923,7 +6084,7 @@
                 </a:solidFill>
               </a:defRPr>
             </a:lvl7pPr>
-            <a:lvl8pPr indent="-317500" lvl="7" marL="3657600" rtl="0">
+            <a:lvl8pPr marL="3657600" lvl="7" indent="-317500" rtl="0">
               <a:spcBef>
                 <a:spcPts val="1600"/>
               </a:spcBef>
@@ -5941,7 +6102,7 @@
                 </a:solidFill>
               </a:defRPr>
             </a:lvl8pPr>
-            <a:lvl9pPr indent="-317500" lvl="8" marL="4114800" rtl="0">
+            <a:lvl9pPr marL="4114800" lvl="8" indent="-317500" rtl="0">
               <a:spcBef>
                 <a:spcPts val="1600"/>
               </a:spcBef>
@@ -5960,15 +6121,19 @@
               </a:defRPr>
             </a:lvl9pPr>
           </a:lstStyle>
-          <a:p/>
+          <a:p>
+            <a:endParaRPr/>
+          </a:p>
         </p:txBody>
       </p:sp>
       <p:sp>
         <p:nvSpPr>
           <p:cNvPr id="54" name="Google Shape;54;p9"/>
-          <p:cNvSpPr txBox="1"/>
+          <p:cNvSpPr txBox="1">
+            <a:spLocks noGrp="1"/>
+          </p:cNvSpPr>
           <p:nvPr>
-            <p:ph idx="12" type="sldNum"/>
+            <p:ph type="sldNum" idx="12"/>
           </p:nvPr>
         </p:nvSpPr>
         <p:spPr>
@@ -5981,7 +6146,7 @@
           </a:prstGeom>
         </p:spPr>
         <p:txBody>
-          <a:bodyPr anchorCtr="0" anchor="ctr" bIns="91425" lIns="91425" spcFirstLastPara="1" rIns="91425" wrap="square" tIns="91425">
+          <a:bodyPr spcFirstLastPara="1" wrap="square" lIns="91425" tIns="91425" rIns="91425" bIns="91425" anchor="ctr" anchorCtr="0">
             <a:noAutofit/>
           </a:bodyPr>
           <a:lstStyle>
@@ -6059,7 +6224,7 @@
             </a:lvl9pPr>
           </a:lstStyle>
           <a:p>
-            <a:pPr indent="0" lvl="0" marL="0" rtl="0" algn="r">
+            <a:pPr marL="0" lvl="0" indent="0" algn="r" rtl="0">
               <a:spcBef>
                 <a:spcPts val="0"/>
               </a:spcBef>
@@ -6085,11 +6250,11 @@
 </file>
 
 <file path=ppt/slideLayouts/slideLayout9.xml><?xml version="1.0" encoding="utf-8"?>
-<p:sldLayout xmlns:a="http://schemas.openxmlformats.org/drawingml/2006/main" xmlns:r="http://schemas.openxmlformats.org/officeDocument/2006/relationships" xmlns:mc="http://schemas.openxmlformats.org/markup-compatibility/2006" xmlns:mv="urn:schemas-microsoft-com:mac:vml" xmlns:p="http://schemas.openxmlformats.org/presentationml/2006/main" xmlns:c="http://schemas.openxmlformats.org/drawingml/2006/chart" xmlns:dgm="http://schemas.openxmlformats.org/drawingml/2006/diagram" xmlns:o="urn:schemas-microsoft-com:office:office" xmlns:v="urn:schemas-microsoft-com:vml" xmlns:pvml="urn:schemas-microsoft-com:office:powerpoint" xmlns:com="http://schemas.openxmlformats.org/drawingml/2006/compatibility" xmlns:p14="http://schemas.microsoft.com/office/powerpoint/2010/main" xmlns:p15="http://schemas.microsoft.com/office/powerpoint/2012/main" matchingName="Caption">
+<p:sldLayout xmlns:a="http://schemas.openxmlformats.org/drawingml/2006/main" xmlns:r="http://schemas.openxmlformats.org/officeDocument/2006/relationships" xmlns:p="http://schemas.openxmlformats.org/presentationml/2006/main" matchingName="Caption">
   <p:cSld name="CAPTION_ONLY">
     <p:spTree>
       <p:nvGrpSpPr>
-        <p:cNvPr id="55" name="Shape 55"/>
+        <p:cNvPr id="1" name="Shape 55"/>
         <p:cNvGrpSpPr/>
         <p:nvPr/>
       </p:nvGrpSpPr>
@@ -6116,14 +6281,14 @@
             <a:avLst/>
           </a:prstGeom>
           <a:noFill/>
-          <a:ln cap="flat" cmpd="sng" w="19050">
+          <a:ln w="19050" cap="flat" cmpd="sng">
             <a:solidFill>
               <a:schemeClr val="dk2"/>
             </a:solidFill>
             <a:prstDash val="solid"/>
             <a:round/>
-            <a:headEnd len="sm" w="sm" type="none"/>
-            <a:tailEnd len="sm" w="sm" type="none"/>
+            <a:headEnd type="none" w="sm" len="sm"/>
+            <a:tailEnd type="none" w="sm" len="sm"/>
           </a:ln>
         </p:spPr>
       </p:cxnSp>
@@ -6142,23 +6307,25 @@
             <a:avLst/>
           </a:prstGeom>
           <a:noFill/>
-          <a:ln cap="flat" cmpd="sng" w="19050">
+          <a:ln w="19050" cap="flat" cmpd="sng">
             <a:solidFill>
               <a:schemeClr val="dk2"/>
             </a:solidFill>
             <a:prstDash val="solid"/>
             <a:round/>
-            <a:headEnd len="sm" w="sm" type="none"/>
-            <a:tailEnd len="sm" w="sm" type="none"/>
+            <a:headEnd type="none" w="sm" len="sm"/>
+            <a:tailEnd type="none" w="sm" len="sm"/>
           </a:ln>
         </p:spPr>
       </p:cxnSp>
       <p:sp>
         <p:nvSpPr>
           <p:cNvPr id="58" name="Google Shape;58;p10"/>
-          <p:cNvSpPr txBox="1"/>
+          <p:cNvSpPr txBox="1">
+            <a:spLocks noGrp="1"/>
+          </p:cNvSpPr>
           <p:nvPr>
-            <p:ph idx="1" type="body"/>
+            <p:ph type="body" idx="1"/>
           </p:nvPr>
         </p:nvSpPr>
         <p:spPr>
@@ -6171,9 +6338,9 @@
           </a:prstGeom>
         </p:spPr>
         <p:txBody>
-          <a:bodyPr anchorCtr="0" anchor="ctr" bIns="91425" lIns="91425" spcFirstLastPara="1" rIns="91425" wrap="square" tIns="91425"/>
+          <a:bodyPr spcFirstLastPara="1" wrap="square" lIns="91425" tIns="91425" rIns="91425" bIns="91425" anchor="ctr" anchorCtr="0"/>
           <a:lstStyle>
-            <a:lvl1pPr indent="-228600" lvl="0" marL="457200" rtl="0">
+            <a:lvl1pPr marL="457200" lvl="0" indent="-228600" rtl="0">
               <a:lnSpc>
                 <a:spcPct val="100000"/>
               </a:lnSpc>
@@ -6188,15 +6355,19 @@
               <a:defRPr/>
             </a:lvl1pPr>
           </a:lstStyle>
-          <a:p/>
+          <a:p>
+            <a:endParaRPr/>
+          </a:p>
         </p:txBody>
       </p:sp>
       <p:sp>
         <p:nvSpPr>
           <p:cNvPr id="59" name="Google Shape;59;p10"/>
-          <p:cNvSpPr txBox="1"/>
+          <p:cNvSpPr txBox="1">
+            <a:spLocks noGrp="1"/>
+          </p:cNvSpPr>
           <p:nvPr>
-            <p:ph idx="12" type="sldNum"/>
+            <p:ph type="sldNum" idx="12"/>
           </p:nvPr>
         </p:nvSpPr>
         <p:spPr>
@@ -6209,7 +6380,7 @@
           </a:prstGeom>
         </p:spPr>
         <p:txBody>
-          <a:bodyPr anchorCtr="0" anchor="ctr" bIns="91425" lIns="91425" spcFirstLastPara="1" rIns="91425" wrap="square" tIns="91425">
+          <a:bodyPr spcFirstLastPara="1" wrap="square" lIns="91425" tIns="91425" rIns="91425" bIns="91425" anchor="ctr" anchorCtr="0">
             <a:noAutofit/>
           </a:bodyPr>
           <a:lstStyle>
@@ -6251,7 +6422,7 @@
             </a:lvl9pPr>
           </a:lstStyle>
           <a:p>
-            <a:pPr indent="0" lvl="0" marL="0" rtl="0" algn="r">
+            <a:pPr marL="0" lvl="0" indent="0" algn="r" rtl="0">
               <a:spcBef>
                 <a:spcPts val="0"/>
               </a:spcBef>
@@ -6277,18 +6448,19 @@
 </file>
 
 <file path=ppt/slideMasters/slideMaster1.xml><?xml version="1.0" encoding="utf-8"?>
-<p:sldMaster xmlns:a="http://schemas.openxmlformats.org/drawingml/2006/main" xmlns:r="http://schemas.openxmlformats.org/officeDocument/2006/relationships" xmlns:mc="http://schemas.openxmlformats.org/markup-compatibility/2006" xmlns:mv="urn:schemas-microsoft-com:mac:vml" xmlns:p="http://schemas.openxmlformats.org/presentationml/2006/main" xmlns:c="http://schemas.openxmlformats.org/drawingml/2006/chart" xmlns:dgm="http://schemas.openxmlformats.org/drawingml/2006/diagram" xmlns:o="urn:schemas-microsoft-com:office:office" xmlns:v="urn:schemas-microsoft-com:vml" xmlns:pvml="urn:schemas-microsoft-com:office:powerpoint" xmlns:com="http://schemas.openxmlformats.org/drawingml/2006/compatibility" xmlns:p14="http://schemas.microsoft.com/office/powerpoint/2010/main" xmlns:p15="http://schemas.microsoft.com/office/powerpoint/2012/main">
+<p:sldMaster xmlns:a="http://schemas.openxmlformats.org/drawingml/2006/main" xmlns:r="http://schemas.openxmlformats.org/officeDocument/2006/relationships" xmlns:p="http://schemas.openxmlformats.org/presentationml/2006/main">
   <p:cSld name="swiss-2">
     <p:bg>
       <p:bgPr>
         <a:solidFill>
           <a:schemeClr val="lt1"/>
         </a:solidFill>
+        <a:effectLst/>
       </p:bgPr>
     </p:bg>
     <p:spTree>
       <p:nvGrpSpPr>
-        <p:cNvPr id="5" name="Shape 5"/>
+        <p:cNvPr id="1" name="Shape 5"/>
         <p:cNvGrpSpPr/>
         <p:nvPr/>
       </p:nvGrpSpPr>
@@ -6303,7 +6475,9 @@
       <p:sp>
         <p:nvSpPr>
           <p:cNvPr id="6" name="Google Shape;6;p1"/>
-          <p:cNvSpPr txBox="1"/>
+          <p:cNvSpPr txBox="1">
+            <a:spLocks noGrp="1"/>
+          </p:cNvSpPr>
           <p:nvPr>
             <p:ph type="title"/>
           </p:nvPr>
@@ -6322,7 +6496,7 @@
           </a:ln>
         </p:spPr>
         <p:txBody>
-          <a:bodyPr anchorCtr="0" anchor="t" bIns="91425" lIns="91425" spcFirstLastPara="1" rIns="91425" wrap="square" tIns="91425"/>
+          <a:bodyPr spcFirstLastPara="1" wrap="square" lIns="91425" tIns="91425" rIns="91425" bIns="91425" anchor="t" anchorCtr="0"/>
           <a:lstStyle>
             <a:lvl1pPr lvl="0" rtl="0">
               <a:spcBef>
@@ -6337,7 +6511,7 @@
               <a:buSzPts val="3000"/>
               <a:buFont typeface="Raleway"/>
               <a:buNone/>
-              <a:defRPr b="1" sz="3000">
+              <a:defRPr sz="3000" b="1">
                 <a:solidFill>
                   <a:schemeClr val="dk2"/>
                 </a:solidFill>
@@ -6360,7 +6534,7 @@
               <a:buSzPts val="3000"/>
               <a:buFont typeface="Raleway"/>
               <a:buNone/>
-              <a:defRPr b="1" sz="3000">
+              <a:defRPr sz="3000" b="1">
                 <a:solidFill>
                   <a:schemeClr val="dk2"/>
                 </a:solidFill>
@@ -6383,7 +6557,7 @@
               <a:buSzPts val="3000"/>
               <a:buFont typeface="Raleway"/>
               <a:buNone/>
-              <a:defRPr b="1" sz="3000">
+              <a:defRPr sz="3000" b="1">
                 <a:solidFill>
                   <a:schemeClr val="dk2"/>
                 </a:solidFill>
@@ -6406,7 +6580,7 @@
               <a:buSzPts val="3000"/>
               <a:buFont typeface="Raleway"/>
               <a:buNone/>
-              <a:defRPr b="1" sz="3000">
+              <a:defRPr sz="3000" b="1">
                 <a:solidFill>
                   <a:schemeClr val="dk2"/>
                 </a:solidFill>
@@ -6429,7 +6603,7 @@
               <a:buSzPts val="3000"/>
               <a:buFont typeface="Raleway"/>
               <a:buNone/>
-              <a:defRPr b="1" sz="3000">
+              <a:defRPr sz="3000" b="1">
                 <a:solidFill>
                   <a:schemeClr val="dk2"/>
                 </a:solidFill>
@@ -6452,7 +6626,7 @@
               <a:buSzPts val="3000"/>
               <a:buFont typeface="Raleway"/>
               <a:buNone/>
-              <a:defRPr b="1" sz="3000">
+              <a:defRPr sz="3000" b="1">
                 <a:solidFill>
                   <a:schemeClr val="dk2"/>
                 </a:solidFill>
@@ -6475,7 +6649,7 @@
               <a:buSzPts val="3000"/>
               <a:buFont typeface="Raleway"/>
               <a:buNone/>
-              <a:defRPr b="1" sz="3000">
+              <a:defRPr sz="3000" b="1">
                 <a:solidFill>
                   <a:schemeClr val="dk2"/>
                 </a:solidFill>
@@ -6498,7 +6672,7 @@
               <a:buSzPts val="3000"/>
               <a:buFont typeface="Raleway"/>
               <a:buNone/>
-              <a:defRPr b="1" sz="3000">
+              <a:defRPr sz="3000" b="1">
                 <a:solidFill>
                   <a:schemeClr val="dk2"/>
                 </a:solidFill>
@@ -6521,7 +6695,7 @@
               <a:buSzPts val="3000"/>
               <a:buFont typeface="Raleway"/>
               <a:buNone/>
-              <a:defRPr b="1" sz="3000">
+              <a:defRPr sz="3000" b="1">
                 <a:solidFill>
                   <a:schemeClr val="dk2"/>
                 </a:solidFill>
@@ -6532,15 +6706,19 @@
               </a:defRPr>
             </a:lvl9pPr>
           </a:lstStyle>
-          <a:p/>
+          <a:p>
+            <a:endParaRPr/>
+          </a:p>
         </p:txBody>
       </p:sp>
       <p:sp>
         <p:nvSpPr>
           <p:cNvPr id="7" name="Google Shape;7;p1"/>
-          <p:cNvSpPr txBox="1"/>
+          <p:cNvSpPr txBox="1">
+            <a:spLocks noGrp="1"/>
+          </p:cNvSpPr>
           <p:nvPr>
-            <p:ph idx="1" type="body"/>
+            <p:ph type="body" idx="1"/>
           </p:nvPr>
         </p:nvSpPr>
         <p:spPr>
@@ -6557,9 +6735,9 @@
           </a:ln>
         </p:spPr>
         <p:txBody>
-          <a:bodyPr anchorCtr="0" anchor="t" bIns="91425" lIns="91425" spcFirstLastPara="1" rIns="91425" wrap="square" tIns="91425"/>
+          <a:bodyPr spcFirstLastPara="1" wrap="square" lIns="91425" tIns="91425" rIns="91425" bIns="91425" anchor="t" anchorCtr="0"/>
           <a:lstStyle>
-            <a:lvl1pPr indent="-342900" lvl="0" marL="457200" rtl="0">
+            <a:lvl1pPr marL="457200" lvl="0" indent="-342900" rtl="0">
               <a:lnSpc>
                 <a:spcPct val="115000"/>
               </a:lnSpc>
@@ -6585,7 +6763,7 @@
                 <a:sym typeface="Lato"/>
               </a:defRPr>
             </a:lvl1pPr>
-            <a:lvl2pPr indent="-317500" lvl="1" marL="914400" rtl="0">
+            <a:lvl2pPr marL="914400" lvl="1" indent="-317500" rtl="0">
               <a:lnSpc>
                 <a:spcPct val="115000"/>
               </a:lnSpc>
@@ -6611,7 +6789,7 @@
                 <a:sym typeface="Lato"/>
               </a:defRPr>
             </a:lvl2pPr>
-            <a:lvl3pPr indent="-317500" lvl="2" marL="1371600" rtl="0">
+            <a:lvl3pPr marL="1371600" lvl="2" indent="-317500" rtl="0">
               <a:lnSpc>
                 <a:spcPct val="115000"/>
               </a:lnSpc>
@@ -6637,7 +6815,7 @@
                 <a:sym typeface="Lato"/>
               </a:defRPr>
             </a:lvl3pPr>
-            <a:lvl4pPr indent="-317500" lvl="3" marL="1828800" rtl="0">
+            <a:lvl4pPr marL="1828800" lvl="3" indent="-317500" rtl="0">
               <a:lnSpc>
                 <a:spcPct val="115000"/>
               </a:lnSpc>
@@ -6663,7 +6841,7 @@
                 <a:sym typeface="Lato"/>
               </a:defRPr>
             </a:lvl4pPr>
-            <a:lvl5pPr indent="-317500" lvl="4" marL="2286000" rtl="0">
+            <a:lvl5pPr marL="2286000" lvl="4" indent="-317500" rtl="0">
               <a:lnSpc>
                 <a:spcPct val="115000"/>
               </a:lnSpc>
@@ -6689,7 +6867,7 @@
                 <a:sym typeface="Lato"/>
               </a:defRPr>
             </a:lvl5pPr>
-            <a:lvl6pPr indent="-317500" lvl="5" marL="2743200" rtl="0">
+            <a:lvl6pPr marL="2743200" lvl="5" indent="-317500" rtl="0">
               <a:lnSpc>
                 <a:spcPct val="115000"/>
               </a:lnSpc>
@@ -6715,7 +6893,7 @@
                 <a:sym typeface="Lato"/>
               </a:defRPr>
             </a:lvl6pPr>
-            <a:lvl7pPr indent="-317500" lvl="6" marL="3200400" rtl="0">
+            <a:lvl7pPr marL="3200400" lvl="6" indent="-317500" rtl="0">
               <a:lnSpc>
                 <a:spcPct val="115000"/>
               </a:lnSpc>
@@ -6741,7 +6919,7 @@
                 <a:sym typeface="Lato"/>
               </a:defRPr>
             </a:lvl7pPr>
-            <a:lvl8pPr indent="-317500" lvl="7" marL="3657600" rtl="0">
+            <a:lvl8pPr marL="3657600" lvl="7" indent="-317500" rtl="0">
               <a:lnSpc>
                 <a:spcPct val="115000"/>
               </a:lnSpc>
@@ -6767,7 +6945,7 @@
                 <a:sym typeface="Lato"/>
               </a:defRPr>
             </a:lvl8pPr>
-            <a:lvl9pPr indent="-317500" lvl="8" marL="4114800" rtl="0">
+            <a:lvl9pPr marL="4114800" lvl="8" indent="-317500" rtl="0">
               <a:lnSpc>
                 <a:spcPct val="115000"/>
               </a:lnSpc>
@@ -6794,15 +6972,19 @@
               </a:defRPr>
             </a:lvl9pPr>
           </a:lstStyle>
-          <a:p/>
+          <a:p>
+            <a:endParaRPr/>
+          </a:p>
         </p:txBody>
       </p:sp>
       <p:sp>
         <p:nvSpPr>
           <p:cNvPr id="8" name="Google Shape;8;p1"/>
-          <p:cNvSpPr txBox="1"/>
+          <p:cNvSpPr txBox="1">
+            <a:spLocks noGrp="1"/>
+          </p:cNvSpPr>
           <p:nvPr>
-            <p:ph idx="12" type="sldNum"/>
+            <p:ph type="sldNum" idx="12"/>
           </p:nvPr>
         </p:nvSpPr>
         <p:spPr>
@@ -6819,11 +7001,11 @@
           </a:ln>
         </p:spPr>
         <p:txBody>
-          <a:bodyPr anchorCtr="0" anchor="ctr" bIns="91425" lIns="91425" spcFirstLastPara="1" rIns="91425" wrap="square" tIns="91425">
+          <a:bodyPr spcFirstLastPara="1" wrap="square" lIns="91425" tIns="91425" rIns="91425" bIns="91425" anchor="ctr" anchorCtr="0">
             <a:noAutofit/>
           </a:bodyPr>
           <a:lstStyle>
-            <a:lvl1pPr lvl="0" rtl="0" algn="r">
+            <a:lvl1pPr lvl="0" algn="r" rtl="0">
               <a:buNone/>
               <a:defRPr sz="1000">
                 <a:solidFill>
@@ -6835,7 +7017,7 @@
                 <a:sym typeface="Lato"/>
               </a:defRPr>
             </a:lvl1pPr>
-            <a:lvl2pPr lvl="1" rtl="0" algn="r">
+            <a:lvl2pPr lvl="1" algn="r" rtl="0">
               <a:buNone/>
               <a:defRPr sz="1000">
                 <a:solidFill>
@@ -6847,7 +7029,7 @@
                 <a:sym typeface="Lato"/>
               </a:defRPr>
             </a:lvl2pPr>
-            <a:lvl3pPr lvl="2" rtl="0" algn="r">
+            <a:lvl3pPr lvl="2" algn="r" rtl="0">
               <a:buNone/>
               <a:defRPr sz="1000">
                 <a:solidFill>
@@ -6859,7 +7041,7 @@
                 <a:sym typeface="Lato"/>
               </a:defRPr>
             </a:lvl3pPr>
-            <a:lvl4pPr lvl="3" rtl="0" algn="r">
+            <a:lvl4pPr lvl="3" algn="r" rtl="0">
               <a:buNone/>
               <a:defRPr sz="1000">
                 <a:solidFill>
@@ -6871,7 +7053,7 @@
                 <a:sym typeface="Lato"/>
               </a:defRPr>
             </a:lvl4pPr>
-            <a:lvl5pPr lvl="4" rtl="0" algn="r">
+            <a:lvl5pPr lvl="4" algn="r" rtl="0">
               <a:buNone/>
               <a:defRPr sz="1000">
                 <a:solidFill>
@@ -6883,7 +7065,7 @@
                 <a:sym typeface="Lato"/>
               </a:defRPr>
             </a:lvl5pPr>
-            <a:lvl6pPr lvl="5" rtl="0" algn="r">
+            <a:lvl6pPr lvl="5" algn="r" rtl="0">
               <a:buNone/>
               <a:defRPr sz="1000">
                 <a:solidFill>
@@ -6895,7 +7077,7 @@
                 <a:sym typeface="Lato"/>
               </a:defRPr>
             </a:lvl6pPr>
-            <a:lvl7pPr lvl="6" rtl="0" algn="r">
+            <a:lvl7pPr lvl="6" algn="r" rtl="0">
               <a:buNone/>
               <a:defRPr sz="1000">
                 <a:solidFill>
@@ -6907,7 +7089,7 @@
                 <a:sym typeface="Lato"/>
               </a:defRPr>
             </a:lvl7pPr>
-            <a:lvl8pPr lvl="7" rtl="0" algn="r">
+            <a:lvl8pPr lvl="7" algn="r" rtl="0">
               <a:buNone/>
               <a:defRPr sz="1000">
                 <a:solidFill>
@@ -6919,7 +7101,7 @@
                 <a:sym typeface="Lato"/>
               </a:defRPr>
             </a:lvl8pPr>
-            <a:lvl9pPr lvl="8" rtl="0" algn="r">
+            <a:lvl9pPr lvl="8" algn="r" rtl="0">
               <a:buNone/>
               <a:defRPr sz="1000">
                 <a:solidFill>
@@ -6933,7 +7115,7 @@
             </a:lvl9pPr>
           </a:lstStyle>
           <a:p>
-            <a:pPr indent="0" lvl="0" marL="0" rtl="0" algn="r">
+            <a:pPr marL="0" lvl="0" indent="0" algn="r" rtl="0">
               <a:spcBef>
                 <a:spcPts val="0"/>
               </a:spcBef>
@@ -6952,7 +7134,7 @@
       </p:sp>
     </p:spTree>
   </p:cSld>
-  <p:clrMap accent1="accent1" accent2="accent2" accent3="accent3" accent4="accent4" accent5="accent5" accent6="accent6" bg1="lt1" bg2="dk2" tx1="dk1" tx2="lt2" folHlink="folHlink" hlink="hlink"/>
+  <p:clrMap bg1="lt1" tx1="dk1" bg2="dk2" tx2="lt2" accent1="accent1" accent2="accent2" accent3="accent3" accent4="accent4" accent5="accent5" accent6="accent6" hlink="hlink" folHlink="folHlink"/>
   <p:sldLayoutIdLst>
     <p:sldLayoutId id="2147483648" r:id="rId1"/>
     <p:sldLayoutId id="2147483649" r:id="rId2"/>
@@ -6966,10 +7148,10 @@
     <p:sldLayoutId id="2147483657" r:id="rId10"/>
     <p:sldLayoutId id="2147483658" r:id="rId11"/>
   </p:sldLayoutIdLst>
-  <p:hf dt="0" ftr="0" hdr="0" sldNum="0"/>
+  <p:hf sldNum="0" hdr="0" ftr="0" dt="0"/>
   <p:txStyles>
     <p:titleStyle>
-      <a:defPPr lvl="0" marR="0" rtl="0" algn="l">
+      <a:defPPr marR="0" lvl="0" algn="l" rtl="0">
         <a:lnSpc>
           <a:spcPct val="100000"/>
         </a:lnSpc>
@@ -6980,7 +7162,7 @@
           <a:spcPts val="0"/>
         </a:spcAft>
       </a:defPPr>
-      <a:lvl1pPr lvl="0" marR="0" rtl="0" algn="l">
+      <a:lvl1pPr marR="0" lvl="0" algn="l" rtl="0">
         <a:lnSpc>
           <a:spcPct val="100000"/>
         </a:lnSpc>
@@ -6994,7 +7176,7 @@
           <a:srgbClr val="000000"/>
         </a:buClr>
         <a:buFont typeface="Arial"/>
-        <a:defRPr b="0" i="0" sz="1400" u="none" cap="none" strike="noStrike">
+        <a:defRPr sz="1400" b="0" i="0" u="none" strike="noStrike" cap="none">
           <a:solidFill>
             <a:srgbClr val="000000"/>
           </a:solidFill>
@@ -7004,7 +7186,7 @@
           <a:sym typeface="Arial"/>
         </a:defRPr>
       </a:lvl1pPr>
-      <a:lvl2pPr lvl="1" marR="0" rtl="0" algn="l">
+      <a:lvl2pPr marR="0" lvl="1" algn="l" rtl="0">
         <a:lnSpc>
           <a:spcPct val="100000"/>
         </a:lnSpc>
@@ -7018,7 +7200,7 @@
           <a:srgbClr val="000000"/>
         </a:buClr>
         <a:buFont typeface="Arial"/>
-        <a:defRPr b="0" i="0" sz="1400" u="none" cap="none" strike="noStrike">
+        <a:defRPr sz="1400" b="0" i="0" u="none" strike="noStrike" cap="none">
           <a:solidFill>
             <a:srgbClr val="000000"/>
           </a:solidFill>
@@ -7028,7 +7210,7 @@
           <a:sym typeface="Arial"/>
         </a:defRPr>
       </a:lvl2pPr>
-      <a:lvl3pPr lvl="2" marR="0" rtl="0" algn="l">
+      <a:lvl3pPr marR="0" lvl="2" algn="l" rtl="0">
         <a:lnSpc>
           <a:spcPct val="100000"/>
         </a:lnSpc>
@@ -7042,7 +7224,7 @@
           <a:srgbClr val="000000"/>
         </a:buClr>
         <a:buFont typeface="Arial"/>
-        <a:defRPr b="0" i="0" sz="1400" u="none" cap="none" strike="noStrike">
+        <a:defRPr sz="1400" b="0" i="0" u="none" strike="noStrike" cap="none">
           <a:solidFill>
             <a:srgbClr val="000000"/>
           </a:solidFill>
@@ -7052,7 +7234,7 @@
           <a:sym typeface="Arial"/>
         </a:defRPr>
       </a:lvl3pPr>
-      <a:lvl4pPr lvl="3" marR="0" rtl="0" algn="l">
+      <a:lvl4pPr marR="0" lvl="3" algn="l" rtl="0">
         <a:lnSpc>
           <a:spcPct val="100000"/>
         </a:lnSpc>
@@ -7066,7 +7248,7 @@
           <a:srgbClr val="000000"/>
         </a:buClr>
         <a:buFont typeface="Arial"/>
-        <a:defRPr b="0" i="0" sz="1400" u="none" cap="none" strike="noStrike">
+        <a:defRPr sz="1400" b="0" i="0" u="none" strike="noStrike" cap="none">
           <a:solidFill>
             <a:srgbClr val="000000"/>
           </a:solidFill>
@@ -7076,7 +7258,7 @@
           <a:sym typeface="Arial"/>
         </a:defRPr>
       </a:lvl4pPr>
-      <a:lvl5pPr lvl="4" marR="0" rtl="0" algn="l">
+      <a:lvl5pPr marR="0" lvl="4" algn="l" rtl="0">
         <a:lnSpc>
           <a:spcPct val="100000"/>
         </a:lnSpc>
@@ -7090,7 +7272,7 @@
           <a:srgbClr val="000000"/>
         </a:buClr>
         <a:buFont typeface="Arial"/>
-        <a:defRPr b="0" i="0" sz="1400" u="none" cap="none" strike="noStrike">
+        <a:defRPr sz="1400" b="0" i="0" u="none" strike="noStrike" cap="none">
           <a:solidFill>
             <a:srgbClr val="000000"/>
           </a:solidFill>
@@ -7100,7 +7282,7 @@
           <a:sym typeface="Arial"/>
         </a:defRPr>
       </a:lvl5pPr>
-      <a:lvl6pPr lvl="5" marR="0" rtl="0" algn="l">
+      <a:lvl6pPr marR="0" lvl="5" algn="l" rtl="0">
         <a:lnSpc>
           <a:spcPct val="100000"/>
         </a:lnSpc>
@@ -7114,7 +7296,7 @@
           <a:srgbClr val="000000"/>
         </a:buClr>
         <a:buFont typeface="Arial"/>
-        <a:defRPr b="0" i="0" sz="1400" u="none" cap="none" strike="noStrike">
+        <a:defRPr sz="1400" b="0" i="0" u="none" strike="noStrike" cap="none">
           <a:solidFill>
             <a:srgbClr val="000000"/>
           </a:solidFill>
@@ -7124,7 +7306,7 @@
           <a:sym typeface="Arial"/>
         </a:defRPr>
       </a:lvl6pPr>
-      <a:lvl7pPr lvl="6" marR="0" rtl="0" algn="l">
+      <a:lvl7pPr marR="0" lvl="6" algn="l" rtl="0">
         <a:lnSpc>
           <a:spcPct val="100000"/>
         </a:lnSpc>
@@ -7138,7 +7320,7 @@
           <a:srgbClr val="000000"/>
         </a:buClr>
         <a:buFont typeface="Arial"/>
-        <a:defRPr b="0" i="0" sz="1400" u="none" cap="none" strike="noStrike">
+        <a:defRPr sz="1400" b="0" i="0" u="none" strike="noStrike" cap="none">
           <a:solidFill>
             <a:srgbClr val="000000"/>
           </a:solidFill>
@@ -7148,7 +7330,7 @@
           <a:sym typeface="Arial"/>
         </a:defRPr>
       </a:lvl7pPr>
-      <a:lvl8pPr lvl="7" marR="0" rtl="0" algn="l">
+      <a:lvl8pPr marR="0" lvl="7" algn="l" rtl="0">
         <a:lnSpc>
           <a:spcPct val="100000"/>
         </a:lnSpc>
@@ -7162,7 +7344,7 @@
           <a:srgbClr val="000000"/>
         </a:buClr>
         <a:buFont typeface="Arial"/>
-        <a:defRPr b="0" i="0" sz="1400" u="none" cap="none" strike="noStrike">
+        <a:defRPr sz="1400" b="0" i="0" u="none" strike="noStrike" cap="none">
           <a:solidFill>
             <a:srgbClr val="000000"/>
           </a:solidFill>
@@ -7172,7 +7354,7 @@
           <a:sym typeface="Arial"/>
         </a:defRPr>
       </a:lvl8pPr>
-      <a:lvl9pPr lvl="8" marR="0" rtl="0" algn="l">
+      <a:lvl9pPr marR="0" lvl="8" algn="l" rtl="0">
         <a:lnSpc>
           <a:spcPct val="100000"/>
         </a:lnSpc>
@@ -7186,7 +7368,7 @@
           <a:srgbClr val="000000"/>
         </a:buClr>
         <a:buFont typeface="Arial"/>
-        <a:defRPr b="0" i="0" sz="1400" u="none" cap="none" strike="noStrike">
+        <a:defRPr sz="1400" b="0" i="0" u="none" strike="noStrike" cap="none">
           <a:solidFill>
             <a:srgbClr val="000000"/>
           </a:solidFill>
@@ -7198,7 +7380,7 @@
       </a:lvl9pPr>
     </p:titleStyle>
     <p:bodyStyle>
-      <a:defPPr lvl="0" marR="0" rtl="0" algn="l">
+      <a:defPPr marR="0" lvl="0" algn="l" rtl="0">
         <a:lnSpc>
           <a:spcPct val="100000"/>
         </a:lnSpc>
@@ -7209,7 +7391,7 @@
           <a:spcPts val="0"/>
         </a:spcAft>
       </a:defPPr>
-      <a:lvl1pPr lvl="0" marR="0" rtl="0" algn="l">
+      <a:lvl1pPr marR="0" lvl="0" algn="l" rtl="0">
         <a:lnSpc>
           <a:spcPct val="100000"/>
         </a:lnSpc>
@@ -7223,7 +7405,7 @@
           <a:srgbClr val="000000"/>
         </a:buClr>
         <a:buFont typeface="Arial"/>
-        <a:defRPr b="0" i="0" sz="1400" u="none" cap="none" strike="noStrike">
+        <a:defRPr sz="1400" b="0" i="0" u="none" strike="noStrike" cap="none">
           <a:solidFill>
             <a:srgbClr val="000000"/>
           </a:solidFill>
@@ -7233,7 +7415,7 @@
           <a:sym typeface="Arial"/>
         </a:defRPr>
       </a:lvl1pPr>
-      <a:lvl2pPr lvl="1" marR="0" rtl="0" algn="l">
+      <a:lvl2pPr marR="0" lvl="1" algn="l" rtl="0">
         <a:lnSpc>
           <a:spcPct val="100000"/>
         </a:lnSpc>
@@ -7247,7 +7429,7 @@
           <a:srgbClr val="000000"/>
         </a:buClr>
         <a:buFont typeface="Arial"/>
-        <a:defRPr b="0" i="0" sz="1400" u="none" cap="none" strike="noStrike">
+        <a:defRPr sz="1400" b="0" i="0" u="none" strike="noStrike" cap="none">
           <a:solidFill>
             <a:srgbClr val="000000"/>
           </a:solidFill>
@@ -7257,7 +7439,7 @@
           <a:sym typeface="Arial"/>
         </a:defRPr>
       </a:lvl2pPr>
-      <a:lvl3pPr lvl="2" marR="0" rtl="0" algn="l">
+      <a:lvl3pPr marR="0" lvl="2" algn="l" rtl="0">
         <a:lnSpc>
           <a:spcPct val="100000"/>
         </a:lnSpc>
@@ -7271,7 +7453,7 @@
           <a:srgbClr val="000000"/>
         </a:buClr>
         <a:buFont typeface="Arial"/>
-        <a:defRPr b="0" i="0" sz="1400" u="none" cap="none" strike="noStrike">
+        <a:defRPr sz="1400" b="0" i="0" u="none" strike="noStrike" cap="none">
           <a:solidFill>
             <a:srgbClr val="000000"/>
           </a:solidFill>
@@ -7281,7 +7463,7 @@
           <a:sym typeface="Arial"/>
         </a:defRPr>
       </a:lvl3pPr>
-      <a:lvl4pPr lvl="3" marR="0" rtl="0" algn="l">
+      <a:lvl4pPr marR="0" lvl="3" algn="l" rtl="0">
         <a:lnSpc>
           <a:spcPct val="100000"/>
         </a:lnSpc>
@@ -7295,7 +7477,7 @@
           <a:srgbClr val="000000"/>
         </a:buClr>
         <a:buFont typeface="Arial"/>
-        <a:defRPr b="0" i="0" sz="1400" u="none" cap="none" strike="noStrike">
+        <a:defRPr sz="1400" b="0" i="0" u="none" strike="noStrike" cap="none">
           <a:solidFill>
             <a:srgbClr val="000000"/>
           </a:solidFill>
@@ -7305,7 +7487,7 @@
           <a:sym typeface="Arial"/>
         </a:defRPr>
       </a:lvl4pPr>
-      <a:lvl5pPr lvl="4" marR="0" rtl="0" algn="l">
+      <a:lvl5pPr marR="0" lvl="4" algn="l" rtl="0">
         <a:lnSpc>
           <a:spcPct val="100000"/>
         </a:lnSpc>
@@ -7319,7 +7501,7 @@
           <a:srgbClr val="000000"/>
         </a:buClr>
         <a:buFont typeface="Arial"/>
-        <a:defRPr b="0" i="0" sz="1400" u="none" cap="none" strike="noStrike">
+        <a:defRPr sz="1400" b="0" i="0" u="none" strike="noStrike" cap="none">
           <a:solidFill>
             <a:srgbClr val="000000"/>
           </a:solidFill>
@@ -7329,7 +7511,7 @@
           <a:sym typeface="Arial"/>
         </a:defRPr>
       </a:lvl5pPr>
-      <a:lvl6pPr lvl="5" marR="0" rtl="0" algn="l">
+      <a:lvl6pPr marR="0" lvl="5" algn="l" rtl="0">
         <a:lnSpc>
           <a:spcPct val="100000"/>
         </a:lnSpc>
@@ -7343,7 +7525,7 @@
           <a:srgbClr val="000000"/>
         </a:buClr>
         <a:buFont typeface="Arial"/>
-        <a:defRPr b="0" i="0" sz="1400" u="none" cap="none" strike="noStrike">
+        <a:defRPr sz="1400" b="0" i="0" u="none" strike="noStrike" cap="none">
           <a:solidFill>
             <a:srgbClr val="000000"/>
           </a:solidFill>
@@ -7353,7 +7535,7 @@
           <a:sym typeface="Arial"/>
         </a:defRPr>
       </a:lvl6pPr>
-      <a:lvl7pPr lvl="6" marR="0" rtl="0" algn="l">
+      <a:lvl7pPr marR="0" lvl="6" algn="l" rtl="0">
         <a:lnSpc>
           <a:spcPct val="100000"/>
         </a:lnSpc>
@@ -7367,7 +7549,7 @@
           <a:srgbClr val="000000"/>
         </a:buClr>
         <a:buFont typeface="Arial"/>
-        <a:defRPr b="0" i="0" sz="1400" u="none" cap="none" strike="noStrike">
+        <a:defRPr sz="1400" b="0" i="0" u="none" strike="noStrike" cap="none">
           <a:solidFill>
             <a:srgbClr val="000000"/>
           </a:solidFill>
@@ -7377,7 +7559,7 @@
           <a:sym typeface="Arial"/>
         </a:defRPr>
       </a:lvl7pPr>
-      <a:lvl8pPr lvl="7" marR="0" rtl="0" algn="l">
+      <a:lvl8pPr marR="0" lvl="7" algn="l" rtl="0">
         <a:lnSpc>
           <a:spcPct val="100000"/>
         </a:lnSpc>
@@ -7391,7 +7573,7 @@
           <a:srgbClr val="000000"/>
         </a:buClr>
         <a:buFont typeface="Arial"/>
-        <a:defRPr b="0" i="0" sz="1400" u="none" cap="none" strike="noStrike">
+        <a:defRPr sz="1400" b="0" i="0" u="none" strike="noStrike" cap="none">
           <a:solidFill>
             <a:srgbClr val="000000"/>
           </a:solidFill>
@@ -7401,7 +7583,7 @@
           <a:sym typeface="Arial"/>
         </a:defRPr>
       </a:lvl8pPr>
-      <a:lvl9pPr lvl="8" marR="0" rtl="0" algn="l">
+      <a:lvl9pPr marR="0" lvl="8" algn="l" rtl="0">
         <a:lnSpc>
           <a:spcPct val="100000"/>
         </a:lnSpc>
@@ -7415,7 +7597,7 @@
           <a:srgbClr val="000000"/>
         </a:buClr>
         <a:buFont typeface="Arial"/>
-        <a:defRPr b="0" i="0" sz="1400" u="none" cap="none" strike="noStrike">
+        <a:defRPr sz="1400" b="0" i="0" u="none" strike="noStrike" cap="none">
           <a:solidFill>
             <a:srgbClr val="000000"/>
           </a:solidFill>
@@ -7427,7 +7609,7 @@
       </a:lvl9pPr>
     </p:bodyStyle>
     <p:otherStyle>
-      <a:defPPr lvl="0" marR="0" rtl="0" algn="l">
+      <a:defPPr marR="0" lvl="0" algn="l" rtl="0">
         <a:lnSpc>
           <a:spcPct val="100000"/>
         </a:lnSpc>
@@ -7438,7 +7620,7 @@
           <a:spcPts val="0"/>
         </a:spcAft>
       </a:defPPr>
-      <a:lvl1pPr lvl="0" marR="0" rtl="0" algn="l">
+      <a:lvl1pPr marR="0" lvl="0" algn="l" rtl="0">
         <a:lnSpc>
           <a:spcPct val="100000"/>
         </a:lnSpc>
@@ -7452,7 +7634,7 @@
           <a:srgbClr val="000000"/>
         </a:buClr>
         <a:buFont typeface="Arial"/>
-        <a:defRPr b="0" i="0" sz="1400" u="none" cap="none" strike="noStrike">
+        <a:defRPr sz="1400" b="0" i="0" u="none" strike="noStrike" cap="none">
           <a:solidFill>
             <a:srgbClr val="000000"/>
           </a:solidFill>
@@ -7462,7 +7644,7 @@
           <a:sym typeface="Arial"/>
         </a:defRPr>
       </a:lvl1pPr>
-      <a:lvl2pPr lvl="1" marR="0" rtl="0" algn="l">
+      <a:lvl2pPr marR="0" lvl="1" algn="l" rtl="0">
         <a:lnSpc>
           <a:spcPct val="100000"/>
         </a:lnSpc>
@@ -7476,7 +7658,7 @@
           <a:srgbClr val="000000"/>
         </a:buClr>
         <a:buFont typeface="Arial"/>
-        <a:defRPr b="0" i="0" sz="1400" u="none" cap="none" strike="noStrike">
+        <a:defRPr sz="1400" b="0" i="0" u="none" strike="noStrike" cap="none">
           <a:solidFill>
             <a:srgbClr val="000000"/>
           </a:solidFill>
@@ -7486,7 +7668,7 @@
           <a:sym typeface="Arial"/>
         </a:defRPr>
       </a:lvl2pPr>
-      <a:lvl3pPr lvl="2" marR="0" rtl="0" algn="l">
+      <a:lvl3pPr marR="0" lvl="2" algn="l" rtl="0">
         <a:lnSpc>
           <a:spcPct val="100000"/>
         </a:lnSpc>
@@ -7500,7 +7682,7 @@
           <a:srgbClr val="000000"/>
         </a:buClr>
         <a:buFont typeface="Arial"/>
-        <a:defRPr b="0" i="0" sz="1400" u="none" cap="none" strike="noStrike">
+        <a:defRPr sz="1400" b="0" i="0" u="none" strike="noStrike" cap="none">
           <a:solidFill>
             <a:srgbClr val="000000"/>
           </a:solidFill>
@@ -7510,7 +7692,7 @@
           <a:sym typeface="Arial"/>
         </a:defRPr>
       </a:lvl3pPr>
-      <a:lvl4pPr lvl="3" marR="0" rtl="0" algn="l">
+      <a:lvl4pPr marR="0" lvl="3" algn="l" rtl="0">
         <a:lnSpc>
           <a:spcPct val="100000"/>
         </a:lnSpc>
@@ -7524,7 +7706,7 @@
           <a:srgbClr val="000000"/>
         </a:buClr>
         <a:buFont typeface="Arial"/>
-        <a:defRPr b="0" i="0" sz="1400" u="none" cap="none" strike="noStrike">
+        <a:defRPr sz="1400" b="0" i="0" u="none" strike="noStrike" cap="none">
           <a:solidFill>
             <a:srgbClr val="000000"/>
           </a:solidFill>
@@ -7534,7 +7716,7 @@
           <a:sym typeface="Arial"/>
         </a:defRPr>
       </a:lvl4pPr>
-      <a:lvl5pPr lvl="4" marR="0" rtl="0" algn="l">
+      <a:lvl5pPr marR="0" lvl="4" algn="l" rtl="0">
         <a:lnSpc>
           <a:spcPct val="100000"/>
         </a:lnSpc>
@@ -7548,7 +7730,7 @@
           <a:srgbClr val="000000"/>
         </a:buClr>
         <a:buFont typeface="Arial"/>
-        <a:defRPr b="0" i="0" sz="1400" u="none" cap="none" strike="noStrike">
+        <a:defRPr sz="1400" b="0" i="0" u="none" strike="noStrike" cap="none">
           <a:solidFill>
             <a:srgbClr val="000000"/>
           </a:solidFill>
@@ -7558,7 +7740,7 @@
           <a:sym typeface="Arial"/>
         </a:defRPr>
       </a:lvl5pPr>
-      <a:lvl6pPr lvl="5" marR="0" rtl="0" algn="l">
+      <a:lvl6pPr marR="0" lvl="5" algn="l" rtl="0">
         <a:lnSpc>
           <a:spcPct val="100000"/>
         </a:lnSpc>
@@ -7572,7 +7754,7 @@
           <a:srgbClr val="000000"/>
         </a:buClr>
         <a:buFont typeface="Arial"/>
-        <a:defRPr b="0" i="0" sz="1400" u="none" cap="none" strike="noStrike">
+        <a:defRPr sz="1400" b="0" i="0" u="none" strike="noStrike" cap="none">
           <a:solidFill>
             <a:srgbClr val="000000"/>
           </a:solidFill>
@@ -7582,7 +7764,7 @@
           <a:sym typeface="Arial"/>
         </a:defRPr>
       </a:lvl6pPr>
-      <a:lvl7pPr lvl="6" marR="0" rtl="0" algn="l">
+      <a:lvl7pPr marR="0" lvl="6" algn="l" rtl="0">
         <a:lnSpc>
           <a:spcPct val="100000"/>
         </a:lnSpc>
@@ -7596,7 +7778,7 @@
           <a:srgbClr val="000000"/>
         </a:buClr>
         <a:buFont typeface="Arial"/>
-        <a:defRPr b="0" i="0" sz="1400" u="none" cap="none" strike="noStrike">
+        <a:defRPr sz="1400" b="0" i="0" u="none" strike="noStrike" cap="none">
           <a:solidFill>
             <a:srgbClr val="000000"/>
           </a:solidFill>
@@ -7606,7 +7788,7 @@
           <a:sym typeface="Arial"/>
         </a:defRPr>
       </a:lvl7pPr>
-      <a:lvl8pPr lvl="7" marR="0" rtl="0" algn="l">
+      <a:lvl8pPr marR="0" lvl="7" algn="l" rtl="0">
         <a:lnSpc>
           <a:spcPct val="100000"/>
         </a:lnSpc>
@@ -7620,7 +7802,7 @@
           <a:srgbClr val="000000"/>
         </a:buClr>
         <a:buFont typeface="Arial"/>
-        <a:defRPr b="0" i="0" sz="1400" u="none" cap="none" strike="noStrike">
+        <a:defRPr sz="1400" b="0" i="0" u="none" strike="noStrike" cap="none">
           <a:solidFill>
             <a:srgbClr val="000000"/>
           </a:solidFill>
@@ -7630,7 +7812,7 @@
           <a:sym typeface="Arial"/>
         </a:defRPr>
       </a:lvl8pPr>
-      <a:lvl9pPr lvl="8" marR="0" rtl="0" algn="l">
+      <a:lvl9pPr marR="0" lvl="8" algn="l" rtl="0">
         <a:lnSpc>
           <a:spcPct val="100000"/>
         </a:lnSpc>
@@ -7644,7 +7826,7 @@
           <a:srgbClr val="000000"/>
         </a:buClr>
         <a:buFont typeface="Arial"/>
-        <a:defRPr b="0" i="0" sz="1400" u="none" cap="none" strike="noStrike">
+        <a:defRPr sz="1400" b="0" i="0" u="none" strike="noStrike" cap="none">
           <a:solidFill>
             <a:srgbClr val="000000"/>
           </a:solidFill>
@@ -7660,18 +7842,19 @@
 </file>
 
 <file path=ppt/slides/slide1.xml><?xml version="1.0" encoding="utf-8"?>
-<p:sld xmlns:a="http://schemas.openxmlformats.org/drawingml/2006/main" xmlns:r="http://schemas.openxmlformats.org/officeDocument/2006/relationships" xmlns:mc="http://schemas.openxmlformats.org/markup-compatibility/2006" xmlns:mv="urn:schemas-microsoft-com:mac:vml" xmlns:p="http://schemas.openxmlformats.org/presentationml/2006/main" xmlns:c="http://schemas.openxmlformats.org/drawingml/2006/chart" xmlns:dgm="http://schemas.openxmlformats.org/drawingml/2006/diagram" xmlns:o="urn:schemas-microsoft-com:office:office" xmlns:v="urn:schemas-microsoft-com:vml" xmlns:pvml="urn:schemas-microsoft-com:office:powerpoint" xmlns:com="http://schemas.openxmlformats.org/drawingml/2006/compatibility" xmlns:p14="http://schemas.microsoft.com/office/powerpoint/2010/main" xmlns:p15="http://schemas.microsoft.com/office/powerpoint/2012/main">
+<p:sld xmlns:a="http://schemas.openxmlformats.org/drawingml/2006/main" xmlns:r="http://schemas.openxmlformats.org/officeDocument/2006/relationships" xmlns:p="http://schemas.openxmlformats.org/presentationml/2006/main">
   <p:cSld>
     <p:bg>
       <p:bgPr>
         <a:solidFill>
           <a:srgbClr val="000000"/>
         </a:solidFill>
+        <a:effectLst/>
       </p:bgPr>
     </p:bg>
     <p:spTree>
       <p:nvGrpSpPr>
-        <p:cNvPr id="71" name="Shape 71"/>
+        <p:cNvPr id="1" name="Shape 71"/>
         <p:cNvGrpSpPr/>
         <p:nvPr/>
       </p:nvGrpSpPr>
@@ -7686,7 +7869,9 @@
       <p:sp>
         <p:nvSpPr>
           <p:cNvPr id="72" name="Google Shape;72;p13"/>
-          <p:cNvSpPr txBox="1"/>
+          <p:cNvSpPr txBox="1">
+            <a:spLocks noGrp="1"/>
+          </p:cNvSpPr>
           <p:nvPr>
             <p:ph type="ctrTitle"/>
           </p:nvPr>
@@ -7701,12 +7886,12 @@
           </a:prstGeom>
         </p:spPr>
         <p:txBody>
-          <a:bodyPr anchorCtr="0" anchor="t" bIns="91425" lIns="91425" spcFirstLastPara="1" rIns="91425" wrap="square" tIns="91425">
+          <a:bodyPr spcFirstLastPara="1" wrap="square" lIns="91425" tIns="91425" rIns="91425" bIns="91425" anchor="t" anchorCtr="0">
             <a:noAutofit/>
           </a:bodyPr>
           <a:lstStyle/>
           <a:p>
-            <a:pPr indent="0" lvl="0" marL="0" rtl="0" algn="l">
+            <a:pPr marL="0" lvl="0" indent="0" algn="l" rtl="0">
               <a:spcBef>
                 <a:spcPts val="0"/>
               </a:spcBef>
@@ -7726,9 +7911,11 @@
       <p:sp>
         <p:nvSpPr>
           <p:cNvPr id="73" name="Google Shape;73;p13"/>
-          <p:cNvSpPr txBox="1"/>
+          <p:cNvSpPr txBox="1">
+            <a:spLocks noGrp="1"/>
+          </p:cNvSpPr>
           <p:nvPr>
-            <p:ph idx="1" type="subTitle"/>
+            <p:ph type="subTitle" idx="1"/>
           </p:nvPr>
         </p:nvSpPr>
         <p:spPr>
@@ -7741,12 +7928,12 @@
           </a:prstGeom>
         </p:spPr>
         <p:txBody>
-          <a:bodyPr anchorCtr="0" anchor="b" bIns="91425" lIns="91425" spcFirstLastPara="1" rIns="91425" wrap="square" tIns="91425">
+          <a:bodyPr spcFirstLastPara="1" wrap="square" lIns="91425" tIns="91425" rIns="91425" bIns="91425" anchor="b" anchorCtr="0">
             <a:noAutofit/>
           </a:bodyPr>
           <a:lstStyle/>
           <a:p>
-            <a:pPr indent="0" lvl="0" marL="0" rtl="0" algn="l">
+            <a:pPr marL="0" lvl="0" indent="0" algn="l" rtl="0">
               <a:spcBef>
                 <a:spcPts val="0"/>
               </a:spcBef>
@@ -7782,11 +7969,11 @@
 </file>
 
 <file path=ppt/slides/slide10.xml><?xml version="1.0" encoding="utf-8"?>
-<p:sld xmlns:a="http://schemas.openxmlformats.org/drawingml/2006/main" xmlns:r="http://schemas.openxmlformats.org/officeDocument/2006/relationships" xmlns:mc="http://schemas.openxmlformats.org/markup-compatibility/2006" xmlns:mv="urn:schemas-microsoft-com:mac:vml" xmlns:p="http://schemas.openxmlformats.org/presentationml/2006/main" xmlns:c="http://schemas.openxmlformats.org/drawingml/2006/chart" xmlns:dgm="http://schemas.openxmlformats.org/drawingml/2006/diagram" xmlns:o="urn:schemas-microsoft-com:office:office" xmlns:v="urn:schemas-microsoft-com:vml" xmlns:pvml="urn:schemas-microsoft-com:office:powerpoint" xmlns:com="http://schemas.openxmlformats.org/drawingml/2006/compatibility" xmlns:p14="http://schemas.microsoft.com/office/powerpoint/2010/main" xmlns:p15="http://schemas.microsoft.com/office/powerpoint/2012/main">
+<p:sld xmlns:a="http://schemas.openxmlformats.org/drawingml/2006/main" xmlns:r="http://schemas.openxmlformats.org/officeDocument/2006/relationships" xmlns:p="http://schemas.openxmlformats.org/presentationml/2006/main">
   <p:cSld>
     <p:spTree>
       <p:nvGrpSpPr>
-        <p:cNvPr id="135" name="Shape 135"/>
+        <p:cNvPr id="1" name="Shape 135"/>
         <p:cNvGrpSpPr/>
         <p:nvPr/>
       </p:nvGrpSpPr>
@@ -7801,7 +7988,9 @@
       <p:sp>
         <p:nvSpPr>
           <p:cNvPr id="136" name="Google Shape;136;p22"/>
-          <p:cNvSpPr txBox="1"/>
+          <p:cNvSpPr txBox="1">
+            <a:spLocks noGrp="1"/>
+          </p:cNvSpPr>
           <p:nvPr>
             <p:ph type="title"/>
           </p:nvPr>
@@ -7816,12 +8005,12 @@
           </a:prstGeom>
         </p:spPr>
         <p:txBody>
-          <a:bodyPr anchorCtr="0" anchor="t" bIns="91425" lIns="91425" spcFirstLastPara="1" rIns="91425" wrap="square" tIns="91425">
+          <a:bodyPr spcFirstLastPara="1" wrap="square" lIns="91425" tIns="91425" rIns="91425" bIns="91425" anchor="t" anchorCtr="0">
             <a:noAutofit/>
           </a:bodyPr>
           <a:lstStyle/>
           <a:p>
-            <a:pPr indent="0" lvl="0" marL="0" rtl="0" algn="l">
+            <a:pPr marL="0" lvl="0" indent="0" algn="l" rtl="0">
               <a:spcBef>
                 <a:spcPts val="0"/>
               </a:spcBef>
@@ -7903,11 +8092,11 @@
 </file>
 
 <file path=ppt/slides/slide11.xml><?xml version="1.0" encoding="utf-8"?>
-<p:sld xmlns:a="http://schemas.openxmlformats.org/drawingml/2006/main" xmlns:r="http://schemas.openxmlformats.org/officeDocument/2006/relationships" xmlns:mc="http://schemas.openxmlformats.org/markup-compatibility/2006" xmlns:mv="urn:schemas-microsoft-com:mac:vml" xmlns:p="http://schemas.openxmlformats.org/presentationml/2006/main" xmlns:c="http://schemas.openxmlformats.org/drawingml/2006/chart" xmlns:dgm="http://schemas.openxmlformats.org/drawingml/2006/diagram" xmlns:o="urn:schemas-microsoft-com:office:office" xmlns:v="urn:schemas-microsoft-com:vml" xmlns:pvml="urn:schemas-microsoft-com:office:powerpoint" xmlns:com="http://schemas.openxmlformats.org/drawingml/2006/compatibility" xmlns:p14="http://schemas.microsoft.com/office/powerpoint/2010/main" xmlns:p15="http://schemas.microsoft.com/office/powerpoint/2012/main">
+<p:sld xmlns:a="http://schemas.openxmlformats.org/drawingml/2006/main" xmlns:r="http://schemas.openxmlformats.org/officeDocument/2006/relationships" xmlns:p="http://schemas.openxmlformats.org/presentationml/2006/main">
   <p:cSld>
     <p:spTree>
       <p:nvGrpSpPr>
-        <p:cNvPr id="142" name="Shape 142"/>
+        <p:cNvPr id="1" name="Shape 142"/>
         <p:cNvGrpSpPr/>
         <p:nvPr/>
       </p:nvGrpSpPr>
@@ -7922,7 +8111,9 @@
       <p:sp>
         <p:nvSpPr>
           <p:cNvPr id="143" name="Google Shape;143;p23"/>
-          <p:cNvSpPr txBox="1"/>
+          <p:cNvSpPr txBox="1">
+            <a:spLocks noGrp="1"/>
+          </p:cNvSpPr>
           <p:nvPr>
             <p:ph type="title"/>
           </p:nvPr>
@@ -7937,12 +8128,12 @@
           </a:prstGeom>
         </p:spPr>
         <p:txBody>
-          <a:bodyPr anchorCtr="0" anchor="t" bIns="91425" lIns="91425" spcFirstLastPara="1" rIns="91425" wrap="square" tIns="91425">
+          <a:bodyPr spcFirstLastPara="1" wrap="square" lIns="91425" tIns="91425" rIns="91425" bIns="91425" anchor="t" anchorCtr="0">
             <a:noAutofit/>
           </a:bodyPr>
           <a:lstStyle/>
           <a:p>
-            <a:pPr indent="0" lvl="0" marL="0" rtl="0" algn="l">
+            <a:pPr marL="0" lvl="0" indent="0" algn="l" rtl="0">
               <a:spcBef>
                 <a:spcPts val="0"/>
               </a:spcBef>
@@ -7953,11 +8144,7 @@
             </a:pPr>
             <a:r>
               <a:rPr lang="en"/>
-              <a:t>Fixture</a:t>
-            </a:r>
-            <a:r>
-              <a:rPr lang="en"/>
-              <a:t> Designs</a:t>
+              <a:t>Fixture Designs</a:t>
             </a:r>
             <a:endParaRPr/>
           </a:p>
@@ -8028,11 +8215,11 @@
 </file>
 
 <file path=ppt/slides/slide2.xml><?xml version="1.0" encoding="utf-8"?>
-<p:sld xmlns:a="http://schemas.openxmlformats.org/drawingml/2006/main" xmlns:r="http://schemas.openxmlformats.org/officeDocument/2006/relationships" xmlns:mc="http://schemas.openxmlformats.org/markup-compatibility/2006" xmlns:mv="urn:schemas-microsoft-com:mac:vml" xmlns:p="http://schemas.openxmlformats.org/presentationml/2006/main" xmlns:c="http://schemas.openxmlformats.org/drawingml/2006/chart" xmlns:dgm="http://schemas.openxmlformats.org/drawingml/2006/diagram" xmlns:o="urn:schemas-microsoft-com:office:office" xmlns:v="urn:schemas-microsoft-com:vml" xmlns:pvml="urn:schemas-microsoft-com:office:powerpoint" xmlns:com="http://schemas.openxmlformats.org/drawingml/2006/compatibility" xmlns:p14="http://schemas.microsoft.com/office/powerpoint/2010/main" xmlns:p15="http://schemas.microsoft.com/office/powerpoint/2012/main">
+<p:sld xmlns:a="http://schemas.openxmlformats.org/drawingml/2006/main" xmlns:r="http://schemas.openxmlformats.org/officeDocument/2006/relationships" xmlns:p="http://schemas.openxmlformats.org/presentationml/2006/main">
   <p:cSld>
     <p:spTree>
       <p:nvGrpSpPr>
-        <p:cNvPr id="77" name="Shape 77"/>
+        <p:cNvPr id="1" name="Shape 77"/>
         <p:cNvGrpSpPr/>
         <p:nvPr/>
       </p:nvGrpSpPr>
@@ -8047,7 +8234,9 @@
       <p:sp>
         <p:nvSpPr>
           <p:cNvPr id="78" name="Google Shape;78;p14"/>
-          <p:cNvSpPr txBox="1"/>
+          <p:cNvSpPr txBox="1">
+            <a:spLocks noGrp="1"/>
+          </p:cNvSpPr>
           <p:nvPr>
             <p:ph type="title"/>
           </p:nvPr>
@@ -8062,12 +8251,12 @@
           </a:prstGeom>
         </p:spPr>
         <p:txBody>
-          <a:bodyPr anchorCtr="0" anchor="t" bIns="91425" lIns="91425" spcFirstLastPara="1" rIns="91425" wrap="square" tIns="91425">
+          <a:bodyPr spcFirstLastPara="1" wrap="square" lIns="91425" tIns="91425" rIns="91425" bIns="91425" anchor="t" anchorCtr="0">
             <a:noAutofit/>
           </a:bodyPr>
           <a:lstStyle/>
           <a:p>
-            <a:pPr indent="0" lvl="0" marL="0" rtl="0" algn="l">
+            <a:pPr marL="0" lvl="0" indent="0" algn="l" rtl="0">
               <a:spcBef>
                 <a:spcPts val="0"/>
               </a:spcBef>
@@ -8087,9 +8276,11 @@
       <p:sp>
         <p:nvSpPr>
           <p:cNvPr id="79" name="Google Shape;79;p14"/>
-          <p:cNvSpPr txBox="1"/>
+          <p:cNvSpPr txBox="1">
+            <a:spLocks noGrp="1"/>
+          </p:cNvSpPr>
           <p:nvPr>
-            <p:ph idx="1" type="body"/>
+            <p:ph type="body" idx="1"/>
           </p:nvPr>
         </p:nvSpPr>
         <p:spPr>
@@ -8102,12 +8293,12 @@
           </a:prstGeom>
         </p:spPr>
         <p:txBody>
-          <a:bodyPr anchorCtr="0" anchor="t" bIns="91425" lIns="91425" spcFirstLastPara="1" rIns="91425" wrap="square" tIns="91425">
+          <a:bodyPr spcFirstLastPara="1" wrap="square" lIns="91425" tIns="91425" rIns="91425" bIns="91425" anchor="t" anchorCtr="0">
             <a:noAutofit/>
           </a:bodyPr>
           <a:lstStyle/>
           <a:p>
-            <a:pPr indent="-342900" lvl="0" marL="457200" rtl="0" algn="l">
+            <a:pPr marL="457200" lvl="0" indent="-342900" algn="l" rtl="0">
               <a:spcBef>
                 <a:spcPts val="0"/>
               </a:spcBef>
@@ -8135,7 +8326,7 @@
             </a:endParaRPr>
           </a:p>
           <a:p>
-            <a:pPr indent="-342900" lvl="0" marL="457200" rtl="0" algn="l">
+            <a:pPr marL="457200" lvl="0" indent="-342900" algn="l" rtl="0">
               <a:spcBef>
                 <a:spcPts val="0"/>
               </a:spcBef>
@@ -8163,7 +8354,7 @@
             </a:endParaRPr>
           </a:p>
           <a:p>
-            <a:pPr indent="-342900" lvl="0" marL="457200" rtl="0" algn="l">
+            <a:pPr marL="457200" lvl="0" indent="-342900" algn="l" rtl="0">
               <a:spcBef>
                 <a:spcPts val="0"/>
               </a:spcBef>
@@ -8191,7 +8382,7 @@
             </a:endParaRPr>
           </a:p>
           <a:p>
-            <a:pPr indent="-342900" lvl="0" marL="457200" rtl="0" algn="l">
+            <a:pPr marL="457200" lvl="0" indent="-342900" algn="l" rtl="0">
               <a:spcBef>
                 <a:spcPts val="0"/>
               </a:spcBef>
@@ -8229,11 +8420,11 @@
 </file>
 
 <file path=ppt/slides/slide3.xml><?xml version="1.0" encoding="utf-8"?>
-<p:sld xmlns:a="http://schemas.openxmlformats.org/drawingml/2006/main" xmlns:r="http://schemas.openxmlformats.org/officeDocument/2006/relationships" xmlns:mc="http://schemas.openxmlformats.org/markup-compatibility/2006" xmlns:mv="urn:schemas-microsoft-com:mac:vml" xmlns:p="http://schemas.openxmlformats.org/presentationml/2006/main" xmlns:c="http://schemas.openxmlformats.org/drawingml/2006/chart" xmlns:dgm="http://schemas.openxmlformats.org/drawingml/2006/diagram" xmlns:o="urn:schemas-microsoft-com:office:office" xmlns:v="urn:schemas-microsoft-com:vml" xmlns:pvml="urn:schemas-microsoft-com:office:powerpoint" xmlns:com="http://schemas.openxmlformats.org/drawingml/2006/compatibility" xmlns:p14="http://schemas.microsoft.com/office/powerpoint/2010/main" xmlns:p15="http://schemas.microsoft.com/office/powerpoint/2012/main">
+<p:sld xmlns:a="http://schemas.openxmlformats.org/drawingml/2006/main" xmlns:r="http://schemas.openxmlformats.org/officeDocument/2006/relationships" xmlns:p="http://schemas.openxmlformats.org/presentationml/2006/main">
   <p:cSld>
     <p:spTree>
       <p:nvGrpSpPr>
-        <p:cNvPr id="83" name="Shape 83"/>
+        <p:cNvPr id="1" name="Shape 83"/>
         <p:cNvGrpSpPr/>
         <p:nvPr/>
       </p:nvGrpSpPr>
@@ -8248,7 +8439,9 @@
       <p:sp>
         <p:nvSpPr>
           <p:cNvPr id="84" name="Google Shape;84;p15"/>
-          <p:cNvSpPr txBox="1"/>
+          <p:cNvSpPr txBox="1">
+            <a:spLocks noGrp="1"/>
+          </p:cNvSpPr>
           <p:nvPr>
             <p:ph type="title"/>
           </p:nvPr>
@@ -8263,12 +8456,12 @@
           </a:prstGeom>
         </p:spPr>
         <p:txBody>
-          <a:bodyPr anchorCtr="0" anchor="t" bIns="91425" lIns="91425" spcFirstLastPara="1" rIns="91425" wrap="square" tIns="91425">
+          <a:bodyPr spcFirstLastPara="1" wrap="square" lIns="91425" tIns="91425" rIns="91425" bIns="91425" anchor="t" anchorCtr="0">
             <a:noAutofit/>
           </a:bodyPr>
           <a:lstStyle/>
           <a:p>
-            <a:pPr indent="0" lvl="0" marL="0" rtl="0" algn="l">
+            <a:pPr marL="0" lvl="0" indent="0" algn="l" rtl="0">
               <a:spcBef>
                 <a:spcPts val="0"/>
               </a:spcBef>
@@ -8288,9 +8481,11 @@
       <p:sp>
         <p:nvSpPr>
           <p:cNvPr id="85" name="Google Shape;85;p15"/>
-          <p:cNvSpPr txBox="1"/>
+          <p:cNvSpPr txBox="1">
+            <a:spLocks noGrp="1"/>
+          </p:cNvSpPr>
           <p:nvPr>
-            <p:ph idx="1" type="body"/>
+            <p:ph type="body" idx="1"/>
           </p:nvPr>
         </p:nvSpPr>
         <p:spPr>
@@ -8303,12 +8498,12 @@
           </a:prstGeom>
         </p:spPr>
         <p:txBody>
-          <a:bodyPr anchorCtr="0" anchor="t" bIns="91425" lIns="91425" spcFirstLastPara="1" rIns="91425" wrap="square" tIns="91425">
+          <a:bodyPr spcFirstLastPara="1" wrap="square" lIns="91425" tIns="91425" rIns="91425" bIns="91425" anchor="t" anchorCtr="0">
             <a:noAutofit/>
           </a:bodyPr>
           <a:lstStyle/>
           <a:p>
-            <a:pPr indent="0" lvl="0" marL="0" rtl="0" algn="l">
+            <a:pPr marL="0" lvl="0" indent="0" algn="l" rtl="0">
               <a:spcBef>
                 <a:spcPts val="0"/>
               </a:spcBef>
@@ -8334,7 +8529,7 @@
             </a:endParaRPr>
           </a:p>
           <a:p>
-            <a:pPr indent="-134620" lvl="0" marL="274320" rtl="0" algn="l">
+            <a:pPr marL="274320" lvl="0" indent="-134620" algn="l" rtl="0">
               <a:spcBef>
                 <a:spcPts val="0"/>
               </a:spcBef>
@@ -8362,7 +8557,7 @@
             </a:endParaRPr>
           </a:p>
           <a:p>
-            <a:pPr indent="-134620" lvl="0" marL="274320" rtl="0" algn="l">
+            <a:pPr marL="274320" lvl="0" indent="-134620" algn="l" rtl="0">
               <a:spcBef>
                 <a:spcPts val="0"/>
               </a:spcBef>
@@ -8390,7 +8585,7 @@
             </a:endParaRPr>
           </a:p>
           <a:p>
-            <a:pPr indent="-134620" lvl="0" marL="274320" rtl="0" algn="l">
+            <a:pPr marL="274320" lvl="0" indent="-134620" algn="l" rtl="0">
               <a:spcBef>
                 <a:spcPts val="0"/>
               </a:spcBef>
@@ -8485,7 +8680,7 @@
           <a:blip r:embed="rId5">
             <a:alphaModFix/>
           </a:blip>
-          <a:srcRect b="0" l="0" r="17756" t="0"/>
+          <a:srcRect r="17756"/>
           <a:stretch/>
         </p:blipFill>
         <p:spPr>
@@ -8511,11 +8706,11 @@
 </file>
 
 <file path=ppt/slides/slide4.xml><?xml version="1.0" encoding="utf-8"?>
-<p:sld xmlns:a="http://schemas.openxmlformats.org/drawingml/2006/main" xmlns:r="http://schemas.openxmlformats.org/officeDocument/2006/relationships" xmlns:mc="http://schemas.openxmlformats.org/markup-compatibility/2006" xmlns:mv="urn:schemas-microsoft-com:mac:vml" xmlns:p="http://schemas.openxmlformats.org/presentationml/2006/main" xmlns:c="http://schemas.openxmlformats.org/drawingml/2006/chart" xmlns:dgm="http://schemas.openxmlformats.org/drawingml/2006/diagram" xmlns:o="urn:schemas-microsoft-com:office:office" xmlns:v="urn:schemas-microsoft-com:vml" xmlns:pvml="urn:schemas-microsoft-com:office:powerpoint" xmlns:com="http://schemas.openxmlformats.org/drawingml/2006/compatibility" xmlns:p14="http://schemas.microsoft.com/office/powerpoint/2010/main" xmlns:p15="http://schemas.microsoft.com/office/powerpoint/2012/main">
+<p:sld xmlns:a="http://schemas.openxmlformats.org/drawingml/2006/main" xmlns:r="http://schemas.openxmlformats.org/officeDocument/2006/relationships" xmlns:p="http://schemas.openxmlformats.org/presentationml/2006/main">
   <p:cSld>
     <p:spTree>
       <p:nvGrpSpPr>
-        <p:cNvPr id="92" name="Shape 92"/>
+        <p:cNvPr id="1" name="Shape 92"/>
         <p:cNvGrpSpPr/>
         <p:nvPr/>
       </p:nvGrpSpPr>
@@ -8530,7 +8725,9 @@
       <p:sp>
         <p:nvSpPr>
           <p:cNvPr id="93" name="Google Shape;93;p16"/>
-          <p:cNvSpPr txBox="1"/>
+          <p:cNvSpPr txBox="1">
+            <a:spLocks noGrp="1"/>
+          </p:cNvSpPr>
           <p:nvPr>
             <p:ph type="title"/>
           </p:nvPr>
@@ -8545,12 +8742,12 @@
           </a:prstGeom>
         </p:spPr>
         <p:txBody>
-          <a:bodyPr anchorCtr="0" anchor="t" bIns="91425" lIns="91425" spcFirstLastPara="1" rIns="91425" wrap="square" tIns="91425">
+          <a:bodyPr spcFirstLastPara="1" wrap="square" lIns="91425" tIns="91425" rIns="91425" bIns="91425" anchor="t" anchorCtr="0">
             <a:noAutofit/>
           </a:bodyPr>
           <a:lstStyle/>
           <a:p>
-            <a:pPr indent="0" lvl="0" marL="0" rtl="0" algn="l">
+            <a:pPr marL="0" lvl="0" indent="0" algn="l" rtl="0">
               <a:spcBef>
                 <a:spcPts val="0"/>
               </a:spcBef>
@@ -8570,9 +8767,11 @@
       <p:sp>
         <p:nvSpPr>
           <p:cNvPr id="94" name="Google Shape;94;p16"/>
-          <p:cNvSpPr txBox="1"/>
+          <p:cNvSpPr txBox="1">
+            <a:spLocks noGrp="1"/>
+          </p:cNvSpPr>
           <p:nvPr>
-            <p:ph idx="1" type="body"/>
+            <p:ph type="body" idx="1"/>
           </p:nvPr>
         </p:nvSpPr>
         <p:spPr>
@@ -8585,12 +8784,12 @@
           </a:prstGeom>
         </p:spPr>
         <p:txBody>
-          <a:bodyPr anchorCtr="0" anchor="t" bIns="91425" lIns="91425" spcFirstLastPara="1" rIns="91425" wrap="square" tIns="91425">
+          <a:bodyPr spcFirstLastPara="1" wrap="square" lIns="91425" tIns="91425" rIns="91425" bIns="91425" anchor="t" anchorCtr="0">
             <a:noAutofit/>
           </a:bodyPr>
           <a:lstStyle/>
           <a:p>
-            <a:pPr indent="0" lvl="0" marL="0" rtl="0" algn="l">
+            <a:pPr marL="0" lvl="0" indent="0" algn="l" rtl="0">
               <a:spcBef>
                 <a:spcPts val="0"/>
               </a:spcBef>
@@ -8654,11 +8853,11 @@
 </file>
 
 <file path=ppt/slides/slide5.xml><?xml version="1.0" encoding="utf-8"?>
-<p:sld xmlns:a="http://schemas.openxmlformats.org/drawingml/2006/main" xmlns:r="http://schemas.openxmlformats.org/officeDocument/2006/relationships" xmlns:mc="http://schemas.openxmlformats.org/markup-compatibility/2006" xmlns:mv="urn:schemas-microsoft-com:mac:vml" xmlns:p="http://schemas.openxmlformats.org/presentationml/2006/main" xmlns:c="http://schemas.openxmlformats.org/drawingml/2006/chart" xmlns:dgm="http://schemas.openxmlformats.org/drawingml/2006/diagram" xmlns:o="urn:schemas-microsoft-com:office:office" xmlns:v="urn:schemas-microsoft-com:vml" xmlns:pvml="urn:schemas-microsoft-com:office:powerpoint" xmlns:com="http://schemas.openxmlformats.org/drawingml/2006/compatibility" xmlns:p14="http://schemas.microsoft.com/office/powerpoint/2010/main" xmlns:p15="http://schemas.microsoft.com/office/powerpoint/2012/main">
+<p:sld xmlns:a="http://schemas.openxmlformats.org/drawingml/2006/main" xmlns:r="http://schemas.openxmlformats.org/officeDocument/2006/relationships" xmlns:p="http://schemas.openxmlformats.org/presentationml/2006/main">
   <p:cSld>
     <p:spTree>
       <p:nvGrpSpPr>
-        <p:cNvPr id="99" name="Shape 99"/>
+        <p:cNvPr id="1" name="Shape 99"/>
         <p:cNvGrpSpPr/>
         <p:nvPr/>
       </p:nvGrpSpPr>
@@ -8673,7 +8872,9 @@
       <p:sp>
         <p:nvSpPr>
           <p:cNvPr id="100" name="Google Shape;100;p17"/>
-          <p:cNvSpPr txBox="1"/>
+          <p:cNvSpPr txBox="1">
+            <a:spLocks noGrp="1"/>
+          </p:cNvSpPr>
           <p:nvPr>
             <p:ph type="title"/>
           </p:nvPr>
@@ -8688,12 +8889,12 @@
           </a:prstGeom>
         </p:spPr>
         <p:txBody>
-          <a:bodyPr anchorCtr="0" anchor="t" bIns="91425" lIns="91425" spcFirstLastPara="1" rIns="91425" wrap="square" tIns="91425">
+          <a:bodyPr spcFirstLastPara="1" wrap="square" lIns="91425" tIns="91425" rIns="91425" bIns="91425" anchor="t" anchorCtr="0">
             <a:noAutofit/>
           </a:bodyPr>
           <a:lstStyle/>
           <a:p>
-            <a:pPr indent="0" lvl="0" marL="0" rtl="0" algn="l">
+            <a:pPr marL="0" lvl="0" indent="0" algn="l" rtl="0">
               <a:spcBef>
                 <a:spcPts val="0"/>
               </a:spcBef>
@@ -8713,9 +8914,11 @@
       <p:sp>
         <p:nvSpPr>
           <p:cNvPr id="101" name="Google Shape;101;p17"/>
-          <p:cNvSpPr txBox="1"/>
+          <p:cNvSpPr txBox="1">
+            <a:spLocks noGrp="1"/>
+          </p:cNvSpPr>
           <p:nvPr>
-            <p:ph idx="1" type="body"/>
+            <p:ph type="body" idx="1"/>
           </p:nvPr>
         </p:nvSpPr>
         <p:spPr>
@@ -8728,12 +8931,12 @@
           </a:prstGeom>
         </p:spPr>
         <p:txBody>
-          <a:bodyPr anchorCtr="0" anchor="t" bIns="91425" lIns="91425" spcFirstLastPara="1" rIns="91425" wrap="square" tIns="91425">
+          <a:bodyPr spcFirstLastPara="1" wrap="square" lIns="91425" tIns="91425" rIns="91425" bIns="91425" anchor="t" anchorCtr="0">
             <a:noAutofit/>
           </a:bodyPr>
           <a:lstStyle/>
           <a:p>
-            <a:pPr indent="0" lvl="0" marL="0" rtl="0" algn="l">
+            <a:pPr marL="0" lvl="0" indent="0" algn="l" rtl="0">
               <a:spcBef>
                 <a:spcPts val="0"/>
               </a:spcBef>
@@ -8825,11 +9028,11 @@
 </file>
 
 <file path=ppt/slides/slide6.xml><?xml version="1.0" encoding="utf-8"?>
-<p:sld xmlns:a="http://schemas.openxmlformats.org/drawingml/2006/main" xmlns:r="http://schemas.openxmlformats.org/officeDocument/2006/relationships" xmlns:mc="http://schemas.openxmlformats.org/markup-compatibility/2006" xmlns:mv="urn:schemas-microsoft-com:mac:vml" xmlns:p="http://schemas.openxmlformats.org/presentationml/2006/main" xmlns:c="http://schemas.openxmlformats.org/drawingml/2006/chart" xmlns:dgm="http://schemas.openxmlformats.org/drawingml/2006/diagram" xmlns:o="urn:schemas-microsoft-com:office:office" xmlns:v="urn:schemas-microsoft-com:vml" xmlns:pvml="urn:schemas-microsoft-com:office:powerpoint" xmlns:com="http://schemas.openxmlformats.org/drawingml/2006/compatibility" xmlns:p14="http://schemas.microsoft.com/office/powerpoint/2010/main" xmlns:p15="http://schemas.microsoft.com/office/powerpoint/2012/main">
+<p:sld xmlns:a="http://schemas.openxmlformats.org/drawingml/2006/main" xmlns:r="http://schemas.openxmlformats.org/officeDocument/2006/relationships" xmlns:p="http://schemas.openxmlformats.org/presentationml/2006/main">
   <p:cSld>
     <p:spTree>
       <p:nvGrpSpPr>
-        <p:cNvPr id="107" name="Shape 107"/>
+        <p:cNvPr id="1" name="Shape 107"/>
         <p:cNvGrpSpPr/>
         <p:nvPr/>
       </p:nvGrpSpPr>
@@ -8844,7 +9047,9 @@
       <p:sp>
         <p:nvSpPr>
           <p:cNvPr id="108" name="Google Shape;108;p18"/>
-          <p:cNvSpPr txBox="1"/>
+          <p:cNvSpPr txBox="1">
+            <a:spLocks noGrp="1"/>
+          </p:cNvSpPr>
           <p:nvPr>
             <p:ph type="title"/>
           </p:nvPr>
@@ -8859,12 +9064,12 @@
           </a:prstGeom>
         </p:spPr>
         <p:txBody>
-          <a:bodyPr anchorCtr="0" anchor="t" bIns="91425" lIns="91425" spcFirstLastPara="1" rIns="91425" wrap="square" tIns="91425">
+          <a:bodyPr spcFirstLastPara="1" wrap="square" lIns="91425" tIns="91425" rIns="91425" bIns="91425" anchor="t" anchorCtr="0">
             <a:noAutofit/>
           </a:bodyPr>
           <a:lstStyle/>
           <a:p>
-            <a:pPr indent="0" lvl="0" marL="0" rtl="0" algn="l">
+            <a:pPr marL="0" lvl="0" indent="0" algn="l" rtl="0">
               <a:spcBef>
                 <a:spcPts val="0"/>
               </a:spcBef>
@@ -8884,9 +9089,11 @@
       <p:sp>
         <p:nvSpPr>
           <p:cNvPr id="109" name="Google Shape;109;p18"/>
-          <p:cNvSpPr txBox="1"/>
+          <p:cNvSpPr txBox="1">
+            <a:spLocks noGrp="1"/>
+          </p:cNvSpPr>
           <p:nvPr>
-            <p:ph idx="1" type="body"/>
+            <p:ph type="body" idx="1"/>
           </p:nvPr>
         </p:nvSpPr>
         <p:spPr>
@@ -8899,12 +9106,12 @@
           </a:prstGeom>
         </p:spPr>
         <p:txBody>
-          <a:bodyPr anchorCtr="0" anchor="t" bIns="91425" lIns="91425" spcFirstLastPara="1" rIns="91425" wrap="square" tIns="91425">
+          <a:bodyPr spcFirstLastPara="1" wrap="square" lIns="91425" tIns="91425" rIns="91425" bIns="91425" anchor="t" anchorCtr="0">
             <a:noAutofit/>
           </a:bodyPr>
           <a:lstStyle/>
           <a:p>
-            <a:pPr indent="0" lvl="0" marL="0" rtl="0" algn="l">
+            <a:pPr marL="0" lvl="0" indent="0" algn="l" rtl="0">
               <a:spcBef>
                 <a:spcPts val="0"/>
               </a:spcBef>
@@ -8968,11 +9175,11 @@
 </file>
 
 <file path=ppt/slides/slide7.xml><?xml version="1.0" encoding="utf-8"?>
-<p:sld xmlns:a="http://schemas.openxmlformats.org/drawingml/2006/main" xmlns:r="http://schemas.openxmlformats.org/officeDocument/2006/relationships" xmlns:mc="http://schemas.openxmlformats.org/markup-compatibility/2006" xmlns:mv="urn:schemas-microsoft-com:mac:vml" xmlns:p="http://schemas.openxmlformats.org/presentationml/2006/main" xmlns:c="http://schemas.openxmlformats.org/drawingml/2006/chart" xmlns:dgm="http://schemas.openxmlformats.org/drawingml/2006/diagram" xmlns:o="urn:schemas-microsoft-com:office:office" xmlns:v="urn:schemas-microsoft-com:vml" xmlns:pvml="urn:schemas-microsoft-com:office:powerpoint" xmlns:com="http://schemas.openxmlformats.org/drawingml/2006/compatibility" xmlns:p14="http://schemas.microsoft.com/office/powerpoint/2010/main" xmlns:p15="http://schemas.microsoft.com/office/powerpoint/2012/main">
+<p:sld xmlns:a="http://schemas.openxmlformats.org/drawingml/2006/main" xmlns:r="http://schemas.openxmlformats.org/officeDocument/2006/relationships" xmlns:p="http://schemas.openxmlformats.org/presentationml/2006/main">
   <p:cSld>
     <p:spTree>
       <p:nvGrpSpPr>
-        <p:cNvPr id="114" name="Shape 114"/>
+        <p:cNvPr id="1" name="Shape 114"/>
         <p:cNvGrpSpPr/>
         <p:nvPr/>
       </p:nvGrpSpPr>
@@ -8987,7 +9194,9 @@
       <p:sp>
         <p:nvSpPr>
           <p:cNvPr id="115" name="Google Shape;115;p19"/>
-          <p:cNvSpPr txBox="1"/>
+          <p:cNvSpPr txBox="1">
+            <a:spLocks noGrp="1"/>
+          </p:cNvSpPr>
           <p:nvPr>
             <p:ph type="title"/>
           </p:nvPr>
@@ -9002,12 +9211,12 @@
           </a:prstGeom>
         </p:spPr>
         <p:txBody>
-          <a:bodyPr anchorCtr="0" anchor="t" bIns="91425" lIns="91425" spcFirstLastPara="1" rIns="91425" wrap="square" tIns="91425">
+          <a:bodyPr spcFirstLastPara="1" wrap="square" lIns="91425" tIns="91425" rIns="91425" bIns="91425" anchor="t" anchorCtr="0">
             <a:noAutofit/>
           </a:bodyPr>
           <a:lstStyle/>
           <a:p>
-            <a:pPr indent="0" lvl="0" marL="0" rtl="0" algn="l">
+            <a:pPr marL="0" lvl="0" indent="0" algn="l" rtl="0">
               <a:spcBef>
                 <a:spcPts val="0"/>
               </a:spcBef>
@@ -9055,9 +9264,11 @@
       <p:sp>
         <p:nvSpPr>
           <p:cNvPr id="117" name="Google Shape;117;p19"/>
-          <p:cNvSpPr txBox="1"/>
+          <p:cNvSpPr txBox="1">
+            <a:spLocks noGrp="1"/>
+          </p:cNvSpPr>
           <p:nvPr>
-            <p:ph idx="1" type="body"/>
+            <p:ph type="body" idx="1"/>
           </p:nvPr>
         </p:nvSpPr>
         <p:spPr>
@@ -9070,12 +9281,12 @@
           </a:prstGeom>
         </p:spPr>
         <p:txBody>
-          <a:bodyPr anchorCtr="0" anchor="t" bIns="91425" lIns="91425" spcFirstLastPara="1" rIns="91425" wrap="square" tIns="91425">
+          <a:bodyPr spcFirstLastPara="1" wrap="square" lIns="91425" tIns="91425" rIns="91425" bIns="91425" anchor="t" anchorCtr="0">
             <a:noAutofit/>
           </a:bodyPr>
           <a:lstStyle/>
           <a:p>
-            <a:pPr indent="0" lvl="0" marL="0" rtl="0" algn="l">
+            <a:pPr marL="0" lvl="0" indent="0" algn="l" rtl="0">
               <a:spcBef>
                 <a:spcPts val="0"/>
               </a:spcBef>
@@ -9111,11 +9322,11 @@
 </file>
 
 <file path=ppt/slides/slide8.xml><?xml version="1.0" encoding="utf-8"?>
-<p:sld xmlns:a="http://schemas.openxmlformats.org/drawingml/2006/main" xmlns:r="http://schemas.openxmlformats.org/officeDocument/2006/relationships" xmlns:mc="http://schemas.openxmlformats.org/markup-compatibility/2006" xmlns:mv="urn:schemas-microsoft-com:mac:vml" xmlns:p="http://schemas.openxmlformats.org/presentationml/2006/main" xmlns:c="http://schemas.openxmlformats.org/drawingml/2006/chart" xmlns:dgm="http://schemas.openxmlformats.org/drawingml/2006/diagram" xmlns:o="urn:schemas-microsoft-com:office:office" xmlns:v="urn:schemas-microsoft-com:vml" xmlns:pvml="urn:schemas-microsoft-com:office:powerpoint" xmlns:com="http://schemas.openxmlformats.org/drawingml/2006/compatibility" xmlns:p14="http://schemas.microsoft.com/office/powerpoint/2010/main" xmlns:p15="http://schemas.microsoft.com/office/powerpoint/2012/main">
+<p:sld xmlns:a="http://schemas.openxmlformats.org/drawingml/2006/main" xmlns:r="http://schemas.openxmlformats.org/officeDocument/2006/relationships" xmlns:p="http://schemas.openxmlformats.org/presentationml/2006/main">
   <p:cSld>
     <p:spTree>
       <p:nvGrpSpPr>
-        <p:cNvPr id="121" name="Shape 121"/>
+        <p:cNvPr id="1" name="Shape 121"/>
         <p:cNvGrpSpPr/>
         <p:nvPr/>
       </p:nvGrpSpPr>
@@ -9130,7 +9341,9 @@
       <p:sp>
         <p:nvSpPr>
           <p:cNvPr id="122" name="Google Shape;122;p20"/>
-          <p:cNvSpPr txBox="1"/>
+          <p:cNvSpPr txBox="1">
+            <a:spLocks noGrp="1"/>
+          </p:cNvSpPr>
           <p:nvPr>
             <p:ph type="title"/>
           </p:nvPr>
@@ -9145,12 +9358,12 @@
           </a:prstGeom>
         </p:spPr>
         <p:txBody>
-          <a:bodyPr anchorCtr="0" anchor="t" bIns="91425" lIns="91425" spcFirstLastPara="1" rIns="91425" wrap="square" tIns="91425">
+          <a:bodyPr spcFirstLastPara="1" wrap="square" lIns="91425" tIns="91425" rIns="91425" bIns="91425" anchor="t" anchorCtr="0">
             <a:noAutofit/>
           </a:bodyPr>
           <a:lstStyle/>
           <a:p>
-            <a:pPr indent="0" lvl="0" marL="0" rtl="0" algn="l">
+            <a:pPr marL="0" lvl="0" indent="0" algn="l" rtl="0">
               <a:spcBef>
                 <a:spcPts val="0"/>
               </a:spcBef>
@@ -9167,9 +9380,67 @@
           </a:p>
         </p:txBody>
       </p:sp>
+      <p:sp>
+        <p:nvSpPr>
+          <p:cNvPr id="124" name="Google Shape;124;p20"/>
+          <p:cNvSpPr txBox="1">
+            <a:spLocks noGrp="1"/>
+          </p:cNvSpPr>
+          <p:nvPr>
+            <p:ph type="body" idx="1"/>
+          </p:nvPr>
+        </p:nvSpPr>
+        <p:spPr>
+          <a:xfrm>
+            <a:off x="127000" y="2579625"/>
+            <a:ext cx="2273400" cy="420900"/>
+          </a:xfrm>
+          <a:prstGeom prst="rect">
+            <a:avLst/>
+          </a:prstGeom>
+        </p:spPr>
+        <p:txBody>
+          <a:bodyPr spcFirstLastPara="1" wrap="square" lIns="91425" tIns="91425" rIns="91425" bIns="91425" anchor="t" anchorCtr="0">
+            <a:noAutofit/>
+          </a:bodyPr>
+          <a:lstStyle/>
+          <a:p>
+            <a:pPr marL="0" lvl="0" indent="0" algn="l" rtl="0">
+              <a:spcBef>
+                <a:spcPts val="0"/>
+              </a:spcBef>
+              <a:spcAft>
+                <a:spcPts val="0"/>
+              </a:spcAft>
+              <a:buNone/>
+            </a:pPr>
+            <a:r>
+              <a:rPr lang="en" sz="1400">
+                <a:latin typeface="Raleway"/>
+                <a:ea typeface="Raleway"/>
+                <a:cs typeface="Raleway"/>
+                <a:sym typeface="Raleway"/>
+              </a:rPr>
+              <a:t>Thread Guage</a:t>
+            </a:r>
+            <a:endParaRPr sz="1400">
+              <a:latin typeface="Raleway"/>
+              <a:ea typeface="Raleway"/>
+              <a:cs typeface="Raleway"/>
+              <a:sym typeface="Raleway"/>
+            </a:endParaRPr>
+          </a:p>
+        </p:txBody>
+      </p:sp>
       <p:pic>
         <p:nvPicPr>
-          <p:cNvPr id="123" name="Google Shape;123;p20"/>
+          <p:cNvPr id="5" name="Google Shape;130;p21">
+            <a:extLst>
+              <a:ext uri="{FF2B5EF4-FFF2-40B4-BE49-F238E27FC236}">
+                <a16:creationId xmlns:a16="http://schemas.microsoft.com/office/drawing/2014/main" id="{FEF4B0B8-17E8-034F-B043-1D3AC8AAA9FE}"/>
+              </a:ext>
+            </a:extLst>
+          </p:cNvPr>
           <p:cNvPicPr preferRelativeResize="0"/>
           <p:nvPr/>
         </p:nvPicPr>
@@ -9183,8 +9454,8 @@
         </p:blipFill>
         <p:spPr>
           <a:xfrm>
-            <a:off x="2648138" y="1347963"/>
-            <a:ext cx="3847711" cy="2884219"/>
+            <a:off x="2704262" y="1390025"/>
+            <a:ext cx="3735476" cy="2800100"/>
           </a:xfrm>
           <a:prstGeom prst="rect">
             <a:avLst/>
@@ -9195,65 +9466,6 @@
           </a:ln>
         </p:spPr>
       </p:pic>
-      <p:sp>
-        <p:nvSpPr>
-          <p:cNvPr id="124" name="Google Shape;124;p20"/>
-          <p:cNvSpPr txBox="1"/>
-          <p:nvPr>
-            <p:ph idx="1" type="body"/>
-          </p:nvPr>
-        </p:nvSpPr>
-        <p:spPr>
-          <a:xfrm>
-            <a:off x="127000" y="2579625"/>
-            <a:ext cx="2273400" cy="420900"/>
-          </a:xfrm>
-          <a:prstGeom prst="rect">
-            <a:avLst/>
-          </a:prstGeom>
-        </p:spPr>
-        <p:txBody>
-          <a:bodyPr anchorCtr="0" anchor="t" bIns="91425" lIns="91425" spcFirstLastPara="1" rIns="91425" wrap="square" tIns="91425">
-            <a:noAutofit/>
-          </a:bodyPr>
-          <a:lstStyle/>
-          <a:p>
-            <a:pPr indent="0" lvl="0" marL="0" rtl="0" algn="l">
-              <a:spcBef>
-                <a:spcPts val="0"/>
-              </a:spcBef>
-              <a:spcAft>
-                <a:spcPts val="0"/>
-              </a:spcAft>
-              <a:buNone/>
-            </a:pPr>
-            <a:r>
-              <a:rPr lang="en" sz="1400">
-                <a:latin typeface="Raleway"/>
-                <a:ea typeface="Raleway"/>
-                <a:cs typeface="Raleway"/>
-                <a:sym typeface="Raleway"/>
-              </a:rPr>
-              <a:t>Thread</a:t>
-            </a:r>
-            <a:r>
-              <a:rPr lang="en" sz="1400">
-                <a:latin typeface="Raleway"/>
-                <a:ea typeface="Raleway"/>
-                <a:cs typeface="Raleway"/>
-                <a:sym typeface="Raleway"/>
-              </a:rPr>
-              <a:t> Guage</a:t>
-            </a:r>
-            <a:endParaRPr sz="1400">
-              <a:latin typeface="Raleway"/>
-              <a:ea typeface="Raleway"/>
-              <a:cs typeface="Raleway"/>
-              <a:sym typeface="Raleway"/>
-            </a:endParaRPr>
-          </a:p>
-        </p:txBody>
-      </p:sp>
     </p:spTree>
   </p:cSld>
   <p:clrMapOvr>
@@ -9263,11 +9475,11 @@
 </file>
 
 <file path=ppt/slides/slide9.xml><?xml version="1.0" encoding="utf-8"?>
-<p:sld xmlns:a="http://schemas.openxmlformats.org/drawingml/2006/main" xmlns:r="http://schemas.openxmlformats.org/officeDocument/2006/relationships" xmlns:mc="http://schemas.openxmlformats.org/markup-compatibility/2006" xmlns:mv="urn:schemas-microsoft-com:mac:vml" xmlns:p="http://schemas.openxmlformats.org/presentationml/2006/main" xmlns:c="http://schemas.openxmlformats.org/drawingml/2006/chart" xmlns:dgm="http://schemas.openxmlformats.org/drawingml/2006/diagram" xmlns:o="urn:schemas-microsoft-com:office:office" xmlns:v="urn:schemas-microsoft-com:vml" xmlns:pvml="urn:schemas-microsoft-com:office:powerpoint" xmlns:com="http://schemas.openxmlformats.org/drawingml/2006/compatibility" xmlns:p14="http://schemas.microsoft.com/office/powerpoint/2010/main" xmlns:p15="http://schemas.microsoft.com/office/powerpoint/2012/main">
+<p:sld xmlns:a="http://schemas.openxmlformats.org/drawingml/2006/main" xmlns:r="http://schemas.openxmlformats.org/officeDocument/2006/relationships" xmlns:p="http://schemas.openxmlformats.org/presentationml/2006/main">
   <p:cSld>
     <p:spTree>
       <p:nvGrpSpPr>
-        <p:cNvPr id="128" name="Shape 128"/>
+        <p:cNvPr id="1" name="Shape 128"/>
         <p:cNvGrpSpPr/>
         <p:nvPr/>
       </p:nvGrpSpPr>
@@ -9282,7 +9494,9 @@
       <p:sp>
         <p:nvSpPr>
           <p:cNvPr id="129" name="Google Shape;129;p21"/>
-          <p:cNvSpPr txBox="1"/>
+          <p:cNvSpPr txBox="1">
+            <a:spLocks noGrp="1"/>
+          </p:cNvSpPr>
           <p:nvPr>
             <p:ph type="title"/>
           </p:nvPr>
@@ -9297,12 +9511,12 @@
           </a:prstGeom>
         </p:spPr>
         <p:txBody>
-          <a:bodyPr anchorCtr="0" anchor="t" bIns="91425" lIns="91425" spcFirstLastPara="1" rIns="91425" wrap="square" tIns="91425">
+          <a:bodyPr spcFirstLastPara="1" wrap="square" lIns="91425" tIns="91425" rIns="91425" bIns="91425" anchor="t" anchorCtr="0">
             <a:noAutofit/>
           </a:bodyPr>
           <a:lstStyle/>
           <a:p>
-            <a:pPr indent="0" lvl="0" marL="0" rtl="0" algn="l">
+            <a:pPr marL="0" lvl="0" indent="0" algn="l" rtl="0">
               <a:spcBef>
                 <a:spcPts val="0"/>
               </a:spcBef>
@@ -9319,40 +9533,14 @@
           </a:p>
         </p:txBody>
       </p:sp>
-      <p:pic>
-        <p:nvPicPr>
-          <p:cNvPr id="130" name="Google Shape;130;p21"/>
-          <p:cNvPicPr preferRelativeResize="0"/>
-          <p:nvPr/>
-        </p:nvPicPr>
-        <p:blipFill>
-          <a:blip r:embed="rId3">
-            <a:alphaModFix/>
-          </a:blip>
-          <a:stretch>
-            <a:fillRect/>
-          </a:stretch>
-        </p:blipFill>
-        <p:spPr>
-          <a:xfrm>
-            <a:off x="2704250" y="1510250"/>
-            <a:ext cx="3735476" cy="2800100"/>
-          </a:xfrm>
-          <a:prstGeom prst="rect">
-            <a:avLst/>
-          </a:prstGeom>
-          <a:noFill/>
-          <a:ln>
-            <a:noFill/>
-          </a:ln>
-        </p:spPr>
-      </p:pic>
       <p:sp>
         <p:nvSpPr>
           <p:cNvPr id="131" name="Google Shape;131;p21"/>
-          <p:cNvSpPr txBox="1"/>
+          <p:cNvSpPr txBox="1">
+            <a:spLocks noGrp="1"/>
+          </p:cNvSpPr>
           <p:nvPr>
-            <p:ph idx="1" type="body"/>
+            <p:ph type="body" idx="1"/>
           </p:nvPr>
         </p:nvSpPr>
         <p:spPr>
@@ -9365,12 +9553,12 @@
           </a:prstGeom>
         </p:spPr>
         <p:txBody>
-          <a:bodyPr anchorCtr="0" anchor="t" bIns="91425" lIns="91425" spcFirstLastPara="1" rIns="91425" wrap="square" tIns="91425">
+          <a:bodyPr spcFirstLastPara="1" wrap="square" lIns="91425" tIns="91425" rIns="91425" bIns="91425" anchor="t" anchorCtr="0">
             <a:noAutofit/>
           </a:bodyPr>
           <a:lstStyle/>
           <a:p>
-            <a:pPr indent="0" lvl="0" marL="0" rtl="0" algn="l">
+            <a:pPr marL="0" lvl="0" indent="0" algn="l" rtl="0">
               <a:spcBef>
                 <a:spcPts val="0"/>
               </a:spcBef>
@@ -9397,6 +9585,40 @@
           </a:p>
         </p:txBody>
       </p:sp>
+      <p:pic>
+        <p:nvPicPr>
+          <p:cNvPr id="5" name="Google Shape;123;p20">
+            <a:extLst>
+              <a:ext uri="{FF2B5EF4-FFF2-40B4-BE49-F238E27FC236}">
+                <a16:creationId xmlns:a16="http://schemas.microsoft.com/office/drawing/2014/main" id="{8BC5FF4E-6F05-3143-A165-9C92A0B54E96}"/>
+              </a:ext>
+            </a:extLst>
+          </p:cNvPr>
+          <p:cNvPicPr preferRelativeResize="0"/>
+          <p:nvPr/>
+        </p:nvPicPr>
+        <p:blipFill>
+          <a:blip r:embed="rId3">
+            <a:alphaModFix/>
+          </a:blip>
+          <a:stretch>
+            <a:fillRect/>
+          </a:stretch>
+        </p:blipFill>
+        <p:spPr>
+          <a:xfrm>
+            <a:off x="2648138" y="1347963"/>
+            <a:ext cx="3847711" cy="2884219"/>
+          </a:xfrm>
+          <a:prstGeom prst="rect">
+            <a:avLst/>
+          </a:prstGeom>
+          <a:noFill/>
+          <a:ln>
+            <a:noFill/>
+          </a:ln>
+        </p:spPr>
+      </p:pic>
     </p:spTree>
   </p:cSld>
   <p:clrMapOvr>
@@ -9406,7 +9628,7 @@
 </file>
 
 <file path=ppt/theme/theme1.xml><?xml version="1.0" encoding="utf-8"?>
-<a:theme xmlns:a="http://schemas.openxmlformats.org/drawingml/2006/main" xmlns:r="http://schemas.openxmlformats.org/officeDocument/2006/relationships" name="Swiss">
+<a:theme xmlns:a="http://schemas.openxmlformats.org/drawingml/2006/main" name="Swiss">
   <a:themeElements>
     <a:clrScheme name="Swiss">
       <a:dk1>
@@ -9681,11 +9903,13 @@
       </a:bgFillStyleLst>
     </a:fmtScheme>
   </a:themeElements>
+  <a:objectDefaults/>
+  <a:extraClrSchemeLst/>
 </a:theme>
 </file>
 
 <file path=ppt/theme/theme2.xml><?xml version="1.0" encoding="utf-8"?>
-<a:theme xmlns:a="http://schemas.openxmlformats.org/drawingml/2006/main" xmlns:r="http://schemas.openxmlformats.org/officeDocument/2006/relationships">
+<a:theme xmlns:a="http://schemas.openxmlformats.org/drawingml/2006/main">
   <a:themeElements>
     <a:clrScheme name="Default">
       <a:dk1>
@@ -9960,5 +10184,7 @@
       </a:bgFillStyleLst>
     </a:fmtScheme>
   </a:themeElements>
+  <a:objectDefaults/>
+  <a:extraClrSchemeLst/>
 </a:theme>
 </file>